--- a/how_bitcoin_works/How_03_Transactions.pptx
+++ b/how_bitcoin_works/How_03_Transactions.pptx
@@ -5,10 +5,10 @@
     <p:sldMasterId id="2147483648" r:id="rId1"/>
   </p:sldMasterIdLst>
   <p:notesMasterIdLst>
-    <p:notesMasterId r:id="rId16"/>
+    <p:notesMasterId r:id="rId17"/>
   </p:notesMasterIdLst>
   <p:sldIdLst>
-    <p:sldId id="305" r:id="rId2"/>
+    <p:sldId id="307" r:id="rId2"/>
     <p:sldId id="283" r:id="rId3"/>
     <p:sldId id="284" r:id="rId4"/>
     <p:sldId id="285" r:id="rId5"/>
@@ -20,8 +20,9 @@
     <p:sldId id="269" r:id="rId11"/>
     <p:sldId id="303" r:id="rId12"/>
     <p:sldId id="275" r:id="rId13"/>
-    <p:sldId id="276" r:id="rId14"/>
-    <p:sldId id="278" r:id="rId15"/>
+    <p:sldId id="306" r:id="rId14"/>
+    <p:sldId id="276" r:id="rId15"/>
+    <p:sldId id="278" r:id="rId16"/>
   </p:sldIdLst>
   <p:sldSz cx="12192000" cy="6858000"/>
   <p:notesSz cx="6858000" cy="9144000"/>
@@ -121,55 +122,6 @@
     </a:lvl9pPr>
   </p:defaultTextStyle>
   <p:extLst>
-    <p:ext uri="{521415D9-36F7-43E2-AB2F-B90AF26B5E84}">
-      <p14:sectionLst xmlns:p14="http://schemas.microsoft.com/office/powerpoint/2010/main">
-        <p14:section name="Default Section" id="{112781BE-91B6-423E-BBF6-7C2F44E8C1A7}">
-          <p14:sldIdLst>
-            <p14:sldId id="305"/>
-          </p14:sldIdLst>
-        </p14:section>
-        <p14:section name="3. How Sending Money in Bitcoin Networks" id="{F8410F5B-64BC-48ED-93F2-422696031076}">
-          <p14:sldIdLst>
-            <p14:sldId id="283"/>
-            <p14:sldId id="284"/>
-            <p14:sldId id="285"/>
-          </p14:sldIdLst>
-        </p14:section>
-        <p14:section name="4. Bitcoin Transactions and Ledger in Detail" id="{5E4F5886-6015-4D3E-AC39-63624ADCC409}">
-          <p14:sldIdLst>
-            <p14:sldId id="266"/>
-            <p14:sldId id="263"/>
-            <p14:sldId id="264"/>
-            <p14:sldId id="265"/>
-            <p14:sldId id="267"/>
-          </p14:sldIdLst>
-        </p14:section>
-        <p14:section name="5. Double Spending" id="{4B7EE568-04BC-4AFD-94A4-01005FE15E75}">
-          <p14:sldIdLst>
-            <p14:sldId id="269"/>
-          </p14:sldIdLst>
-        </p14:section>
-        <p14:section name="7. The Block Chain: an Ordering of Transactions" id="{7944E45A-1017-468A-BBC8-62C079BE05AA}">
-          <p14:sldIdLst>
-            <p14:sldId id="303"/>
-          </p14:sldIdLst>
-        </p14:section>
-        <p14:section name="9. Double Spend Prevention" id="{E2DBD715-AF53-421D-9B85-36EE2043A7E8}">
-          <p14:sldIdLst>
-            <p14:sldId id="275"/>
-            <p14:sldId id="276"/>
-          </p14:sldIdLst>
-        </p14:section>
-        <p14:section name="11. Summary" id="{2BE261DD-00A7-497A-A73A-F5F6529C04F4}">
-          <p14:sldIdLst>
-            <p14:sldId id="278"/>
-          </p14:sldIdLst>
-        </p14:section>
-        <p14:section name="Ethereum" id="{E9C5F9C4-1B73-4064-9933-554834B3A870}">
-          <p14:sldIdLst/>
-        </p14:section>
-      </p14:sectionLst>
-    </p:ext>
     <p:ext uri="{EFAFB233-063F-42B5-8137-9DF3F51BA10A}">
       <p15:sldGuideLst xmlns:p15="http://schemas.microsoft.com/office/powerpoint/2012/main"/>
     </p:ext>
@@ -576,8 +528,25 @@
           <a:p>
             <a:r>
               <a:rPr lang="en-US" dirty="0"/>
-              <a:t>?? How the process pay 1.2, 2.5, 3.4</a:t>
-            </a:r>
+              <a:t>Block chain </a:t>
+            </a:r>
+          </a:p>
+          <a:p>
+            <a:pPr lvl="1"/>
+            <a:r>
+              <a:rPr lang="en-US" dirty="0"/>
+              <a:t>prevents the double spend attack </a:t>
+            </a:r>
+          </a:p>
+          <a:p>
+            <a:pPr lvl="2"/>
+            <a:r>
+              <a:rPr lang="en-US" dirty="0"/>
+              <a:t>by giving other nodes the power to verify that transaction inputs were not already spent somewhere else.</a:t>
+            </a:r>
+          </a:p>
+          <a:p>
+            <a:endParaRPr lang="en-US" dirty="0"/>
           </a:p>
         </p:txBody>
       </p:sp>
@@ -598,7 +567,7 @@
           <a:p>
             <a:fld id="{AC8FCCB6-2381-4F22-909F-1230355D86F9}" type="slidenum">
               <a:rPr lang="en-US" smtClean="0"/>
-              <a:t>6</a:t>
+              <a:t>4</a:t>
             </a:fld>
             <a:endParaRPr lang="en-US"/>
           </a:p>
@@ -607,7 +576,7 @@
     </p:spTree>
     <p:extLst>
       <p:ext uri="{BB962C8B-B14F-4D97-AF65-F5344CB8AC3E}">
-        <p14:creationId xmlns:p14="http://schemas.microsoft.com/office/powerpoint/2010/main" val="3164489586"/>
+        <p14:creationId xmlns:p14="http://schemas.microsoft.com/office/powerpoint/2010/main" val="3929559410"/>
       </p:ext>
     </p:extLst>
   </p:cSld>
@@ -661,7 +630,10 @@
           <a:bodyPr/>
           <a:lstStyle/>
           <a:p>
-            <a:endParaRPr lang="en-US" dirty="0"/>
+            <a:r>
+              <a:rPr lang="en-US" dirty="0"/>
+              <a:t>?? How the process pay 1.2, 2.5, 3.4</a:t>
+            </a:r>
           </a:p>
         </p:txBody>
       </p:sp>
@@ -682,7 +654,7 @@
           <a:p>
             <a:fld id="{AC8FCCB6-2381-4F22-909F-1230355D86F9}" type="slidenum">
               <a:rPr lang="en-US" smtClean="0"/>
-              <a:t>11</a:t>
+              <a:t>6</a:t>
             </a:fld>
             <a:endParaRPr lang="en-US"/>
           </a:p>
@@ -691,7 +663,7 @@
     </p:spTree>
     <p:extLst>
       <p:ext uri="{BB962C8B-B14F-4D97-AF65-F5344CB8AC3E}">
-        <p14:creationId xmlns:p14="http://schemas.microsoft.com/office/powerpoint/2010/main" val="3910548664"/>
+        <p14:creationId xmlns:p14="http://schemas.microsoft.com/office/powerpoint/2010/main" val="3164489586"/>
       </p:ext>
     </p:extLst>
   </p:cSld>
@@ -766,7 +738,7 @@
           <a:p>
             <a:fld id="{AC8FCCB6-2381-4F22-909F-1230355D86F9}" type="slidenum">
               <a:rPr lang="en-US" smtClean="0"/>
-              <a:t>12</a:t>
+              <a:t>11</a:t>
             </a:fld>
             <a:endParaRPr lang="en-US"/>
           </a:p>
@@ -775,7 +747,7 @@
     </p:spTree>
     <p:extLst>
       <p:ext uri="{BB962C8B-B14F-4D97-AF65-F5344CB8AC3E}">
-        <p14:creationId xmlns:p14="http://schemas.microsoft.com/office/powerpoint/2010/main" val="3178625738"/>
+        <p14:creationId xmlns:p14="http://schemas.microsoft.com/office/powerpoint/2010/main" val="3910548664"/>
       </p:ext>
     </p:extLst>
   </p:cSld>
@@ -850,7 +822,91 @@
           <a:p>
             <a:fld id="{AC8FCCB6-2381-4F22-909F-1230355D86F9}" type="slidenum">
               <a:rPr lang="en-US" smtClean="0"/>
-              <a:t>13</a:t>
+              <a:t>12</a:t>
+            </a:fld>
+            <a:endParaRPr lang="en-US"/>
+          </a:p>
+        </p:txBody>
+      </p:sp>
+    </p:spTree>
+    <p:extLst>
+      <p:ext uri="{BB962C8B-B14F-4D97-AF65-F5344CB8AC3E}">
+        <p14:creationId xmlns:p14="http://schemas.microsoft.com/office/powerpoint/2010/main" val="3178625738"/>
+      </p:ext>
+    </p:extLst>
+  </p:cSld>
+  <p:clrMapOvr>
+    <a:masterClrMapping/>
+  </p:clrMapOvr>
+</p:notes>
+</file>
+
+<file path=ppt/notesSlides/notesSlide5.xml><?xml version="1.0" encoding="utf-8"?>
+<p:notes xmlns:a="http://schemas.openxmlformats.org/drawingml/2006/main" xmlns:r="http://schemas.openxmlformats.org/officeDocument/2006/relationships" xmlns:p="http://schemas.openxmlformats.org/presentationml/2006/main">
+  <p:cSld>
+    <p:spTree>
+      <p:nvGrpSpPr>
+        <p:cNvPr id="1" name=""/>
+        <p:cNvGrpSpPr/>
+        <p:nvPr/>
+      </p:nvGrpSpPr>
+      <p:grpSpPr>
+        <a:xfrm>
+          <a:off x="0" y="0"/>
+          <a:ext cx="0" cy="0"/>
+          <a:chOff x="0" y="0"/>
+          <a:chExt cx="0" cy="0"/>
+        </a:xfrm>
+      </p:grpSpPr>
+      <p:sp>
+        <p:nvSpPr>
+          <p:cNvPr id="2" name="Slide Image Placeholder 1"/>
+          <p:cNvSpPr>
+            <a:spLocks noGrp="1" noRot="1" noChangeAspect="1"/>
+          </p:cNvSpPr>
+          <p:nvPr>
+            <p:ph type="sldImg"/>
+          </p:nvPr>
+        </p:nvSpPr>
+        <p:spPr/>
+      </p:sp>
+      <p:sp>
+        <p:nvSpPr>
+          <p:cNvPr id="3" name="Notes Placeholder 2"/>
+          <p:cNvSpPr>
+            <a:spLocks noGrp="1"/>
+          </p:cNvSpPr>
+          <p:nvPr>
+            <p:ph type="body" idx="1"/>
+          </p:nvPr>
+        </p:nvSpPr>
+        <p:spPr/>
+        <p:txBody>
+          <a:bodyPr/>
+          <a:lstStyle/>
+          <a:p>
+            <a:endParaRPr lang="en-US" dirty="0"/>
+          </a:p>
+        </p:txBody>
+      </p:sp>
+      <p:sp>
+        <p:nvSpPr>
+          <p:cNvPr id="4" name="Slide Number Placeholder 3"/>
+          <p:cNvSpPr>
+            <a:spLocks noGrp="1"/>
+          </p:cNvSpPr>
+          <p:nvPr>
+            <p:ph type="sldNum" sz="quarter" idx="10"/>
+          </p:nvPr>
+        </p:nvSpPr>
+        <p:spPr/>
+        <p:txBody>
+          <a:bodyPr/>
+          <a:lstStyle/>
+          <a:p>
+            <a:fld id="{AC8FCCB6-2381-4F22-909F-1230355D86F9}" type="slidenum">
+              <a:rPr lang="en-US" smtClean="0"/>
+              <a:t>14</a:t>
             </a:fld>
             <a:endParaRPr lang="en-US"/>
           </a:p>
@@ -3737,6 +3793,30 @@
           <a:chExt cx="0" cy="0"/>
         </a:xfrm>
       </p:grpSpPr>
+      <p:pic>
+        <p:nvPicPr>
+          <p:cNvPr id="5" name="圖片 7" descr="Distributed consensus system.png"/>
+          <p:cNvPicPr>
+            <a:picLocks noChangeAspect="1"/>
+          </p:cNvPicPr>
+          <p:nvPr/>
+        </p:nvPicPr>
+        <p:blipFill>
+          <a:blip r:embed="rId2"/>
+          <a:stretch>
+            <a:fillRect/>
+          </a:stretch>
+        </p:blipFill>
+        <p:spPr>
+          <a:xfrm>
+            <a:off x="8378614" y="3469055"/>
+            <a:ext cx="3746383" cy="3250174"/>
+          </a:xfrm>
+          <a:prstGeom prst="rect">
+            <a:avLst/>
+          </a:prstGeom>
+        </p:spPr>
+      </p:pic>
       <p:sp>
         <p:nvSpPr>
           <p:cNvPr id="2" name="Title 1"/>
@@ -3763,176 +3843,6 @@
       </p:sp>
       <p:sp>
         <p:nvSpPr>
-          <p:cNvPr id="3" name="Content Placeholder 2"/>
-          <p:cNvSpPr>
-            <a:spLocks noGrp="1"/>
-          </p:cNvSpPr>
-          <p:nvPr>
-            <p:ph sz="half" idx="1"/>
-          </p:nvPr>
-        </p:nvSpPr>
-        <p:spPr>
-          <a:xfrm>
-            <a:off x="1097853" y="1538416"/>
-            <a:ext cx="5534108" cy="3095368"/>
-          </a:xfrm>
-        </p:spPr>
-        <p:txBody>
-          <a:bodyPr>
-            <a:normAutofit/>
-          </a:bodyPr>
-          <a:lstStyle/>
-          <a:p>
-            <a:r>
-              <a:rPr lang="en-US" dirty="0">
-                <a:hlinkClick r:id="rId2" action="ppaction://hlinkpres?slideindex=1&amp;slidetitle="/>
-              </a:rPr>
-              <a:t>Cryptography Basics</a:t>
-            </a:r>
-            <a:r>
-              <a:rPr lang="en-US" dirty="0"/>
-              <a:t>  &gt;&gt;</a:t>
-            </a:r>
-          </a:p>
-          <a:p>
-            <a:r>
-              <a:rPr lang="en-US" dirty="0">
-                <a:hlinkClick r:id="rId3" action="ppaction://hlinkpres?slideindex=1&amp;slidetitle="/>
-              </a:rPr>
-              <a:t>Mining Blocks &amp; Blockchain</a:t>
-            </a:r>
-            <a:r>
-              <a:rPr lang="en-US" dirty="0"/>
-              <a:t> &gt;&gt;</a:t>
-            </a:r>
-          </a:p>
-          <a:p>
-            <a:r>
-              <a:rPr lang="en-US" dirty="0">
-                <a:hlinkClick r:id="rId4" action="ppaction://hlinksldjump"/>
-              </a:rPr>
-              <a:t>Transactions</a:t>
-            </a:r>
-            <a:r>
-              <a:rPr lang="en-US" dirty="0"/>
-              <a:t> &gt;&gt;</a:t>
-            </a:r>
-          </a:p>
-          <a:p>
-            <a:r>
-              <a:rPr lang="en-US" dirty="0">
-                <a:hlinkClick r:id="rId5" action="ppaction://hlinkpres?slideindex=1&amp;slidetitle="/>
-              </a:rPr>
-              <a:t>Blockchain application</a:t>
-            </a:r>
-            <a:endParaRPr lang="en-US" dirty="0"/>
-          </a:p>
-          <a:p>
-            <a:r>
-              <a:rPr lang="en-US" dirty="0">
-                <a:hlinkClick r:id="rId6" action="ppaction://hlinksldjump"/>
-              </a:rPr>
-              <a:t>Summary</a:t>
-            </a:r>
-            <a:endParaRPr lang="en-US" dirty="0"/>
-          </a:p>
-        </p:txBody>
-      </p:sp>
-      <p:sp>
-        <p:nvSpPr>
-          <p:cNvPr id="5" name="Content Placeholder 4"/>
-          <p:cNvSpPr>
-            <a:spLocks noGrp="1"/>
-          </p:cNvSpPr>
-          <p:nvPr>
-            <p:ph sz="half" idx="2"/>
-          </p:nvPr>
-        </p:nvSpPr>
-        <p:spPr>
-          <a:xfrm>
-            <a:off x="7387334" y="1563135"/>
-            <a:ext cx="4300099" cy="3052119"/>
-          </a:xfrm>
-        </p:spPr>
-        <p:txBody>
-          <a:bodyPr/>
-          <a:lstStyle/>
-          <a:p>
-            <a:pPr marL="0" indent="0">
-              <a:buNone/>
-            </a:pPr>
-            <a:r>
-              <a:rPr lang="en-US" dirty="0">
-                <a:solidFill>
-                  <a:srgbClr val="C00000"/>
-                </a:solidFill>
-              </a:rPr>
-              <a:t>Reference</a:t>
-            </a:r>
-          </a:p>
-          <a:p>
-            <a:r>
-              <a:rPr lang="en-US" dirty="0">
-                <a:hlinkClick r:id="rId7" action="ppaction://hlinkfile"/>
-              </a:rPr>
-              <a:t>Blockchain Viewer</a:t>
-            </a:r>
-            <a:r>
-              <a:rPr lang="en-US" dirty="0"/>
-              <a:t>:  </a:t>
-            </a:r>
-          </a:p>
-          <a:p>
-            <a:pPr lvl="1"/>
-            <a:r>
-              <a:rPr lang="en-US" dirty="0">
-                <a:hlinkClick r:id="rId8"/>
-              </a:rPr>
-              <a:t>Block</a:t>
-            </a:r>
-            <a:r>
-              <a:rPr lang="en-US" dirty="0"/>
-              <a:t>, </a:t>
-            </a:r>
-          </a:p>
-          <a:p>
-            <a:pPr lvl="1"/>
-            <a:r>
-              <a:rPr lang="en-US" dirty="0" err="1">
-                <a:hlinkClick r:id="rId9"/>
-              </a:rPr>
-              <a:t>txn</a:t>
-            </a:r>
-            <a:r>
-              <a:rPr lang="en-US" dirty="0"/>
-              <a:t>, </a:t>
-            </a:r>
-          </a:p>
-          <a:p>
-            <a:pPr lvl="1"/>
-            <a:r>
-              <a:rPr lang="en-US" dirty="0"/>
-              <a:t>Address, </a:t>
-            </a:r>
-          </a:p>
-          <a:p>
-            <a:pPr lvl="1"/>
-            <a:r>
-              <a:rPr lang="en-US" dirty="0">
-                <a:hlinkClick r:id="rId10"/>
-              </a:rPr>
-              <a:t>tree</a:t>
-            </a:r>
-            <a:endParaRPr lang="en-US" dirty="0">
-              <a:solidFill>
-                <a:srgbClr val="C00000"/>
-              </a:solidFill>
-            </a:endParaRPr>
-          </a:p>
-        </p:txBody>
-      </p:sp>
-      <p:sp>
-        <p:nvSpPr>
           <p:cNvPr id="4" name="Slide Number Placeholder 3"/>
           <p:cNvSpPr>
             <a:spLocks noGrp="1"/>
@@ -3954,53 +3864,1412 @@
           </a:p>
         </p:txBody>
       </p:sp>
-      <p:sp>
-        <p:nvSpPr>
-          <p:cNvPr id="6" name="Rectangle 5">
-            <a:extLst>
-              <a:ext uri="{FF2B5EF4-FFF2-40B4-BE49-F238E27FC236}">
-                <a16:creationId xmlns:a16="http://schemas.microsoft.com/office/drawing/2014/main" id="{4ABE40B6-95B2-4267-8E2C-3C8F7F9B2248}"/>
-              </a:ext>
-            </a:extLst>
-          </p:cNvPr>
-          <p:cNvSpPr/>
+      <p:pic>
+        <p:nvPicPr>
+          <p:cNvPr id="7" name="圖片 3" descr="bank.png"/>
+          <p:cNvPicPr>
+            <a:picLocks noChangeAspect="1"/>
+          </p:cNvPicPr>
           <p:nvPr/>
-        </p:nvSpPr>
+        </p:nvPicPr>
+        <p:blipFill>
+          <a:blip r:embed="rId3"/>
+          <a:stretch>
+            <a:fillRect/>
+          </a:stretch>
+        </p:blipFill>
         <p:spPr>
           <a:xfrm>
-            <a:off x="0" y="6488668"/>
-            <a:ext cx="1081377" cy="369332"/>
+            <a:off x="482680" y="1618520"/>
+            <a:ext cx="2022613" cy="1407608"/>
           </a:xfrm>
           <a:prstGeom prst="rect">
             <a:avLst/>
           </a:prstGeom>
         </p:spPr>
-        <p:txBody>
-          <a:bodyPr wrap="square">
-            <a:spAutoFit/>
-          </a:bodyPr>
-          <a:lstStyle/>
-          <a:p>
-            <a:r>
-              <a:rPr lang="en-US" dirty="0">
-                <a:hlinkClick r:id="rId11" action="ppaction://hlinksldjump"/>
-              </a:rPr>
-              <a:t>Index</a:t>
-            </a:r>
-            <a:endParaRPr lang="en-US" dirty="0"/>
-          </a:p>
-        </p:txBody>
-      </p:sp>
+      </p:pic>
+      <p:grpSp>
+        <p:nvGrpSpPr>
+          <p:cNvPr id="9" name="Group 8"/>
+          <p:cNvGrpSpPr/>
+          <p:nvPr/>
+        </p:nvGrpSpPr>
+        <p:grpSpPr>
+          <a:xfrm>
+            <a:off x="8610600" y="71100"/>
+            <a:ext cx="3367444" cy="3330222"/>
+            <a:chOff x="6413500" y="689809"/>
+            <a:chExt cx="3254358" cy="3120841"/>
+          </a:xfrm>
+        </p:grpSpPr>
+        <p:pic>
+          <p:nvPicPr>
+            <p:cNvPr id="10" name="Picture 9"/>
+            <p:cNvPicPr>
+              <a:picLocks noChangeAspect="1"/>
+            </p:cNvPicPr>
+            <p:nvPr/>
+          </p:nvPicPr>
+          <p:blipFill>
+            <a:blip r:embed="rId4"/>
+            <a:stretch>
+              <a:fillRect/>
+            </a:stretch>
+          </p:blipFill>
+          <p:spPr>
+            <a:xfrm>
+              <a:off x="6842534" y="1323960"/>
+              <a:ext cx="2267364" cy="2213409"/>
+            </a:xfrm>
+            <a:prstGeom prst="rect">
+              <a:avLst/>
+            </a:prstGeom>
+          </p:spPr>
+        </p:pic>
+        <p:sp>
+          <p:nvSpPr>
+            <p:cNvPr id="11" name="Rectangle 10"/>
+            <p:cNvSpPr/>
+            <p:nvPr/>
+          </p:nvSpPr>
+          <p:spPr>
+            <a:xfrm>
+              <a:off x="6413500" y="1145003"/>
+              <a:ext cx="577848" cy="793751"/>
+            </a:xfrm>
+            <a:prstGeom prst="rect">
+              <a:avLst/>
+            </a:prstGeom>
+            <a:solidFill>
+              <a:schemeClr val="bg1"/>
+            </a:solidFill>
+            <a:ln w="12700">
+              <a:solidFill>
+                <a:schemeClr val="tx1"/>
+              </a:solidFill>
+            </a:ln>
+          </p:spPr>
+          <p:style>
+            <a:lnRef idx="2">
+              <a:schemeClr val="accent1">
+                <a:shade val="50000"/>
+              </a:schemeClr>
+            </a:lnRef>
+            <a:fillRef idx="1">
+              <a:schemeClr val="accent1"/>
+            </a:fillRef>
+            <a:effectRef idx="0">
+              <a:schemeClr val="accent1"/>
+            </a:effectRef>
+            <a:fontRef idx="minor">
+              <a:schemeClr val="lt1"/>
+            </a:fontRef>
+          </p:style>
+          <p:txBody>
+            <a:bodyPr lIns="0" rIns="0" rtlCol="0" anchor="t" anchorCtr="0"/>
+            <a:lstStyle/>
+            <a:p>
+              <a:pPr algn="ctr">
+                <a:lnSpc>
+                  <a:spcPts val="1400"/>
+                </a:lnSpc>
+              </a:pPr>
+              <a:r>
+                <a:rPr lang="en-US" sz="1400" dirty="0">
+                  <a:solidFill>
+                    <a:schemeClr val="tx1"/>
+                  </a:solidFill>
+                </a:rPr>
+                <a:t>Ledger</a:t>
+              </a:r>
+            </a:p>
+            <a:p>
+              <a:pPr algn="ctr">
+                <a:lnSpc>
+                  <a:spcPts val="800"/>
+                </a:lnSpc>
+              </a:pPr>
+              <a:r>
+                <a:rPr lang="en-US" sz="1400" b="1" dirty="0">
+                  <a:solidFill>
+                    <a:schemeClr val="tx1"/>
+                  </a:solidFill>
+                </a:rPr>
+                <a:t>____</a:t>
+              </a:r>
+              <a:br>
+                <a:rPr lang="en-US" sz="1400" b="1" dirty="0">
+                  <a:solidFill>
+                    <a:schemeClr val="tx1"/>
+                  </a:solidFill>
+                </a:rPr>
+              </a:br>
+              <a:r>
+                <a:rPr lang="en-US" sz="1400" b="1" dirty="0">
+                  <a:solidFill>
+                    <a:schemeClr val="tx1"/>
+                  </a:solidFill>
+                </a:rPr>
+                <a:t>____</a:t>
+              </a:r>
+            </a:p>
+            <a:p>
+              <a:pPr algn="ctr">
+                <a:lnSpc>
+                  <a:spcPts val="800"/>
+                </a:lnSpc>
+              </a:pPr>
+              <a:r>
+                <a:rPr lang="en-US" sz="1400" b="1" dirty="0">
+                  <a:solidFill>
+                    <a:schemeClr val="tx1"/>
+                  </a:solidFill>
+                </a:rPr>
+                <a:t>____ ____</a:t>
+              </a:r>
+            </a:p>
+            <a:p>
+              <a:pPr algn="ctr">
+                <a:lnSpc>
+                  <a:spcPts val="800"/>
+                </a:lnSpc>
+              </a:pPr>
+              <a:r>
+                <a:rPr lang="en-US" sz="1400" b="1" dirty="0">
+                  <a:solidFill>
+                    <a:schemeClr val="tx1"/>
+                  </a:solidFill>
+                </a:rPr>
+                <a:t>____</a:t>
+              </a:r>
+              <a:endParaRPr lang="en-US" sz="1400" dirty="0">
+                <a:solidFill>
+                  <a:schemeClr val="tx1"/>
+                </a:solidFill>
+              </a:endParaRPr>
+            </a:p>
+          </p:txBody>
+        </p:sp>
+        <p:sp>
+          <p:nvSpPr>
+            <p:cNvPr id="12" name="Rectangle 11"/>
+            <p:cNvSpPr/>
+            <p:nvPr/>
+          </p:nvSpPr>
+          <p:spPr>
+            <a:xfrm>
+              <a:off x="7985496" y="689809"/>
+              <a:ext cx="577848" cy="793751"/>
+            </a:xfrm>
+            <a:prstGeom prst="rect">
+              <a:avLst/>
+            </a:prstGeom>
+            <a:solidFill>
+              <a:schemeClr val="bg1"/>
+            </a:solidFill>
+            <a:ln w="12700">
+              <a:solidFill>
+                <a:schemeClr val="tx1"/>
+              </a:solidFill>
+            </a:ln>
+          </p:spPr>
+          <p:style>
+            <a:lnRef idx="2">
+              <a:schemeClr val="accent1">
+                <a:shade val="50000"/>
+              </a:schemeClr>
+            </a:lnRef>
+            <a:fillRef idx="1">
+              <a:schemeClr val="accent1"/>
+            </a:fillRef>
+            <a:effectRef idx="0">
+              <a:schemeClr val="accent1"/>
+            </a:effectRef>
+            <a:fontRef idx="minor">
+              <a:schemeClr val="lt1"/>
+            </a:fontRef>
+          </p:style>
+          <p:txBody>
+            <a:bodyPr lIns="0" rIns="0" rtlCol="0" anchor="t" anchorCtr="0"/>
+            <a:lstStyle/>
+            <a:p>
+              <a:pPr algn="ctr">
+                <a:lnSpc>
+                  <a:spcPts val="1400"/>
+                </a:lnSpc>
+              </a:pPr>
+              <a:r>
+                <a:rPr lang="en-US" sz="1400" dirty="0">
+                  <a:solidFill>
+                    <a:schemeClr val="tx1"/>
+                  </a:solidFill>
+                </a:rPr>
+                <a:t>Ledger</a:t>
+              </a:r>
+            </a:p>
+            <a:p>
+              <a:pPr algn="ctr">
+                <a:lnSpc>
+                  <a:spcPts val="800"/>
+                </a:lnSpc>
+              </a:pPr>
+              <a:r>
+                <a:rPr lang="en-US" sz="1400" b="1" dirty="0">
+                  <a:solidFill>
+                    <a:schemeClr val="tx1"/>
+                  </a:solidFill>
+                </a:rPr>
+                <a:t>____</a:t>
+              </a:r>
+              <a:br>
+                <a:rPr lang="en-US" sz="1400" b="1" dirty="0">
+                  <a:solidFill>
+                    <a:schemeClr val="tx1"/>
+                  </a:solidFill>
+                </a:rPr>
+              </a:br>
+              <a:r>
+                <a:rPr lang="en-US" sz="1400" b="1" dirty="0">
+                  <a:solidFill>
+                    <a:schemeClr val="tx1"/>
+                  </a:solidFill>
+                </a:rPr>
+                <a:t>____</a:t>
+              </a:r>
+            </a:p>
+            <a:p>
+              <a:pPr algn="ctr">
+                <a:lnSpc>
+                  <a:spcPts val="800"/>
+                </a:lnSpc>
+              </a:pPr>
+              <a:r>
+                <a:rPr lang="en-US" sz="1400" b="1" dirty="0">
+                  <a:solidFill>
+                    <a:schemeClr val="tx1"/>
+                  </a:solidFill>
+                </a:rPr>
+                <a:t>____ ____</a:t>
+              </a:r>
+            </a:p>
+            <a:p>
+              <a:pPr algn="ctr">
+                <a:lnSpc>
+                  <a:spcPts val="800"/>
+                </a:lnSpc>
+              </a:pPr>
+              <a:r>
+                <a:rPr lang="en-US" sz="1400" b="1" dirty="0">
+                  <a:solidFill>
+                    <a:schemeClr val="tx1"/>
+                  </a:solidFill>
+                </a:rPr>
+                <a:t>____</a:t>
+              </a:r>
+              <a:endParaRPr lang="en-US" sz="1400" dirty="0">
+                <a:solidFill>
+                  <a:schemeClr val="tx1"/>
+                </a:solidFill>
+              </a:endParaRPr>
+            </a:p>
+          </p:txBody>
+        </p:sp>
+        <p:sp>
+          <p:nvSpPr>
+            <p:cNvPr id="13" name="Rectangle 12"/>
+            <p:cNvSpPr/>
+            <p:nvPr/>
+          </p:nvSpPr>
+          <p:spPr>
+            <a:xfrm>
+              <a:off x="6413500" y="2341186"/>
+              <a:ext cx="577848" cy="793751"/>
+            </a:xfrm>
+            <a:prstGeom prst="rect">
+              <a:avLst/>
+            </a:prstGeom>
+            <a:solidFill>
+              <a:schemeClr val="bg1"/>
+            </a:solidFill>
+            <a:ln w="12700">
+              <a:solidFill>
+                <a:schemeClr val="tx1"/>
+              </a:solidFill>
+            </a:ln>
+          </p:spPr>
+          <p:style>
+            <a:lnRef idx="2">
+              <a:schemeClr val="accent1">
+                <a:shade val="50000"/>
+              </a:schemeClr>
+            </a:lnRef>
+            <a:fillRef idx="1">
+              <a:schemeClr val="accent1"/>
+            </a:fillRef>
+            <a:effectRef idx="0">
+              <a:schemeClr val="accent1"/>
+            </a:effectRef>
+            <a:fontRef idx="minor">
+              <a:schemeClr val="lt1"/>
+            </a:fontRef>
+          </p:style>
+          <p:txBody>
+            <a:bodyPr lIns="0" rIns="0" rtlCol="0" anchor="t" anchorCtr="0"/>
+            <a:lstStyle/>
+            <a:p>
+              <a:pPr algn="ctr">
+                <a:lnSpc>
+                  <a:spcPts val="1400"/>
+                </a:lnSpc>
+              </a:pPr>
+              <a:r>
+                <a:rPr lang="en-US" sz="1400" dirty="0">
+                  <a:solidFill>
+                    <a:schemeClr val="tx1"/>
+                  </a:solidFill>
+                </a:rPr>
+                <a:t>Ledger</a:t>
+              </a:r>
+            </a:p>
+            <a:p>
+              <a:pPr algn="ctr">
+                <a:lnSpc>
+                  <a:spcPts val="800"/>
+                </a:lnSpc>
+              </a:pPr>
+              <a:r>
+                <a:rPr lang="en-US" sz="1400" b="1" dirty="0">
+                  <a:solidFill>
+                    <a:schemeClr val="tx1"/>
+                  </a:solidFill>
+                </a:rPr>
+                <a:t>____</a:t>
+              </a:r>
+              <a:br>
+                <a:rPr lang="en-US" sz="1400" b="1" dirty="0">
+                  <a:solidFill>
+                    <a:schemeClr val="tx1"/>
+                  </a:solidFill>
+                </a:rPr>
+              </a:br>
+              <a:r>
+                <a:rPr lang="en-US" sz="1400" b="1" dirty="0">
+                  <a:solidFill>
+                    <a:schemeClr val="tx1"/>
+                  </a:solidFill>
+                </a:rPr>
+                <a:t>____</a:t>
+              </a:r>
+            </a:p>
+            <a:p>
+              <a:pPr algn="ctr">
+                <a:lnSpc>
+                  <a:spcPts val="800"/>
+                </a:lnSpc>
+              </a:pPr>
+              <a:r>
+                <a:rPr lang="en-US" sz="1400" b="1" dirty="0">
+                  <a:solidFill>
+                    <a:schemeClr val="tx1"/>
+                  </a:solidFill>
+                </a:rPr>
+                <a:t>____ ____</a:t>
+              </a:r>
+            </a:p>
+            <a:p>
+              <a:pPr algn="ctr">
+                <a:lnSpc>
+                  <a:spcPts val="800"/>
+                </a:lnSpc>
+              </a:pPr>
+              <a:r>
+                <a:rPr lang="en-US" sz="1400" b="1" dirty="0">
+                  <a:solidFill>
+                    <a:schemeClr val="tx1"/>
+                  </a:solidFill>
+                </a:rPr>
+                <a:t>____</a:t>
+              </a:r>
+              <a:endParaRPr lang="en-US" sz="1400" dirty="0">
+                <a:solidFill>
+                  <a:schemeClr val="tx1"/>
+                </a:solidFill>
+              </a:endParaRPr>
+            </a:p>
+          </p:txBody>
+        </p:sp>
+        <p:sp>
+          <p:nvSpPr>
+            <p:cNvPr id="14" name="Rectangle 13"/>
+            <p:cNvSpPr/>
+            <p:nvPr/>
+          </p:nvSpPr>
+          <p:spPr>
+            <a:xfrm>
+              <a:off x="7393226" y="3016899"/>
+              <a:ext cx="582990" cy="793751"/>
+            </a:xfrm>
+            <a:prstGeom prst="rect">
+              <a:avLst/>
+            </a:prstGeom>
+            <a:solidFill>
+              <a:schemeClr val="bg1"/>
+            </a:solidFill>
+            <a:ln w="12700">
+              <a:solidFill>
+                <a:schemeClr val="tx1"/>
+              </a:solidFill>
+            </a:ln>
+          </p:spPr>
+          <p:style>
+            <a:lnRef idx="2">
+              <a:schemeClr val="accent1">
+                <a:shade val="50000"/>
+              </a:schemeClr>
+            </a:lnRef>
+            <a:fillRef idx="1">
+              <a:schemeClr val="accent1"/>
+            </a:fillRef>
+            <a:effectRef idx="0">
+              <a:schemeClr val="accent1"/>
+            </a:effectRef>
+            <a:fontRef idx="minor">
+              <a:schemeClr val="lt1"/>
+            </a:fontRef>
+          </p:style>
+          <p:txBody>
+            <a:bodyPr lIns="0" rIns="0" rtlCol="0" anchor="t" anchorCtr="0"/>
+            <a:lstStyle/>
+            <a:p>
+              <a:pPr algn="ctr">
+                <a:lnSpc>
+                  <a:spcPts val="1400"/>
+                </a:lnSpc>
+              </a:pPr>
+              <a:r>
+                <a:rPr lang="en-US" sz="1400" dirty="0">
+                  <a:solidFill>
+                    <a:schemeClr val="tx1"/>
+                  </a:solidFill>
+                </a:rPr>
+                <a:t>Ledger</a:t>
+              </a:r>
+            </a:p>
+            <a:p>
+              <a:pPr algn="ctr">
+                <a:lnSpc>
+                  <a:spcPts val="800"/>
+                </a:lnSpc>
+              </a:pPr>
+              <a:r>
+                <a:rPr lang="en-US" sz="1400" b="1" dirty="0">
+                  <a:solidFill>
+                    <a:schemeClr val="tx1"/>
+                  </a:solidFill>
+                </a:rPr>
+                <a:t>____</a:t>
+              </a:r>
+              <a:br>
+                <a:rPr lang="en-US" sz="1400" b="1" dirty="0">
+                  <a:solidFill>
+                    <a:schemeClr val="tx1"/>
+                  </a:solidFill>
+                </a:rPr>
+              </a:br>
+              <a:r>
+                <a:rPr lang="en-US" sz="1400" b="1" dirty="0">
+                  <a:solidFill>
+                    <a:schemeClr val="tx1"/>
+                  </a:solidFill>
+                </a:rPr>
+                <a:t>____</a:t>
+              </a:r>
+            </a:p>
+            <a:p>
+              <a:pPr algn="ctr">
+                <a:lnSpc>
+                  <a:spcPts val="800"/>
+                </a:lnSpc>
+              </a:pPr>
+              <a:r>
+                <a:rPr lang="en-US" sz="1400" b="1" dirty="0">
+                  <a:solidFill>
+                    <a:schemeClr val="tx1"/>
+                  </a:solidFill>
+                </a:rPr>
+                <a:t>____ ____</a:t>
+              </a:r>
+            </a:p>
+            <a:p>
+              <a:pPr algn="ctr">
+                <a:lnSpc>
+                  <a:spcPts val="800"/>
+                </a:lnSpc>
+              </a:pPr>
+              <a:r>
+                <a:rPr lang="en-US" sz="1400" b="1" dirty="0">
+                  <a:solidFill>
+                    <a:schemeClr val="tx1"/>
+                  </a:solidFill>
+                </a:rPr>
+                <a:t>____</a:t>
+              </a:r>
+              <a:endParaRPr lang="en-US" sz="1400" dirty="0">
+                <a:solidFill>
+                  <a:schemeClr val="tx1"/>
+                </a:solidFill>
+              </a:endParaRPr>
+            </a:p>
+          </p:txBody>
+        </p:sp>
+        <p:sp>
+          <p:nvSpPr>
+            <p:cNvPr id="15" name="Rectangle 14"/>
+            <p:cNvSpPr/>
+            <p:nvPr/>
+          </p:nvSpPr>
+          <p:spPr>
+            <a:xfrm>
+              <a:off x="8987695" y="2832475"/>
+              <a:ext cx="577848" cy="793751"/>
+            </a:xfrm>
+            <a:prstGeom prst="rect">
+              <a:avLst/>
+            </a:prstGeom>
+            <a:solidFill>
+              <a:schemeClr val="bg1"/>
+            </a:solidFill>
+            <a:ln w="12700">
+              <a:solidFill>
+                <a:schemeClr val="tx1"/>
+              </a:solidFill>
+            </a:ln>
+          </p:spPr>
+          <p:style>
+            <a:lnRef idx="2">
+              <a:schemeClr val="accent1">
+                <a:shade val="50000"/>
+              </a:schemeClr>
+            </a:lnRef>
+            <a:fillRef idx="1">
+              <a:schemeClr val="accent1"/>
+            </a:fillRef>
+            <a:effectRef idx="0">
+              <a:schemeClr val="accent1"/>
+            </a:effectRef>
+            <a:fontRef idx="minor">
+              <a:schemeClr val="lt1"/>
+            </a:fontRef>
+          </p:style>
+          <p:txBody>
+            <a:bodyPr lIns="0" rIns="0" rtlCol="0" anchor="t" anchorCtr="0"/>
+            <a:lstStyle/>
+            <a:p>
+              <a:pPr algn="ctr">
+                <a:lnSpc>
+                  <a:spcPts val="1400"/>
+                </a:lnSpc>
+              </a:pPr>
+              <a:r>
+                <a:rPr lang="en-US" sz="1400" dirty="0">
+                  <a:solidFill>
+                    <a:schemeClr val="tx1"/>
+                  </a:solidFill>
+                </a:rPr>
+                <a:t>Ledger</a:t>
+              </a:r>
+            </a:p>
+            <a:p>
+              <a:pPr algn="ctr">
+                <a:lnSpc>
+                  <a:spcPts val="800"/>
+                </a:lnSpc>
+              </a:pPr>
+              <a:r>
+                <a:rPr lang="en-US" sz="1400" b="1" dirty="0">
+                  <a:solidFill>
+                    <a:schemeClr val="tx1"/>
+                  </a:solidFill>
+                </a:rPr>
+                <a:t>____</a:t>
+              </a:r>
+              <a:br>
+                <a:rPr lang="en-US" sz="1400" b="1" dirty="0">
+                  <a:solidFill>
+                    <a:schemeClr val="tx1"/>
+                  </a:solidFill>
+                </a:rPr>
+              </a:br>
+              <a:r>
+                <a:rPr lang="en-US" sz="1400" b="1" dirty="0">
+                  <a:solidFill>
+                    <a:schemeClr val="tx1"/>
+                  </a:solidFill>
+                </a:rPr>
+                <a:t>____</a:t>
+              </a:r>
+            </a:p>
+            <a:p>
+              <a:pPr algn="ctr">
+                <a:lnSpc>
+                  <a:spcPts val="800"/>
+                </a:lnSpc>
+              </a:pPr>
+              <a:r>
+                <a:rPr lang="en-US" sz="1400" b="1" dirty="0">
+                  <a:solidFill>
+                    <a:schemeClr val="tx1"/>
+                  </a:solidFill>
+                </a:rPr>
+                <a:t>____ ____</a:t>
+              </a:r>
+            </a:p>
+            <a:p>
+              <a:pPr algn="ctr">
+                <a:lnSpc>
+                  <a:spcPts val="800"/>
+                </a:lnSpc>
+              </a:pPr>
+              <a:r>
+                <a:rPr lang="en-US" sz="1400" b="1" dirty="0">
+                  <a:solidFill>
+                    <a:schemeClr val="tx1"/>
+                  </a:solidFill>
+                </a:rPr>
+                <a:t>____</a:t>
+              </a:r>
+              <a:endParaRPr lang="en-US" sz="1400" dirty="0">
+                <a:solidFill>
+                  <a:schemeClr val="tx1"/>
+                </a:solidFill>
+              </a:endParaRPr>
+            </a:p>
+          </p:txBody>
+        </p:sp>
+        <p:sp>
+          <p:nvSpPr>
+            <p:cNvPr id="16" name="Rectangle 15"/>
+            <p:cNvSpPr/>
+            <p:nvPr/>
+          </p:nvSpPr>
+          <p:spPr>
+            <a:xfrm>
+              <a:off x="9090010" y="1483560"/>
+              <a:ext cx="577848" cy="793751"/>
+            </a:xfrm>
+            <a:prstGeom prst="rect">
+              <a:avLst/>
+            </a:prstGeom>
+            <a:solidFill>
+              <a:schemeClr val="bg1"/>
+            </a:solidFill>
+            <a:ln w="12700">
+              <a:solidFill>
+                <a:schemeClr val="tx1"/>
+              </a:solidFill>
+            </a:ln>
+          </p:spPr>
+          <p:style>
+            <a:lnRef idx="2">
+              <a:schemeClr val="accent1">
+                <a:shade val="50000"/>
+              </a:schemeClr>
+            </a:lnRef>
+            <a:fillRef idx="1">
+              <a:schemeClr val="accent1"/>
+            </a:fillRef>
+            <a:effectRef idx="0">
+              <a:schemeClr val="accent1"/>
+            </a:effectRef>
+            <a:fontRef idx="minor">
+              <a:schemeClr val="lt1"/>
+            </a:fontRef>
+          </p:style>
+          <p:txBody>
+            <a:bodyPr lIns="0" rIns="0" rtlCol="0" anchor="t" anchorCtr="0"/>
+            <a:lstStyle/>
+            <a:p>
+              <a:pPr algn="ctr">
+                <a:lnSpc>
+                  <a:spcPts val="1400"/>
+                </a:lnSpc>
+              </a:pPr>
+              <a:r>
+                <a:rPr lang="en-US" sz="1400" dirty="0">
+                  <a:solidFill>
+                    <a:schemeClr val="tx1"/>
+                  </a:solidFill>
+                </a:rPr>
+                <a:t>Ledger</a:t>
+              </a:r>
+            </a:p>
+            <a:p>
+              <a:pPr algn="ctr">
+                <a:lnSpc>
+                  <a:spcPts val="800"/>
+                </a:lnSpc>
+              </a:pPr>
+              <a:r>
+                <a:rPr lang="en-US" sz="1400" b="1" dirty="0">
+                  <a:solidFill>
+                    <a:schemeClr val="tx1"/>
+                  </a:solidFill>
+                </a:rPr>
+                <a:t>____</a:t>
+              </a:r>
+              <a:br>
+                <a:rPr lang="en-US" sz="1400" b="1" dirty="0">
+                  <a:solidFill>
+                    <a:schemeClr val="tx1"/>
+                  </a:solidFill>
+                </a:rPr>
+              </a:br>
+              <a:r>
+                <a:rPr lang="en-US" sz="1400" b="1" dirty="0">
+                  <a:solidFill>
+                    <a:schemeClr val="tx1"/>
+                  </a:solidFill>
+                </a:rPr>
+                <a:t>____</a:t>
+              </a:r>
+            </a:p>
+            <a:p>
+              <a:pPr algn="ctr">
+                <a:lnSpc>
+                  <a:spcPts val="800"/>
+                </a:lnSpc>
+              </a:pPr>
+              <a:r>
+                <a:rPr lang="en-US" sz="1400" b="1" dirty="0">
+                  <a:solidFill>
+                    <a:schemeClr val="tx1"/>
+                  </a:solidFill>
+                </a:rPr>
+                <a:t>____ ____</a:t>
+              </a:r>
+            </a:p>
+            <a:p>
+              <a:pPr algn="ctr">
+                <a:lnSpc>
+                  <a:spcPts val="800"/>
+                </a:lnSpc>
+              </a:pPr>
+              <a:r>
+                <a:rPr lang="en-US" sz="1400" b="1" dirty="0">
+                  <a:solidFill>
+                    <a:schemeClr val="tx1"/>
+                  </a:solidFill>
+                </a:rPr>
+                <a:t>____</a:t>
+              </a:r>
+              <a:endParaRPr lang="en-US" sz="1400" dirty="0">
+                <a:solidFill>
+                  <a:schemeClr val="tx1"/>
+                </a:solidFill>
+              </a:endParaRPr>
+            </a:p>
+          </p:txBody>
+        </p:sp>
+        <p:cxnSp>
+          <p:nvCxnSpPr>
+            <p:cNvPr id="17" name="Straight Connector 16"/>
+            <p:cNvCxnSpPr>
+              <a:cxnSpLocks/>
+              <a:stCxn id="12" idx="2"/>
+            </p:cNvCxnSpPr>
+            <p:nvPr/>
+          </p:nvCxnSpPr>
+          <p:spPr>
+            <a:xfrm flipH="1">
+              <a:off x="7976216" y="1483560"/>
+              <a:ext cx="298204" cy="545641"/>
+            </a:xfrm>
+            <a:prstGeom prst="line">
+              <a:avLst/>
+            </a:prstGeom>
+            <a:ln w="19050">
+              <a:solidFill>
+                <a:srgbClr val="FF0000"/>
+              </a:solidFill>
+            </a:ln>
+          </p:spPr>
+          <p:style>
+            <a:lnRef idx="1">
+              <a:schemeClr val="accent1"/>
+            </a:lnRef>
+            <a:fillRef idx="0">
+              <a:schemeClr val="accent1"/>
+            </a:fillRef>
+            <a:effectRef idx="0">
+              <a:schemeClr val="accent1"/>
+            </a:effectRef>
+            <a:fontRef idx="minor">
+              <a:schemeClr val="tx1"/>
+            </a:fontRef>
+          </p:style>
+        </p:cxnSp>
+        <p:cxnSp>
+          <p:nvCxnSpPr>
+            <p:cNvPr id="18" name="Straight Connector 17"/>
+            <p:cNvCxnSpPr>
+              <a:cxnSpLocks/>
+              <a:stCxn id="13" idx="3"/>
+            </p:cNvCxnSpPr>
+            <p:nvPr/>
+          </p:nvCxnSpPr>
+          <p:spPr>
+            <a:xfrm flipV="1">
+              <a:off x="6991348" y="2442186"/>
+              <a:ext cx="424764" cy="295876"/>
+            </a:xfrm>
+            <a:prstGeom prst="line">
+              <a:avLst/>
+            </a:prstGeom>
+            <a:ln w="19050">
+              <a:solidFill>
+                <a:srgbClr val="FF0000"/>
+              </a:solidFill>
+            </a:ln>
+          </p:spPr>
+          <p:style>
+            <a:lnRef idx="1">
+              <a:schemeClr val="accent1"/>
+            </a:lnRef>
+            <a:fillRef idx="0">
+              <a:schemeClr val="accent1"/>
+            </a:fillRef>
+            <a:effectRef idx="0">
+              <a:schemeClr val="accent1"/>
+            </a:effectRef>
+            <a:fontRef idx="minor">
+              <a:schemeClr val="tx1"/>
+            </a:fontRef>
+          </p:style>
+        </p:cxnSp>
+        <p:cxnSp>
+          <p:nvCxnSpPr>
+            <p:cNvPr id="19" name="Straight Connector 18"/>
+            <p:cNvCxnSpPr>
+              <a:cxnSpLocks/>
+              <a:endCxn id="14" idx="0"/>
+            </p:cNvCxnSpPr>
+            <p:nvPr/>
+          </p:nvCxnSpPr>
+          <p:spPr>
+            <a:xfrm flipH="1">
+              <a:off x="7684721" y="2360558"/>
+              <a:ext cx="84662" cy="656341"/>
+            </a:xfrm>
+            <a:prstGeom prst="line">
+              <a:avLst/>
+            </a:prstGeom>
+            <a:ln w="19050">
+              <a:solidFill>
+                <a:srgbClr val="FF0000"/>
+              </a:solidFill>
+            </a:ln>
+          </p:spPr>
+          <p:style>
+            <a:lnRef idx="1">
+              <a:schemeClr val="accent1"/>
+            </a:lnRef>
+            <a:fillRef idx="0">
+              <a:schemeClr val="accent1"/>
+            </a:fillRef>
+            <a:effectRef idx="0">
+              <a:schemeClr val="accent1"/>
+            </a:effectRef>
+            <a:fontRef idx="minor">
+              <a:schemeClr val="tx1"/>
+            </a:fontRef>
+          </p:style>
+        </p:cxnSp>
+        <p:cxnSp>
+          <p:nvCxnSpPr>
+            <p:cNvPr id="20" name="Straight Connector 19"/>
+            <p:cNvCxnSpPr>
+              <a:cxnSpLocks/>
+              <a:stCxn id="16" idx="1"/>
+            </p:cNvCxnSpPr>
+            <p:nvPr/>
+          </p:nvCxnSpPr>
+          <p:spPr>
+            <a:xfrm flipH="1">
+              <a:off x="8742214" y="1880436"/>
+              <a:ext cx="347796" cy="632522"/>
+            </a:xfrm>
+            <a:prstGeom prst="line">
+              <a:avLst/>
+            </a:prstGeom>
+            <a:ln w="19050">
+              <a:solidFill>
+                <a:srgbClr val="FF0000"/>
+              </a:solidFill>
+            </a:ln>
+          </p:spPr>
+          <p:style>
+            <a:lnRef idx="1">
+              <a:schemeClr val="accent1"/>
+            </a:lnRef>
+            <a:fillRef idx="0">
+              <a:schemeClr val="accent1"/>
+            </a:fillRef>
+            <a:effectRef idx="0">
+              <a:schemeClr val="accent1"/>
+            </a:effectRef>
+            <a:fontRef idx="minor">
+              <a:schemeClr val="tx1"/>
+            </a:fontRef>
+          </p:style>
+        </p:cxnSp>
+        <p:cxnSp>
+          <p:nvCxnSpPr>
+            <p:cNvPr id="21" name="Straight Connector 20"/>
+            <p:cNvCxnSpPr>
+              <a:cxnSpLocks/>
+              <a:stCxn id="15" idx="1"/>
+            </p:cNvCxnSpPr>
+            <p:nvPr/>
+          </p:nvCxnSpPr>
+          <p:spPr>
+            <a:xfrm flipH="1" flipV="1">
+              <a:off x="8585817" y="2638801"/>
+              <a:ext cx="401878" cy="590550"/>
+            </a:xfrm>
+            <a:prstGeom prst="line">
+              <a:avLst/>
+            </a:prstGeom>
+            <a:ln w="19050">
+              <a:solidFill>
+                <a:srgbClr val="FF0000"/>
+              </a:solidFill>
+            </a:ln>
+          </p:spPr>
+          <p:style>
+            <a:lnRef idx="1">
+              <a:schemeClr val="accent1"/>
+            </a:lnRef>
+            <a:fillRef idx="0">
+              <a:schemeClr val="accent1"/>
+            </a:fillRef>
+            <a:effectRef idx="0">
+              <a:schemeClr val="accent1"/>
+            </a:effectRef>
+            <a:fontRef idx="minor">
+              <a:schemeClr val="tx1"/>
+            </a:fontRef>
+          </p:style>
+        </p:cxnSp>
+        <p:cxnSp>
+          <p:nvCxnSpPr>
+            <p:cNvPr id="22" name="Straight Connector 21"/>
+            <p:cNvCxnSpPr>
+              <a:cxnSpLocks/>
+            </p:cNvCxnSpPr>
+            <p:nvPr/>
+          </p:nvCxnSpPr>
+          <p:spPr>
+            <a:xfrm>
+              <a:off x="6989005" y="1541878"/>
+              <a:ext cx="551068" cy="666280"/>
+            </a:xfrm>
+            <a:prstGeom prst="line">
+              <a:avLst/>
+            </a:prstGeom>
+            <a:ln w="19050">
+              <a:solidFill>
+                <a:srgbClr val="FF0000"/>
+              </a:solidFill>
+            </a:ln>
+          </p:spPr>
+          <p:style>
+            <a:lnRef idx="1">
+              <a:schemeClr val="accent1"/>
+            </a:lnRef>
+            <a:fillRef idx="0">
+              <a:schemeClr val="accent1"/>
+            </a:fillRef>
+            <a:effectRef idx="0">
+              <a:schemeClr val="accent1"/>
+            </a:effectRef>
+            <a:fontRef idx="minor">
+              <a:schemeClr val="tx1"/>
+            </a:fontRef>
+          </p:style>
+        </p:cxnSp>
+      </p:grpSp>
+      <p:pic>
+        <p:nvPicPr>
+          <p:cNvPr id="23" name="Picture 22">
+            <a:extLst/>
+          </p:cNvPr>
+          <p:cNvPicPr>
+            <a:picLocks noChangeAspect="1"/>
+          </p:cNvPicPr>
+          <p:nvPr/>
+        </p:nvPicPr>
+        <p:blipFill>
+          <a:blip r:embed="rId5"/>
+          <a:stretch>
+            <a:fillRect/>
+          </a:stretch>
+        </p:blipFill>
+        <p:spPr>
+          <a:xfrm>
+            <a:off x="365904" y="3873133"/>
+            <a:ext cx="2256166" cy="2279487"/>
+          </a:xfrm>
+          <a:prstGeom prst="rect">
+            <a:avLst/>
+          </a:prstGeom>
+        </p:spPr>
+      </p:pic>
     </p:spTree>
     <p:extLst>
       <p:ext uri="{BB962C8B-B14F-4D97-AF65-F5344CB8AC3E}">
-        <p14:creationId xmlns:p14="http://schemas.microsoft.com/office/powerpoint/2010/main" val="1670691078"/>
+        <p14:creationId xmlns:p14="http://schemas.microsoft.com/office/powerpoint/2010/main" val="2887519974"/>
       </p:ext>
     </p:extLst>
   </p:cSld>
   <p:clrMapOvr>
     <a:masterClrMapping/>
   </p:clrMapOvr>
+  <p:timing>
+    <p:tnLst>
+      <p:par>
+        <p:cTn id="1" dur="indefinite" restart="never" nodeType="tmRoot">
+          <p:childTnLst>
+            <p:seq concurrent="1" nextAc="seek">
+              <p:cTn id="2" dur="indefinite" nodeType="mainSeq">
+                <p:childTnLst>
+                  <p:par>
+                    <p:cTn id="3" fill="hold">
+                      <p:stCondLst>
+                        <p:cond delay="indefinite"/>
+                      </p:stCondLst>
+                      <p:childTnLst>
+                        <p:par>
+                          <p:cTn id="4" fill="hold">
+                            <p:stCondLst>
+                              <p:cond delay="0"/>
+                            </p:stCondLst>
+                            <p:childTnLst>
+                              <p:par>
+                                <p:cTn id="5" presetID="1" presetClass="entr" presetSubtype="0" fill="hold" nodeType="clickEffect">
+                                  <p:stCondLst>
+                                    <p:cond delay="0"/>
+                                  </p:stCondLst>
+                                  <p:childTnLst>
+                                    <p:set>
+                                      <p:cBhvr>
+                                        <p:cTn id="6" dur="1" fill="hold">
+                                          <p:stCondLst>
+                                            <p:cond delay="0"/>
+                                          </p:stCondLst>
+                                        </p:cTn>
+                                        <p:tgtEl>
+                                          <p:spTgt spid="7"/>
+                                        </p:tgtEl>
+                                        <p:attrNameLst>
+                                          <p:attrName>style.visibility</p:attrName>
+                                        </p:attrNameLst>
+                                      </p:cBhvr>
+                                      <p:to>
+                                        <p:strVal val="visible"/>
+                                      </p:to>
+                                    </p:set>
+                                  </p:childTnLst>
+                                </p:cTn>
+                              </p:par>
+                            </p:childTnLst>
+                          </p:cTn>
+                        </p:par>
+                      </p:childTnLst>
+                    </p:cTn>
+                  </p:par>
+                  <p:par>
+                    <p:cTn id="7" fill="hold">
+                      <p:stCondLst>
+                        <p:cond delay="indefinite"/>
+                      </p:stCondLst>
+                      <p:childTnLst>
+                        <p:par>
+                          <p:cTn id="8" fill="hold">
+                            <p:stCondLst>
+                              <p:cond delay="0"/>
+                            </p:stCondLst>
+                            <p:childTnLst>
+                              <p:par>
+                                <p:cTn id="9" presetID="1" presetClass="entr" presetSubtype="0" fill="hold" nodeType="clickEffect">
+                                  <p:stCondLst>
+                                    <p:cond delay="0"/>
+                                  </p:stCondLst>
+                                  <p:childTnLst>
+                                    <p:set>
+                                      <p:cBhvr>
+                                        <p:cTn id="10" dur="1" fill="hold">
+                                          <p:stCondLst>
+                                            <p:cond delay="0"/>
+                                          </p:stCondLst>
+                                        </p:cTn>
+                                        <p:tgtEl>
+                                          <p:spTgt spid="23"/>
+                                        </p:tgtEl>
+                                        <p:attrNameLst>
+                                          <p:attrName>style.visibility</p:attrName>
+                                        </p:attrNameLst>
+                                      </p:cBhvr>
+                                      <p:to>
+                                        <p:strVal val="visible"/>
+                                      </p:to>
+                                    </p:set>
+                                  </p:childTnLst>
+                                </p:cTn>
+                              </p:par>
+                            </p:childTnLst>
+                          </p:cTn>
+                        </p:par>
+                      </p:childTnLst>
+                    </p:cTn>
+                  </p:par>
+                  <p:par>
+                    <p:cTn id="11" fill="hold">
+                      <p:stCondLst>
+                        <p:cond delay="indefinite"/>
+                      </p:stCondLst>
+                      <p:childTnLst>
+                        <p:par>
+                          <p:cTn id="12" fill="hold">
+                            <p:stCondLst>
+                              <p:cond delay="0"/>
+                            </p:stCondLst>
+                            <p:childTnLst>
+                              <p:par>
+                                <p:cTn id="13" presetID="9" presetClass="emph" presetSubtype="0" nodeType="clickEffect">
+                                  <p:stCondLst>
+                                    <p:cond delay="0"/>
+                                  </p:stCondLst>
+                                  <p:childTnLst>
+                                    <p:set>
+                                      <p:cBhvr>
+                                        <p:cTn id="14" dur="indefinite"/>
+                                        <p:tgtEl>
+                                          <p:spTgt spid="7"/>
+                                        </p:tgtEl>
+                                        <p:attrNameLst>
+                                          <p:attrName>style.opacity</p:attrName>
+                                        </p:attrNameLst>
+                                      </p:cBhvr>
+                                      <p:to>
+                                        <p:strVal val="0.25"/>
+                                      </p:to>
+                                    </p:set>
+                                    <p:animEffect filter="image" prLst="opacity: 0.25">
+                                      <p:cBhvr rctx="IE">
+                                        <p:cTn id="15" dur="indefinite"/>
+                                        <p:tgtEl>
+                                          <p:spTgt spid="7"/>
+                                        </p:tgtEl>
+                                      </p:cBhvr>
+                                    </p:animEffect>
+                                  </p:childTnLst>
+                                </p:cTn>
+                              </p:par>
+                              <p:par>
+                                <p:cTn id="16" presetID="9" presetClass="emph" presetSubtype="0" nodeType="withEffect">
+                                  <p:stCondLst>
+                                    <p:cond delay="0"/>
+                                  </p:stCondLst>
+                                  <p:childTnLst>
+                                    <p:set>
+                                      <p:cBhvr>
+                                        <p:cTn id="17" dur="indefinite"/>
+                                        <p:tgtEl>
+                                          <p:spTgt spid="23"/>
+                                        </p:tgtEl>
+                                        <p:attrNameLst>
+                                          <p:attrName>style.opacity</p:attrName>
+                                        </p:attrNameLst>
+                                      </p:cBhvr>
+                                      <p:to>
+                                        <p:strVal val="0.25"/>
+                                      </p:to>
+                                    </p:set>
+                                    <p:animEffect filter="image" prLst="opacity: 0.25">
+                                      <p:cBhvr rctx="IE">
+                                        <p:cTn id="18" dur="indefinite"/>
+                                        <p:tgtEl>
+                                          <p:spTgt spid="23"/>
+                                        </p:tgtEl>
+                                      </p:cBhvr>
+                                    </p:animEffect>
+                                  </p:childTnLst>
+                                </p:cTn>
+                              </p:par>
+                            </p:childTnLst>
+                          </p:cTn>
+                        </p:par>
+                      </p:childTnLst>
+                    </p:cTn>
+                  </p:par>
+                  <p:par>
+                    <p:cTn id="19" fill="hold">
+                      <p:stCondLst>
+                        <p:cond delay="indefinite"/>
+                      </p:stCondLst>
+                      <p:childTnLst>
+                        <p:par>
+                          <p:cTn id="20" fill="hold">
+                            <p:stCondLst>
+                              <p:cond delay="0"/>
+                            </p:stCondLst>
+                            <p:childTnLst>
+                              <p:par>
+                                <p:cTn id="21" presetID="2" presetClass="entr" presetSubtype="4" fill="hold" nodeType="clickEffect">
+                                  <p:stCondLst>
+                                    <p:cond delay="0"/>
+                                  </p:stCondLst>
+                                  <p:childTnLst>
+                                    <p:set>
+                                      <p:cBhvr>
+                                        <p:cTn id="22" dur="1" fill="hold">
+                                          <p:stCondLst>
+                                            <p:cond delay="0"/>
+                                          </p:stCondLst>
+                                        </p:cTn>
+                                        <p:tgtEl>
+                                          <p:spTgt spid="9"/>
+                                        </p:tgtEl>
+                                        <p:attrNameLst>
+                                          <p:attrName>style.visibility</p:attrName>
+                                        </p:attrNameLst>
+                                      </p:cBhvr>
+                                      <p:to>
+                                        <p:strVal val="visible"/>
+                                      </p:to>
+                                    </p:set>
+                                    <p:anim calcmode="lin" valueType="num">
+                                      <p:cBhvr additive="base">
+                                        <p:cTn id="23" dur="500" fill="hold"/>
+                                        <p:tgtEl>
+                                          <p:spTgt spid="9"/>
+                                        </p:tgtEl>
+                                        <p:attrNameLst>
+                                          <p:attrName>ppt_x</p:attrName>
+                                        </p:attrNameLst>
+                                      </p:cBhvr>
+                                      <p:tavLst>
+                                        <p:tav tm="0">
+                                          <p:val>
+                                            <p:strVal val="#ppt_x"/>
+                                          </p:val>
+                                        </p:tav>
+                                        <p:tav tm="100000">
+                                          <p:val>
+                                            <p:strVal val="#ppt_x"/>
+                                          </p:val>
+                                        </p:tav>
+                                      </p:tavLst>
+                                    </p:anim>
+                                    <p:anim calcmode="lin" valueType="num">
+                                      <p:cBhvr additive="base">
+                                        <p:cTn id="24" dur="500" fill="hold"/>
+                                        <p:tgtEl>
+                                          <p:spTgt spid="9"/>
+                                        </p:tgtEl>
+                                        <p:attrNameLst>
+                                          <p:attrName>ppt_y</p:attrName>
+                                        </p:attrNameLst>
+                                      </p:cBhvr>
+                                      <p:tavLst>
+                                        <p:tav tm="0">
+                                          <p:val>
+                                            <p:strVal val="1+#ppt_h/2"/>
+                                          </p:val>
+                                        </p:tav>
+                                        <p:tav tm="100000">
+                                          <p:val>
+                                            <p:strVal val="#ppt_y"/>
+                                          </p:val>
+                                        </p:tav>
+                                      </p:tavLst>
+                                    </p:anim>
+                                  </p:childTnLst>
+                                </p:cTn>
+                              </p:par>
+                            </p:childTnLst>
+                          </p:cTn>
+                        </p:par>
+                      </p:childTnLst>
+                    </p:cTn>
+                  </p:par>
+                  <p:par>
+                    <p:cTn id="25" fill="hold">
+                      <p:stCondLst>
+                        <p:cond delay="indefinite"/>
+                      </p:stCondLst>
+                      <p:childTnLst>
+                        <p:par>
+                          <p:cTn id="26" fill="hold">
+                            <p:stCondLst>
+                              <p:cond delay="0"/>
+                            </p:stCondLst>
+                            <p:childTnLst>
+                              <p:par>
+                                <p:cTn id="27" presetID="1" presetClass="entr" presetSubtype="0" fill="hold" nodeType="clickEffect">
+                                  <p:stCondLst>
+                                    <p:cond delay="0"/>
+                                  </p:stCondLst>
+                                  <p:childTnLst>
+                                    <p:set>
+                                      <p:cBhvr>
+                                        <p:cTn id="28" dur="1" fill="hold">
+                                          <p:stCondLst>
+                                            <p:cond delay="0"/>
+                                          </p:stCondLst>
+                                        </p:cTn>
+                                        <p:tgtEl>
+                                          <p:spTgt spid="5"/>
+                                        </p:tgtEl>
+                                        <p:attrNameLst>
+                                          <p:attrName>style.visibility</p:attrName>
+                                        </p:attrNameLst>
+                                      </p:cBhvr>
+                                      <p:to>
+                                        <p:strVal val="visible"/>
+                                      </p:to>
+                                    </p:set>
+                                  </p:childTnLst>
+                                </p:cTn>
+                              </p:par>
+                            </p:childTnLst>
+                          </p:cTn>
+                        </p:par>
+                      </p:childTnLst>
+                    </p:cTn>
+                  </p:par>
+                </p:childTnLst>
+              </p:cTn>
+              <p:prevCondLst>
+                <p:cond evt="onPrev" delay="0">
+                  <p:tgtEl>
+                    <p:sldTgt/>
+                  </p:tgtEl>
+                </p:cond>
+              </p:prevCondLst>
+              <p:nextCondLst>
+                <p:cond evt="onNext" delay="0">
+                  <p:tgtEl>
+                    <p:sldTgt/>
+                  </p:tgtEl>
+                </p:cond>
+              </p:nextCondLst>
+            </p:seq>
+          </p:childTnLst>
+        </p:cTn>
+      </p:par>
+    </p:tnLst>
+  </p:timing>
 </p:sld>
 </file>
 
@@ -11184,6 +12453,220 @@
           <a:p>
             <a:r>
               <a:rPr lang="en-US" dirty="0"/>
+              <a:t>Blockchain </a:t>
+            </a:r>
+            <a:r>
+              <a:rPr lang="en-US"/>
+              <a:t>with transaction</a:t>
+            </a:r>
+            <a:endParaRPr lang="en-US" dirty="0"/>
+          </a:p>
+        </p:txBody>
+      </p:sp>
+      <p:sp>
+        <p:nvSpPr>
+          <p:cNvPr id="3" name="Content Placeholder 2"/>
+          <p:cNvSpPr>
+            <a:spLocks noGrp="1"/>
+          </p:cNvSpPr>
+          <p:nvPr>
+            <p:ph idx="1"/>
+          </p:nvPr>
+        </p:nvSpPr>
+        <p:spPr>
+          <a:xfrm>
+            <a:off x="245806" y="1150374"/>
+            <a:ext cx="10872468" cy="5032217"/>
+          </a:xfrm>
+        </p:spPr>
+        <p:txBody>
+          <a:bodyPr/>
+          <a:lstStyle/>
+          <a:p>
+            <a:r>
+              <a:rPr lang="en-US" dirty="0"/>
+              <a:t>The Block Chain: Ordering Solution</a:t>
+            </a:r>
+          </a:p>
+          <a:p>
+            <a:r>
+              <a:rPr lang="en-US" dirty="0" err="1"/>
+              <a:t>Txn</a:t>
+            </a:r>
+            <a:r>
+              <a:rPr lang="en-US"/>
+              <a:t> Chain</a:t>
+            </a:r>
+            <a:r>
+              <a:rPr lang="en-US" dirty="0"/>
+              <a:t>: History of Ownership</a:t>
+            </a:r>
+          </a:p>
+          <a:p>
+            <a:pPr lvl="1"/>
+            <a:r>
+              <a:rPr lang="en-US" dirty="0"/>
+              <a:t>Unconfirmed </a:t>
+            </a:r>
+            <a:r>
+              <a:rPr lang="en-US" dirty="0" err="1"/>
+              <a:t>txn</a:t>
+            </a:r>
+            <a:endParaRPr lang="en-US" dirty="0"/>
+          </a:p>
+          <a:p>
+            <a:pPr lvl="1"/>
+            <a:r>
+              <a:rPr lang="en-US" dirty="0"/>
+              <a:t>Add to new Block</a:t>
+            </a:r>
+          </a:p>
+        </p:txBody>
+      </p:sp>
+      <p:pic>
+        <p:nvPicPr>
+          <p:cNvPr id="7" name="Picture 6"/>
+          <p:cNvPicPr>
+            <a:picLocks noChangeAspect="1"/>
+          </p:cNvPicPr>
+          <p:nvPr/>
+        </p:nvPicPr>
+        <p:blipFill>
+          <a:blip r:embed="rId2"/>
+          <a:stretch>
+            <a:fillRect/>
+          </a:stretch>
+        </p:blipFill>
+        <p:spPr>
+          <a:xfrm>
+            <a:off x="6510556" y="2638940"/>
+            <a:ext cx="4404991" cy="1957773"/>
+          </a:xfrm>
+          <a:prstGeom prst="rect">
+            <a:avLst/>
+          </a:prstGeom>
+        </p:spPr>
+      </p:pic>
+      <p:pic>
+        <p:nvPicPr>
+          <p:cNvPr id="9" name="Picture 8"/>
+          <p:cNvPicPr>
+            <a:picLocks noChangeAspect="1"/>
+          </p:cNvPicPr>
+          <p:nvPr/>
+        </p:nvPicPr>
+        <p:blipFill>
+          <a:blip r:embed="rId3"/>
+          <a:stretch>
+            <a:fillRect/>
+          </a:stretch>
+        </p:blipFill>
+        <p:spPr>
+          <a:xfrm>
+            <a:off x="517652" y="4464129"/>
+            <a:ext cx="4808109" cy="1805342"/>
+          </a:xfrm>
+          <a:prstGeom prst="rect">
+            <a:avLst/>
+          </a:prstGeom>
+        </p:spPr>
+      </p:pic>
+      <p:sp>
+        <p:nvSpPr>
+          <p:cNvPr id="11" name="Slide Number Placeholder 10"/>
+          <p:cNvSpPr>
+            <a:spLocks noGrp="1"/>
+          </p:cNvSpPr>
+          <p:nvPr>
+            <p:ph type="sldNum" sz="quarter" idx="12"/>
+          </p:nvPr>
+        </p:nvSpPr>
+        <p:spPr/>
+        <p:txBody>
+          <a:bodyPr/>
+          <a:lstStyle/>
+          <a:p>
+            <a:fld id="{656EEF9C-D8EE-4444-AD18-FDA4DCDDF73B}" type="slidenum">
+              <a:rPr lang="en-US" smtClean="0"/>
+              <a:t>13</a:t>
+            </a:fld>
+            <a:endParaRPr lang="en-US"/>
+          </a:p>
+        </p:txBody>
+      </p:sp>
+      <p:pic>
+        <p:nvPicPr>
+          <p:cNvPr id="4" name="Picture 3"/>
+          <p:cNvPicPr>
+            <a:picLocks noChangeAspect="1"/>
+          </p:cNvPicPr>
+          <p:nvPr/>
+        </p:nvPicPr>
+        <p:blipFill>
+          <a:blip r:embed="rId4"/>
+          <a:stretch>
+            <a:fillRect/>
+          </a:stretch>
+        </p:blipFill>
+        <p:spPr>
+          <a:xfrm>
+            <a:off x="6806367" y="64218"/>
+            <a:ext cx="6351666" cy="2841667"/>
+          </a:xfrm>
+          <a:prstGeom prst="rect">
+            <a:avLst/>
+          </a:prstGeom>
+        </p:spPr>
+      </p:pic>
+    </p:spTree>
+    <p:extLst>
+      <p:ext uri="{BB962C8B-B14F-4D97-AF65-F5344CB8AC3E}">
+        <p14:creationId xmlns:p14="http://schemas.microsoft.com/office/powerpoint/2010/main" val="3544000831"/>
+      </p:ext>
+    </p:extLst>
+  </p:cSld>
+  <p:clrMapOvr>
+    <a:masterClrMapping/>
+  </p:clrMapOvr>
+</p:sld>
+</file>
+
+<file path=ppt/slides/slide14.xml><?xml version="1.0" encoding="utf-8"?>
+<p:sld xmlns:a="http://schemas.openxmlformats.org/drawingml/2006/main" xmlns:r="http://schemas.openxmlformats.org/officeDocument/2006/relationships" xmlns:p="http://schemas.openxmlformats.org/presentationml/2006/main">
+  <p:cSld>
+    <p:spTree>
+      <p:nvGrpSpPr>
+        <p:cNvPr id="1" name=""/>
+        <p:cNvGrpSpPr/>
+        <p:nvPr/>
+      </p:nvGrpSpPr>
+      <p:grpSpPr>
+        <a:xfrm>
+          <a:off x="0" y="0"/>
+          <a:ext cx="0" cy="0"/>
+          <a:chOff x="0" y="0"/>
+          <a:chExt cx="0" cy="0"/>
+        </a:xfrm>
+      </p:grpSpPr>
+      <p:sp>
+        <p:nvSpPr>
+          <p:cNvPr id="2" name="Title 1"/>
+          <p:cNvSpPr>
+            <a:spLocks noGrp="1"/>
+          </p:cNvSpPr>
+          <p:nvPr>
+            <p:ph type="title"/>
+          </p:nvPr>
+        </p:nvSpPr>
+        <p:spPr/>
+        <p:txBody>
+          <a:bodyPr>
+            <a:normAutofit fontScale="90000"/>
+          </a:bodyPr>
+          <a:lstStyle/>
+          <a:p>
+            <a:r>
+              <a:rPr lang="en-US" dirty="0"/>
               <a:t>Recap</a:t>
             </a:r>
           </a:p>
@@ -13941,7 +15424,7 @@
 </p:sld>
 </file>
 
-<file path=ppt/slides/slide14.xml><?xml version="1.0" encoding="utf-8"?>
+<file path=ppt/slides/slide15.xml><?xml version="1.0" encoding="utf-8"?>
 <p:sld xmlns:a="http://schemas.openxmlformats.org/drawingml/2006/main" xmlns:r="http://schemas.openxmlformats.org/officeDocument/2006/relationships" xmlns:p="http://schemas.openxmlformats.org/presentationml/2006/main">
   <p:cSld>
     <p:spTree>
@@ -14177,7 +15660,7 @@
           <a:p>
             <a:fld id="{656EEF9C-D8EE-4444-AD18-FDA4DCDDF73B}" type="slidenum">
               <a:rPr lang="en-US" smtClean="0"/>
-              <a:t>14</a:t>
+              <a:t>15</a:t>
             </a:fld>
             <a:endParaRPr lang="en-US"/>
           </a:p>
@@ -14269,7 +15752,7 @@
           <a:p>
             <a:r>
               <a:rPr lang="en-US" dirty="0"/>
-              <a:t>Transactions: Sending Money</a:t>
+              <a:t>Transactions</a:t>
             </a:r>
           </a:p>
         </p:txBody>
@@ -14302,623 +15785,638 @@
           </a:p>
         </p:txBody>
       </p:sp>
-      <p:sp>
-        <p:nvSpPr>
-          <p:cNvPr id="7" name="Flowchart: Connector 6"/>
-          <p:cNvSpPr/>
+      <p:grpSp>
+        <p:nvGrpSpPr>
+          <p:cNvPr id="5" name="Group 4"/>
+          <p:cNvGrpSpPr/>
           <p:nvPr/>
-        </p:nvSpPr>
-        <p:spPr>
+        </p:nvGrpSpPr>
+        <p:grpSpPr>
           <a:xfrm>
-            <a:off x="2218698" y="4527550"/>
-            <a:ext cx="215900" cy="228600"/>
+            <a:off x="529085" y="1274623"/>
+            <a:ext cx="5814004" cy="2915142"/>
+            <a:chOff x="529085" y="1274623"/>
+            <a:chExt cx="5814004" cy="2915142"/>
           </a:xfrm>
-          <a:prstGeom prst="flowChartConnector">
-            <a:avLst/>
-          </a:prstGeom>
-        </p:spPr>
-        <p:style>
-          <a:lnRef idx="2">
-            <a:schemeClr val="accent1">
-              <a:shade val="50000"/>
-            </a:schemeClr>
-          </a:lnRef>
-          <a:fillRef idx="1">
-            <a:schemeClr val="accent1"/>
-          </a:fillRef>
-          <a:effectRef idx="0">
-            <a:schemeClr val="accent1"/>
-          </a:effectRef>
-          <a:fontRef idx="minor">
-            <a:schemeClr val="lt1"/>
-          </a:fontRef>
-        </p:style>
-        <p:txBody>
-          <a:bodyPr rtlCol="0" anchor="ctr"/>
-          <a:lstStyle/>
-          <a:p>
-            <a:pPr algn="ctr"/>
-            <a:endParaRPr lang="en-US"/>
-          </a:p>
-        </p:txBody>
-      </p:sp>
-      <p:sp>
-        <p:nvSpPr>
-          <p:cNvPr id="8" name="Flowchart: Connector 7"/>
-          <p:cNvSpPr/>
-          <p:nvPr/>
-        </p:nvSpPr>
-        <p:spPr>
-          <a:xfrm>
-            <a:off x="4460248" y="3762171"/>
-            <a:ext cx="215900" cy="228600"/>
-          </a:xfrm>
-          <a:prstGeom prst="flowChartConnector">
-            <a:avLst/>
-          </a:prstGeom>
-        </p:spPr>
-        <p:style>
-          <a:lnRef idx="2">
-            <a:schemeClr val="accent1">
-              <a:shade val="50000"/>
-            </a:schemeClr>
-          </a:lnRef>
-          <a:fillRef idx="1">
-            <a:schemeClr val="accent1"/>
-          </a:fillRef>
-          <a:effectRef idx="0">
-            <a:schemeClr val="accent1"/>
-          </a:effectRef>
-          <a:fontRef idx="minor">
-            <a:schemeClr val="lt1"/>
-          </a:fontRef>
-        </p:style>
-        <p:txBody>
-          <a:bodyPr rtlCol="0" anchor="ctr"/>
-          <a:lstStyle/>
-          <a:p>
-            <a:pPr algn="ctr"/>
-            <a:endParaRPr lang="en-US"/>
-          </a:p>
-        </p:txBody>
-      </p:sp>
-      <p:sp>
-        <p:nvSpPr>
-          <p:cNvPr id="9" name="Flowchart: Connector 8"/>
-          <p:cNvSpPr/>
-          <p:nvPr/>
-        </p:nvSpPr>
-        <p:spPr>
-          <a:xfrm>
-            <a:off x="5698498" y="5613463"/>
-            <a:ext cx="215900" cy="228600"/>
-          </a:xfrm>
-          <a:prstGeom prst="flowChartConnector">
-            <a:avLst/>
-          </a:prstGeom>
-        </p:spPr>
-        <p:style>
-          <a:lnRef idx="2">
-            <a:schemeClr val="accent1">
-              <a:shade val="50000"/>
-            </a:schemeClr>
-          </a:lnRef>
-          <a:fillRef idx="1">
-            <a:schemeClr val="accent1"/>
-          </a:fillRef>
-          <a:effectRef idx="0">
-            <a:schemeClr val="accent1"/>
-          </a:effectRef>
-          <a:fontRef idx="minor">
-            <a:schemeClr val="lt1"/>
-          </a:fontRef>
-        </p:style>
-        <p:txBody>
-          <a:bodyPr rtlCol="0" anchor="ctr"/>
-          <a:lstStyle/>
-          <a:p>
-            <a:pPr algn="ctr"/>
-            <a:endParaRPr lang="en-US"/>
-          </a:p>
-        </p:txBody>
-      </p:sp>
-      <p:sp>
-        <p:nvSpPr>
-          <p:cNvPr id="12" name="Rectangle 11"/>
-          <p:cNvSpPr/>
-          <p:nvPr/>
-        </p:nvSpPr>
-        <p:spPr>
-          <a:xfrm>
-            <a:off x="1672466" y="3239210"/>
-            <a:ext cx="1073282" cy="1153262"/>
-          </a:xfrm>
-          <a:prstGeom prst="rect">
-            <a:avLst/>
-          </a:prstGeom>
-          <a:solidFill>
-            <a:schemeClr val="bg1"/>
-          </a:solidFill>
-          <a:ln w="31750">
+        </p:grpSpPr>
+        <p:sp>
+          <p:nvSpPr>
+            <p:cNvPr id="7" name="Flowchart: Connector 6"/>
+            <p:cNvSpPr/>
+            <p:nvPr/>
+          </p:nvSpPr>
+          <p:spPr>
+            <a:xfrm>
+              <a:off x="2218698" y="3267712"/>
+              <a:ext cx="215900" cy="228600"/>
+            </a:xfrm>
+            <a:prstGeom prst="flowChartConnector">
+              <a:avLst/>
+            </a:prstGeom>
+          </p:spPr>
+          <p:style>
+            <a:lnRef idx="2">
+              <a:schemeClr val="accent1">
+                <a:shade val="50000"/>
+              </a:schemeClr>
+            </a:lnRef>
+            <a:fillRef idx="1">
+              <a:schemeClr val="accent1"/>
+            </a:fillRef>
+            <a:effectRef idx="0">
+              <a:schemeClr val="accent1"/>
+            </a:effectRef>
+            <a:fontRef idx="minor">
+              <a:schemeClr val="lt1"/>
+            </a:fontRef>
+          </p:style>
+          <p:txBody>
+            <a:bodyPr rtlCol="0" anchor="ctr"/>
+            <a:lstStyle/>
+            <a:p>
+              <a:pPr algn="ctr"/>
+              <a:endParaRPr lang="en-US"/>
+            </a:p>
+          </p:txBody>
+        </p:sp>
+        <p:sp>
+          <p:nvSpPr>
+            <p:cNvPr id="8" name="Flowchart: Connector 7"/>
+            <p:cNvSpPr/>
+            <p:nvPr/>
+          </p:nvSpPr>
+          <p:spPr>
+            <a:xfrm>
+              <a:off x="4460248" y="2502333"/>
+              <a:ext cx="215900" cy="228600"/>
+            </a:xfrm>
+            <a:prstGeom prst="flowChartConnector">
+              <a:avLst/>
+            </a:prstGeom>
+          </p:spPr>
+          <p:style>
+            <a:lnRef idx="2">
+              <a:schemeClr val="accent1">
+                <a:shade val="50000"/>
+              </a:schemeClr>
+            </a:lnRef>
+            <a:fillRef idx="1">
+              <a:schemeClr val="accent1"/>
+            </a:fillRef>
+            <a:effectRef idx="0">
+              <a:schemeClr val="accent1"/>
+            </a:effectRef>
+            <a:fontRef idx="minor">
+              <a:schemeClr val="lt1"/>
+            </a:fontRef>
+          </p:style>
+          <p:txBody>
+            <a:bodyPr rtlCol="0" anchor="ctr"/>
+            <a:lstStyle/>
+            <a:p>
+              <a:pPr algn="ctr"/>
+              <a:endParaRPr lang="en-US"/>
+            </a:p>
+          </p:txBody>
+        </p:sp>
+        <p:sp>
+          <p:nvSpPr>
+            <p:cNvPr id="9" name="Flowchart: Connector 8"/>
+            <p:cNvSpPr/>
+            <p:nvPr/>
+          </p:nvSpPr>
+          <p:spPr>
+            <a:xfrm>
+              <a:off x="5682087" y="3961165"/>
+              <a:ext cx="215900" cy="228600"/>
+            </a:xfrm>
+            <a:prstGeom prst="flowChartConnector">
+              <a:avLst/>
+            </a:prstGeom>
+          </p:spPr>
+          <p:style>
+            <a:lnRef idx="2">
+              <a:schemeClr val="accent1">
+                <a:shade val="50000"/>
+              </a:schemeClr>
+            </a:lnRef>
+            <a:fillRef idx="1">
+              <a:schemeClr val="accent1"/>
+            </a:fillRef>
+            <a:effectRef idx="0">
+              <a:schemeClr val="accent1"/>
+            </a:effectRef>
+            <a:fontRef idx="minor">
+              <a:schemeClr val="lt1"/>
+            </a:fontRef>
+          </p:style>
+          <p:txBody>
+            <a:bodyPr rtlCol="0" anchor="ctr"/>
+            <a:lstStyle/>
+            <a:p>
+              <a:pPr algn="ctr"/>
+              <a:endParaRPr lang="en-US"/>
+            </a:p>
+          </p:txBody>
+        </p:sp>
+        <p:sp>
+          <p:nvSpPr>
+            <p:cNvPr id="12" name="Rectangle 11"/>
+            <p:cNvSpPr/>
+            <p:nvPr/>
+          </p:nvSpPr>
+          <p:spPr>
+            <a:xfrm>
+              <a:off x="1672466" y="1979372"/>
+              <a:ext cx="1073282" cy="1153262"/>
+            </a:xfrm>
+            <a:prstGeom prst="rect">
+              <a:avLst/>
+            </a:prstGeom>
             <a:solidFill>
-              <a:schemeClr val="tx1"/>
+              <a:schemeClr val="bg1"/>
             </a:solidFill>
-          </a:ln>
-        </p:spPr>
-        <p:style>
-          <a:lnRef idx="2">
-            <a:schemeClr val="accent1">
-              <a:shade val="50000"/>
-            </a:schemeClr>
-          </a:lnRef>
-          <a:fillRef idx="1">
-            <a:schemeClr val="accent1"/>
-          </a:fillRef>
-          <a:effectRef idx="0">
-            <a:schemeClr val="accent1"/>
-          </a:effectRef>
-          <a:fontRef idx="minor">
-            <a:schemeClr val="lt1"/>
-          </a:fontRef>
-        </p:style>
-        <p:txBody>
-          <a:bodyPr lIns="0" rIns="0" rtlCol="0" anchor="t" anchorCtr="0"/>
-          <a:lstStyle/>
-          <a:p>
-            <a:pPr algn="ctr">
-              <a:lnSpc>
-                <a:spcPts val="1400"/>
-              </a:lnSpc>
-            </a:pPr>
-            <a:r>
-              <a:rPr lang="en-US" dirty="0">
+            <a:ln w="31750">
+              <a:solidFill>
+                <a:schemeClr val="tx1"/>
+              </a:solidFill>
+            </a:ln>
+          </p:spPr>
+          <p:style>
+            <a:lnRef idx="2">
+              <a:schemeClr val="accent1">
+                <a:shade val="50000"/>
+              </a:schemeClr>
+            </a:lnRef>
+            <a:fillRef idx="1">
+              <a:schemeClr val="accent1"/>
+            </a:fillRef>
+            <a:effectRef idx="0">
+              <a:schemeClr val="accent1"/>
+            </a:effectRef>
+            <a:fontRef idx="minor">
+              <a:schemeClr val="lt1"/>
+            </a:fontRef>
+          </p:style>
+          <p:txBody>
+            <a:bodyPr lIns="0" rIns="0" rtlCol="0" anchor="t" anchorCtr="0"/>
+            <a:lstStyle/>
+            <a:p>
+              <a:pPr algn="ctr">
+                <a:lnSpc>
+                  <a:spcPts val="1400"/>
+                </a:lnSpc>
+              </a:pPr>
+              <a:r>
+                <a:rPr lang="en-US" dirty="0">
+                  <a:solidFill>
+                    <a:schemeClr val="tx1"/>
+                  </a:solidFill>
+                </a:rPr>
+                <a:t>Ledger</a:t>
+              </a:r>
+            </a:p>
+            <a:p>
+              <a:pPr algn="ctr">
+                <a:lnSpc>
+                  <a:spcPts val="2200"/>
+                </a:lnSpc>
+              </a:pPr>
+              <a:r>
+                <a:rPr lang="en-US" dirty="0">
+                  <a:solidFill>
+                    <a:schemeClr val="tx1"/>
+                  </a:solidFill>
+                </a:rPr>
+                <a:t>Alice  25</a:t>
+              </a:r>
+            </a:p>
+            <a:p>
+              <a:pPr algn="ctr">
+                <a:lnSpc>
+                  <a:spcPts val="2200"/>
+                </a:lnSpc>
+              </a:pPr>
+              <a:r>
+                <a:rPr lang="en-US" dirty="0">
+                  <a:solidFill>
+                    <a:schemeClr val="tx1"/>
+                  </a:solidFill>
+                </a:rPr>
+                <a:t>Bob  10</a:t>
+              </a:r>
+            </a:p>
+            <a:p>
+              <a:pPr algn="ctr">
+                <a:lnSpc>
+                  <a:spcPts val="1200"/>
+                </a:lnSpc>
+              </a:pPr>
+              <a:r>
+                <a:rPr lang="en-US" b="1" dirty="0">
+                  <a:solidFill>
+                    <a:schemeClr val="tx1"/>
+                  </a:solidFill>
+                </a:rPr>
+                <a:t>____</a:t>
+              </a:r>
+              <a:br>
+                <a:rPr lang="en-US" b="1" dirty="0">
+                  <a:solidFill>
+                    <a:schemeClr val="tx1"/>
+                  </a:solidFill>
+                </a:rPr>
+              </a:br>
+              <a:r>
+                <a:rPr lang="en-US" b="1" dirty="0">
+                  <a:solidFill>
+                    <a:schemeClr val="tx1"/>
+                  </a:solidFill>
+                </a:rPr>
+                <a:t>____</a:t>
+              </a:r>
+              <a:br>
+                <a:rPr lang="en-US" dirty="0">
+                  <a:solidFill>
+                    <a:schemeClr val="tx1"/>
+                  </a:solidFill>
+                </a:rPr>
+              </a:br>
+              <a:endParaRPr lang="en-US" dirty="0">
                 <a:solidFill>
                   <a:schemeClr val="tx1"/>
                 </a:solidFill>
-              </a:rPr>
-              <a:t>Ledger</a:t>
-            </a:r>
-          </a:p>
-          <a:p>
-            <a:pPr algn="ctr">
-              <a:lnSpc>
-                <a:spcPts val="2200"/>
-              </a:lnSpc>
-            </a:pPr>
-            <a:r>
-              <a:rPr lang="en-US" dirty="0">
+              </a:endParaRPr>
+            </a:p>
+          </p:txBody>
+        </p:sp>
+        <p:cxnSp>
+          <p:nvCxnSpPr>
+            <p:cNvPr id="15" name="Straight Connector 14"/>
+            <p:cNvCxnSpPr>
+              <a:cxnSpLocks/>
+              <a:endCxn id="7" idx="2"/>
+            </p:cNvCxnSpPr>
+            <p:nvPr/>
+          </p:nvCxnSpPr>
+          <p:spPr>
+            <a:xfrm>
+              <a:off x="529085" y="3382012"/>
+              <a:ext cx="1689613" cy="0"/>
+            </a:xfrm>
+            <a:prstGeom prst="line">
+              <a:avLst/>
+            </a:prstGeom>
+            <a:ln w="31750"/>
+          </p:spPr>
+          <p:style>
+            <a:lnRef idx="1">
+              <a:schemeClr val="accent1"/>
+            </a:lnRef>
+            <a:fillRef idx="0">
+              <a:schemeClr val="accent1"/>
+            </a:fillRef>
+            <a:effectRef idx="0">
+              <a:schemeClr val="accent1"/>
+            </a:effectRef>
+            <a:fontRef idx="minor">
+              <a:schemeClr val="tx1"/>
+            </a:fontRef>
+          </p:style>
+        </p:cxnSp>
+        <p:cxnSp>
+          <p:nvCxnSpPr>
+            <p:cNvPr id="17" name="Straight Connector 16"/>
+            <p:cNvCxnSpPr>
+              <a:cxnSpLocks/>
+              <a:stCxn id="7" idx="6"/>
+              <a:endCxn id="8" idx="3"/>
+            </p:cNvCxnSpPr>
+            <p:nvPr/>
+          </p:nvCxnSpPr>
+          <p:spPr>
+            <a:xfrm flipV="1">
+              <a:off x="2434598" y="2697455"/>
+              <a:ext cx="2057268" cy="684557"/>
+            </a:xfrm>
+            <a:prstGeom prst="line">
+              <a:avLst/>
+            </a:prstGeom>
+            <a:ln w="31750"/>
+          </p:spPr>
+          <p:style>
+            <a:lnRef idx="1">
+              <a:schemeClr val="accent1"/>
+            </a:lnRef>
+            <a:fillRef idx="0">
+              <a:schemeClr val="accent1"/>
+            </a:fillRef>
+            <a:effectRef idx="0">
+              <a:schemeClr val="accent1"/>
+            </a:effectRef>
+            <a:fontRef idx="minor">
+              <a:schemeClr val="tx1"/>
+            </a:fontRef>
+          </p:style>
+        </p:cxnSp>
+        <p:cxnSp>
+          <p:nvCxnSpPr>
+            <p:cNvPr id="23" name="Straight Connector 22"/>
+            <p:cNvCxnSpPr>
+              <a:cxnSpLocks/>
+              <a:stCxn id="7" idx="6"/>
+              <a:endCxn id="9" idx="2"/>
+            </p:cNvCxnSpPr>
+            <p:nvPr/>
+          </p:nvCxnSpPr>
+          <p:spPr>
+            <a:xfrm>
+              <a:off x="2434598" y="3382012"/>
+              <a:ext cx="3247489" cy="693453"/>
+            </a:xfrm>
+            <a:prstGeom prst="line">
+              <a:avLst/>
+            </a:prstGeom>
+            <a:ln w="31750"/>
+          </p:spPr>
+          <p:style>
+            <a:lnRef idx="1">
+              <a:schemeClr val="accent1"/>
+            </a:lnRef>
+            <a:fillRef idx="0">
+              <a:schemeClr val="accent1"/>
+            </a:fillRef>
+            <a:effectRef idx="0">
+              <a:schemeClr val="accent1"/>
+            </a:effectRef>
+            <a:fontRef idx="minor">
+              <a:schemeClr val="tx1"/>
+            </a:fontRef>
+          </p:style>
+        </p:cxnSp>
+        <p:sp>
+          <p:nvSpPr>
+            <p:cNvPr id="26" name="Rectangle 25"/>
+            <p:cNvSpPr/>
+            <p:nvPr/>
+          </p:nvSpPr>
+          <p:spPr>
+            <a:xfrm>
+              <a:off x="4031557" y="1274623"/>
+              <a:ext cx="1073282" cy="1153262"/>
+            </a:xfrm>
+            <a:prstGeom prst="rect">
+              <a:avLst/>
+            </a:prstGeom>
+            <a:solidFill>
+              <a:schemeClr val="bg1"/>
+            </a:solidFill>
+            <a:ln w="31750">
+              <a:solidFill>
+                <a:schemeClr val="tx1"/>
+              </a:solidFill>
+            </a:ln>
+          </p:spPr>
+          <p:style>
+            <a:lnRef idx="2">
+              <a:schemeClr val="accent1">
+                <a:shade val="50000"/>
+              </a:schemeClr>
+            </a:lnRef>
+            <a:fillRef idx="1">
+              <a:schemeClr val="accent1"/>
+            </a:fillRef>
+            <a:effectRef idx="0">
+              <a:schemeClr val="accent1"/>
+            </a:effectRef>
+            <a:fontRef idx="minor">
+              <a:schemeClr val="lt1"/>
+            </a:fontRef>
+          </p:style>
+          <p:txBody>
+            <a:bodyPr lIns="0" rIns="0" rtlCol="0" anchor="t" anchorCtr="0"/>
+            <a:lstStyle/>
+            <a:p>
+              <a:pPr algn="ctr">
+                <a:lnSpc>
+                  <a:spcPts val="1400"/>
+                </a:lnSpc>
+              </a:pPr>
+              <a:r>
+                <a:rPr lang="en-US" dirty="0">
+                  <a:solidFill>
+                    <a:schemeClr val="tx1"/>
+                  </a:solidFill>
+                </a:rPr>
+                <a:t>Ledger</a:t>
+              </a:r>
+            </a:p>
+            <a:p>
+              <a:pPr algn="ctr">
+                <a:lnSpc>
+                  <a:spcPts val="2200"/>
+                </a:lnSpc>
+              </a:pPr>
+              <a:r>
+                <a:rPr lang="en-US" dirty="0">
+                  <a:solidFill>
+                    <a:schemeClr val="tx1"/>
+                  </a:solidFill>
+                </a:rPr>
+                <a:t>Alice  25</a:t>
+              </a:r>
+            </a:p>
+            <a:p>
+              <a:pPr algn="ctr">
+                <a:lnSpc>
+                  <a:spcPts val="2200"/>
+                </a:lnSpc>
+              </a:pPr>
+              <a:r>
+                <a:rPr lang="en-US" dirty="0">
+                  <a:solidFill>
+                    <a:schemeClr val="tx1"/>
+                  </a:solidFill>
+                </a:rPr>
+                <a:t>Bob  10</a:t>
+              </a:r>
+            </a:p>
+            <a:p>
+              <a:pPr algn="ctr">
+                <a:lnSpc>
+                  <a:spcPts val="1200"/>
+                </a:lnSpc>
+              </a:pPr>
+              <a:r>
+                <a:rPr lang="en-US" b="1" dirty="0">
+                  <a:solidFill>
+                    <a:schemeClr val="tx1"/>
+                  </a:solidFill>
+                </a:rPr>
+                <a:t>____</a:t>
+              </a:r>
+              <a:br>
+                <a:rPr lang="en-US" b="1" dirty="0">
+                  <a:solidFill>
+                    <a:schemeClr val="tx1"/>
+                  </a:solidFill>
+                </a:rPr>
+              </a:br>
+              <a:r>
+                <a:rPr lang="en-US" b="1" dirty="0">
+                  <a:solidFill>
+                    <a:schemeClr val="tx1"/>
+                  </a:solidFill>
+                </a:rPr>
+                <a:t>____</a:t>
+              </a:r>
+              <a:br>
+                <a:rPr lang="en-US" dirty="0">
+                  <a:solidFill>
+                    <a:schemeClr val="tx1"/>
+                  </a:solidFill>
+                </a:rPr>
+              </a:br>
+              <a:endParaRPr lang="en-US" dirty="0">
                 <a:solidFill>
                   <a:schemeClr val="tx1"/>
                 </a:solidFill>
-              </a:rPr>
-              <a:t>Alice  25</a:t>
-            </a:r>
-          </a:p>
-          <a:p>
-            <a:pPr algn="ctr">
-              <a:lnSpc>
-                <a:spcPts val="2200"/>
-              </a:lnSpc>
-            </a:pPr>
-            <a:r>
-              <a:rPr lang="en-US" dirty="0">
+              </a:endParaRPr>
+            </a:p>
+          </p:txBody>
+        </p:sp>
+        <p:sp>
+          <p:nvSpPr>
+            <p:cNvPr id="27" name="Rectangle 26"/>
+            <p:cNvSpPr/>
+            <p:nvPr/>
+          </p:nvSpPr>
+          <p:spPr>
+            <a:xfrm>
+              <a:off x="5269807" y="2768801"/>
+              <a:ext cx="1073282" cy="1153262"/>
+            </a:xfrm>
+            <a:prstGeom prst="rect">
+              <a:avLst/>
+            </a:prstGeom>
+            <a:solidFill>
+              <a:schemeClr val="bg1"/>
+            </a:solidFill>
+            <a:ln w="31750">
+              <a:solidFill>
+                <a:schemeClr val="tx1"/>
+              </a:solidFill>
+            </a:ln>
+          </p:spPr>
+          <p:style>
+            <a:lnRef idx="2">
+              <a:schemeClr val="accent1">
+                <a:shade val="50000"/>
+              </a:schemeClr>
+            </a:lnRef>
+            <a:fillRef idx="1">
+              <a:schemeClr val="accent1"/>
+            </a:fillRef>
+            <a:effectRef idx="0">
+              <a:schemeClr val="accent1"/>
+            </a:effectRef>
+            <a:fontRef idx="minor">
+              <a:schemeClr val="lt1"/>
+            </a:fontRef>
+          </p:style>
+          <p:txBody>
+            <a:bodyPr lIns="0" rIns="0" rtlCol="0" anchor="t" anchorCtr="0"/>
+            <a:lstStyle/>
+            <a:p>
+              <a:pPr algn="ctr">
+                <a:lnSpc>
+                  <a:spcPts val="1400"/>
+                </a:lnSpc>
+              </a:pPr>
+              <a:r>
+                <a:rPr lang="en-US" dirty="0">
+                  <a:solidFill>
+                    <a:schemeClr val="tx1"/>
+                  </a:solidFill>
+                </a:rPr>
+                <a:t>Ledger</a:t>
+              </a:r>
+            </a:p>
+            <a:p>
+              <a:pPr algn="ctr">
+                <a:lnSpc>
+                  <a:spcPts val="2200"/>
+                </a:lnSpc>
+              </a:pPr>
+              <a:r>
+                <a:rPr lang="en-US" dirty="0">
+                  <a:solidFill>
+                    <a:schemeClr val="tx1"/>
+                  </a:solidFill>
+                </a:rPr>
+                <a:t>Alice  25</a:t>
+              </a:r>
+            </a:p>
+            <a:p>
+              <a:pPr algn="ctr">
+                <a:lnSpc>
+                  <a:spcPts val="2200"/>
+                </a:lnSpc>
+              </a:pPr>
+              <a:r>
+                <a:rPr lang="en-US" dirty="0">
+                  <a:solidFill>
+                    <a:schemeClr val="tx1"/>
+                  </a:solidFill>
+                </a:rPr>
+                <a:t>Bob  10</a:t>
+              </a:r>
+            </a:p>
+            <a:p>
+              <a:pPr algn="ctr">
+                <a:lnSpc>
+                  <a:spcPts val="1200"/>
+                </a:lnSpc>
+              </a:pPr>
+              <a:r>
+                <a:rPr lang="en-US" b="1" dirty="0">
+                  <a:solidFill>
+                    <a:schemeClr val="tx1"/>
+                  </a:solidFill>
+                </a:rPr>
+                <a:t>____</a:t>
+              </a:r>
+              <a:br>
+                <a:rPr lang="en-US" b="1" dirty="0">
+                  <a:solidFill>
+                    <a:schemeClr val="tx1"/>
+                  </a:solidFill>
+                </a:rPr>
+              </a:br>
+              <a:r>
+                <a:rPr lang="en-US" b="1" dirty="0">
+                  <a:solidFill>
+                    <a:schemeClr val="tx1"/>
+                  </a:solidFill>
+                </a:rPr>
+                <a:t>____</a:t>
+              </a:r>
+              <a:br>
+                <a:rPr lang="en-US" dirty="0">
+                  <a:solidFill>
+                    <a:schemeClr val="tx1"/>
+                  </a:solidFill>
+                </a:rPr>
+              </a:br>
+              <a:endParaRPr lang="en-US" dirty="0">
                 <a:solidFill>
                   <a:schemeClr val="tx1"/>
                 </a:solidFill>
-              </a:rPr>
-              <a:t>Bob  10</a:t>
-            </a:r>
-          </a:p>
-          <a:p>
-            <a:pPr algn="ctr">
-              <a:lnSpc>
-                <a:spcPts val="1200"/>
-              </a:lnSpc>
-            </a:pPr>
-            <a:r>
-              <a:rPr lang="en-US" b="1" dirty="0">
-                <a:solidFill>
-                  <a:schemeClr val="tx1"/>
-                </a:solidFill>
-              </a:rPr>
-              <a:t>____</a:t>
-            </a:r>
-            <a:br>
-              <a:rPr lang="en-US" b="1" dirty="0">
-                <a:solidFill>
-                  <a:schemeClr val="tx1"/>
-                </a:solidFill>
-              </a:rPr>
-            </a:br>
-            <a:r>
-              <a:rPr lang="en-US" b="1" dirty="0">
-                <a:solidFill>
-                  <a:schemeClr val="tx1"/>
-                </a:solidFill>
-              </a:rPr>
-              <a:t>____</a:t>
-            </a:r>
-            <a:br>
-              <a:rPr lang="en-US" dirty="0">
-                <a:solidFill>
-                  <a:schemeClr val="tx1"/>
-                </a:solidFill>
-              </a:rPr>
-            </a:br>
-            <a:endParaRPr lang="en-US" dirty="0">
-              <a:solidFill>
-                <a:schemeClr val="tx1"/>
-              </a:solidFill>
-            </a:endParaRPr>
-          </a:p>
-        </p:txBody>
-      </p:sp>
-      <p:cxnSp>
-        <p:nvCxnSpPr>
-          <p:cNvPr id="15" name="Straight Connector 14"/>
-          <p:cNvCxnSpPr>
-            <a:cxnSpLocks/>
-            <a:endCxn id="7" idx="2"/>
-          </p:cNvCxnSpPr>
-          <p:nvPr/>
-        </p:nvCxnSpPr>
-        <p:spPr>
-          <a:xfrm>
-            <a:off x="529085" y="4641850"/>
-            <a:ext cx="1689613" cy="0"/>
-          </a:xfrm>
-          <a:prstGeom prst="line">
-            <a:avLst/>
-          </a:prstGeom>
-          <a:ln w="31750"/>
-        </p:spPr>
-        <p:style>
-          <a:lnRef idx="1">
-            <a:schemeClr val="accent1"/>
-          </a:lnRef>
-          <a:fillRef idx="0">
-            <a:schemeClr val="accent1"/>
-          </a:fillRef>
-          <a:effectRef idx="0">
-            <a:schemeClr val="accent1"/>
-          </a:effectRef>
-          <a:fontRef idx="minor">
-            <a:schemeClr val="tx1"/>
-          </a:fontRef>
-        </p:style>
-      </p:cxnSp>
-      <p:cxnSp>
-        <p:nvCxnSpPr>
-          <p:cNvPr id="17" name="Straight Connector 16"/>
-          <p:cNvCxnSpPr>
-            <a:cxnSpLocks/>
-            <a:stCxn id="7" idx="6"/>
-            <a:endCxn id="8" idx="3"/>
-          </p:cNvCxnSpPr>
-          <p:nvPr/>
-        </p:nvCxnSpPr>
-        <p:spPr>
-          <a:xfrm flipV="1">
-            <a:off x="2434598" y="3957293"/>
-            <a:ext cx="2057268" cy="684557"/>
-          </a:xfrm>
-          <a:prstGeom prst="line">
-            <a:avLst/>
-          </a:prstGeom>
-          <a:ln w="31750"/>
-        </p:spPr>
-        <p:style>
-          <a:lnRef idx="1">
-            <a:schemeClr val="accent1"/>
-          </a:lnRef>
-          <a:fillRef idx="0">
-            <a:schemeClr val="accent1"/>
-          </a:fillRef>
-          <a:effectRef idx="0">
-            <a:schemeClr val="accent1"/>
-          </a:effectRef>
-          <a:fontRef idx="minor">
-            <a:schemeClr val="tx1"/>
-          </a:fontRef>
-        </p:style>
-      </p:cxnSp>
-      <p:cxnSp>
-        <p:nvCxnSpPr>
-          <p:cNvPr id="23" name="Straight Connector 22"/>
-          <p:cNvCxnSpPr>
-            <a:cxnSpLocks/>
-            <a:stCxn id="7" idx="6"/>
-            <a:endCxn id="9" idx="2"/>
-          </p:cNvCxnSpPr>
-          <p:nvPr/>
-        </p:nvCxnSpPr>
-        <p:spPr>
-          <a:xfrm>
-            <a:off x="2434598" y="4641850"/>
-            <a:ext cx="3263900" cy="1085913"/>
-          </a:xfrm>
-          <a:prstGeom prst="line">
-            <a:avLst/>
-          </a:prstGeom>
-          <a:ln w="31750"/>
-        </p:spPr>
-        <p:style>
-          <a:lnRef idx="1">
-            <a:schemeClr val="accent1"/>
-          </a:lnRef>
-          <a:fillRef idx="0">
-            <a:schemeClr val="accent1"/>
-          </a:fillRef>
-          <a:effectRef idx="0">
-            <a:schemeClr val="accent1"/>
-          </a:effectRef>
-          <a:fontRef idx="minor">
-            <a:schemeClr val="tx1"/>
-          </a:fontRef>
-        </p:style>
-      </p:cxnSp>
-      <p:sp>
-        <p:nvSpPr>
-          <p:cNvPr id="26" name="Rectangle 25"/>
-          <p:cNvSpPr/>
-          <p:nvPr/>
-        </p:nvSpPr>
-        <p:spPr>
-          <a:xfrm>
-            <a:off x="4031557" y="2534461"/>
-            <a:ext cx="1073282" cy="1153262"/>
-          </a:xfrm>
-          <a:prstGeom prst="rect">
-            <a:avLst/>
-          </a:prstGeom>
-          <a:solidFill>
-            <a:schemeClr val="bg1"/>
-          </a:solidFill>
-          <a:ln w="31750">
-            <a:solidFill>
-              <a:schemeClr val="tx1"/>
-            </a:solidFill>
-          </a:ln>
-        </p:spPr>
-        <p:style>
-          <a:lnRef idx="2">
-            <a:schemeClr val="accent1">
-              <a:shade val="50000"/>
-            </a:schemeClr>
-          </a:lnRef>
-          <a:fillRef idx="1">
-            <a:schemeClr val="accent1"/>
-          </a:fillRef>
-          <a:effectRef idx="0">
-            <a:schemeClr val="accent1"/>
-          </a:effectRef>
-          <a:fontRef idx="minor">
-            <a:schemeClr val="lt1"/>
-          </a:fontRef>
-        </p:style>
-        <p:txBody>
-          <a:bodyPr lIns="0" rIns="0" rtlCol="0" anchor="t" anchorCtr="0"/>
-          <a:lstStyle/>
-          <a:p>
-            <a:pPr algn="ctr">
-              <a:lnSpc>
-                <a:spcPts val="1400"/>
-              </a:lnSpc>
-            </a:pPr>
-            <a:r>
-              <a:rPr lang="en-US" dirty="0">
-                <a:solidFill>
-                  <a:schemeClr val="tx1"/>
-                </a:solidFill>
-              </a:rPr>
-              <a:t>Ledger</a:t>
-            </a:r>
-          </a:p>
-          <a:p>
-            <a:pPr algn="ctr">
-              <a:lnSpc>
-                <a:spcPts val="2200"/>
-              </a:lnSpc>
-            </a:pPr>
-            <a:r>
-              <a:rPr lang="en-US" dirty="0">
-                <a:solidFill>
-                  <a:schemeClr val="tx1"/>
-                </a:solidFill>
-              </a:rPr>
-              <a:t>Alice  25</a:t>
-            </a:r>
-          </a:p>
-          <a:p>
-            <a:pPr algn="ctr">
-              <a:lnSpc>
-                <a:spcPts val="2200"/>
-              </a:lnSpc>
-            </a:pPr>
-            <a:r>
-              <a:rPr lang="en-US" dirty="0">
-                <a:solidFill>
-                  <a:schemeClr val="tx1"/>
-                </a:solidFill>
-              </a:rPr>
-              <a:t>Bob  10</a:t>
-            </a:r>
-          </a:p>
-          <a:p>
-            <a:pPr algn="ctr">
-              <a:lnSpc>
-                <a:spcPts val="1200"/>
-              </a:lnSpc>
-            </a:pPr>
-            <a:r>
-              <a:rPr lang="en-US" b="1" dirty="0">
-                <a:solidFill>
-                  <a:schemeClr val="tx1"/>
-                </a:solidFill>
-              </a:rPr>
-              <a:t>____</a:t>
-            </a:r>
-            <a:br>
-              <a:rPr lang="en-US" b="1" dirty="0">
-                <a:solidFill>
-                  <a:schemeClr val="tx1"/>
-                </a:solidFill>
-              </a:rPr>
-            </a:br>
-            <a:r>
-              <a:rPr lang="en-US" b="1" dirty="0">
-                <a:solidFill>
-                  <a:schemeClr val="tx1"/>
-                </a:solidFill>
-              </a:rPr>
-              <a:t>____</a:t>
-            </a:r>
-            <a:br>
-              <a:rPr lang="en-US" dirty="0">
-                <a:solidFill>
-                  <a:schemeClr val="tx1"/>
-                </a:solidFill>
-              </a:rPr>
-            </a:br>
-            <a:endParaRPr lang="en-US" dirty="0">
-              <a:solidFill>
-                <a:schemeClr val="tx1"/>
-              </a:solidFill>
-            </a:endParaRPr>
-          </a:p>
-        </p:txBody>
-      </p:sp>
-      <p:sp>
-        <p:nvSpPr>
-          <p:cNvPr id="27" name="Rectangle 26"/>
-          <p:cNvSpPr/>
-          <p:nvPr/>
-        </p:nvSpPr>
-        <p:spPr>
-          <a:xfrm>
-            <a:off x="5269807" y="4299571"/>
-            <a:ext cx="1073282" cy="1153262"/>
-          </a:xfrm>
-          <a:prstGeom prst="rect">
-            <a:avLst/>
-          </a:prstGeom>
-          <a:solidFill>
-            <a:schemeClr val="bg1"/>
-          </a:solidFill>
-          <a:ln w="31750">
-            <a:solidFill>
-              <a:schemeClr val="tx1"/>
-            </a:solidFill>
-          </a:ln>
-        </p:spPr>
-        <p:style>
-          <a:lnRef idx="2">
-            <a:schemeClr val="accent1">
-              <a:shade val="50000"/>
-            </a:schemeClr>
-          </a:lnRef>
-          <a:fillRef idx="1">
-            <a:schemeClr val="accent1"/>
-          </a:fillRef>
-          <a:effectRef idx="0">
-            <a:schemeClr val="accent1"/>
-          </a:effectRef>
-          <a:fontRef idx="minor">
-            <a:schemeClr val="lt1"/>
-          </a:fontRef>
-        </p:style>
-        <p:txBody>
-          <a:bodyPr lIns="0" rIns="0" rtlCol="0" anchor="t" anchorCtr="0"/>
-          <a:lstStyle/>
-          <a:p>
-            <a:pPr algn="ctr">
-              <a:lnSpc>
-                <a:spcPts val="1400"/>
-              </a:lnSpc>
-            </a:pPr>
-            <a:r>
-              <a:rPr lang="en-US" dirty="0">
-                <a:solidFill>
-                  <a:schemeClr val="tx1"/>
-                </a:solidFill>
-              </a:rPr>
-              <a:t>Ledger</a:t>
-            </a:r>
-          </a:p>
-          <a:p>
-            <a:pPr algn="ctr">
-              <a:lnSpc>
-                <a:spcPts val="2200"/>
-              </a:lnSpc>
-            </a:pPr>
-            <a:r>
-              <a:rPr lang="en-US" dirty="0">
-                <a:solidFill>
-                  <a:schemeClr val="tx1"/>
-                </a:solidFill>
-              </a:rPr>
-              <a:t>Alice  25</a:t>
-            </a:r>
-          </a:p>
-          <a:p>
-            <a:pPr algn="ctr">
-              <a:lnSpc>
-                <a:spcPts val="2200"/>
-              </a:lnSpc>
-            </a:pPr>
-            <a:r>
-              <a:rPr lang="en-US" dirty="0">
-                <a:solidFill>
-                  <a:schemeClr val="tx1"/>
-                </a:solidFill>
-              </a:rPr>
-              <a:t>Bob  10</a:t>
-            </a:r>
-          </a:p>
-          <a:p>
-            <a:pPr algn="ctr">
-              <a:lnSpc>
-                <a:spcPts val="1200"/>
-              </a:lnSpc>
-            </a:pPr>
-            <a:r>
-              <a:rPr lang="en-US" b="1" dirty="0">
-                <a:solidFill>
-                  <a:schemeClr val="tx1"/>
-                </a:solidFill>
-              </a:rPr>
-              <a:t>____</a:t>
-            </a:r>
-            <a:br>
-              <a:rPr lang="en-US" b="1" dirty="0">
-                <a:solidFill>
-                  <a:schemeClr val="tx1"/>
-                </a:solidFill>
-              </a:rPr>
-            </a:br>
-            <a:r>
-              <a:rPr lang="en-US" b="1" dirty="0">
-                <a:solidFill>
-                  <a:schemeClr val="tx1"/>
-                </a:solidFill>
-              </a:rPr>
-              <a:t>____</a:t>
-            </a:r>
-            <a:br>
-              <a:rPr lang="en-US" dirty="0">
-                <a:solidFill>
-                  <a:schemeClr val="tx1"/>
-                </a:solidFill>
-              </a:rPr>
-            </a:br>
-            <a:endParaRPr lang="en-US" dirty="0">
-              <a:solidFill>
-                <a:schemeClr val="tx1"/>
-              </a:solidFill>
-            </a:endParaRPr>
-          </a:p>
-        </p:txBody>
-      </p:sp>
+              </a:endParaRPr>
+            </a:p>
+          </p:txBody>
+        </p:sp>
+      </p:grpSp>
       <p:sp>
         <p:nvSpPr>
           <p:cNvPr id="31" name="Rectangle 30"/>
@@ -14927,7 +16425,7 @@
         </p:nvSpPr>
         <p:spPr>
           <a:xfrm>
-            <a:off x="572541" y="4780907"/>
+            <a:off x="572541" y="3521069"/>
             <a:ext cx="657291" cy="422949"/>
           </a:xfrm>
           <a:prstGeom prst="rect">
@@ -15002,7 +16500,7 @@
                   <a:schemeClr val="tx1"/>
                 </a:solidFill>
               </a:rPr>
-              <a:t>50 BTC</a:t>
+              <a:t>5 BTC</a:t>
             </a:r>
           </a:p>
         </p:txBody>
@@ -15015,7 +16513,7 @@
         </p:nvSpPr>
         <p:spPr>
           <a:xfrm>
-            <a:off x="2345566" y="3464425"/>
+            <a:off x="2345566" y="2204587"/>
             <a:ext cx="336682" cy="553998"/>
           </a:xfrm>
           <a:prstGeom prst="rect">
@@ -15060,7 +16558,7 @@
         </p:nvSpPr>
         <p:spPr>
           <a:xfrm>
-            <a:off x="4676148" y="2759575"/>
+            <a:off x="4676148" y="1499737"/>
             <a:ext cx="336682" cy="553998"/>
           </a:xfrm>
           <a:prstGeom prst="rect">
@@ -15105,7 +16603,7 @@
         </p:nvSpPr>
         <p:spPr>
           <a:xfrm>
-            <a:off x="5920484" y="4527550"/>
+            <a:off x="5920484" y="2996780"/>
             <a:ext cx="336682" cy="553998"/>
           </a:xfrm>
           <a:prstGeom prst="rect">
@@ -15144,13 +16642,13 @@
       </p:sp>
       <p:sp>
         <p:nvSpPr>
-          <p:cNvPr id="37" name="Rectangle 36"/>
+          <p:cNvPr id="38" name="Rectangle 37"/>
           <p:cNvSpPr/>
           <p:nvPr/>
         </p:nvSpPr>
         <p:spPr>
           <a:xfrm>
-            <a:off x="2007527" y="4798054"/>
+            <a:off x="2007526" y="3530267"/>
             <a:ext cx="657291" cy="422949"/>
           </a:xfrm>
           <a:prstGeom prst="rect">
@@ -15225,20 +16723,20 @@
                   <a:schemeClr val="tx1"/>
                 </a:solidFill>
               </a:rPr>
-              <a:t>50 BTC</a:t>
+              <a:t>5 BTC</a:t>
             </a:r>
           </a:p>
         </p:txBody>
       </p:sp>
       <p:sp>
         <p:nvSpPr>
-          <p:cNvPr id="38" name="Rectangle 37"/>
+          <p:cNvPr id="37" name="Rectangle 36"/>
           <p:cNvSpPr/>
           <p:nvPr/>
         </p:nvSpPr>
         <p:spPr>
           <a:xfrm>
-            <a:off x="2007526" y="4790105"/>
+            <a:off x="2007527" y="3538216"/>
             <a:ext cx="657291" cy="422949"/>
           </a:xfrm>
           <a:prstGeom prst="rect">
@@ -15313,7 +16811,7 @@
                   <a:schemeClr val="tx1"/>
                 </a:solidFill>
               </a:rPr>
-              <a:t>50 BTC</a:t>
+              <a:t>5 BTC</a:t>
             </a:r>
           </a:p>
         </p:txBody>
@@ -15330,8 +16828,8 @@
         </p:nvSpPr>
         <p:spPr>
           <a:xfrm>
-            <a:off x="441055" y="1956376"/>
-            <a:ext cx="3809022" cy="570136"/>
+            <a:off x="425130" y="1280379"/>
+            <a:ext cx="3368945" cy="570136"/>
           </a:xfrm>
         </p:spPr>
         <p:txBody>
@@ -15344,16 +16842,16 @@
               <a:buNone/>
             </a:pPr>
             <a:r>
-              <a:rPr lang="en-US" dirty="0"/>
+              <a:rPr lang="en-US" sz="2400" dirty="0"/>
               <a:t>Alice </a:t>
             </a:r>
             <a:r>
-              <a:rPr lang="en-US" dirty="0">
+              <a:rPr lang="en-US" sz="2400" dirty="0">
                 <a:sym typeface="Wingdings" panose="05000000000000000000" pitchFamily="2" charset="2"/>
               </a:rPr>
-              <a:t> Bob       5.0  BTC</a:t>
-            </a:r>
-            <a:endParaRPr lang="en-US" dirty="0"/>
+              <a:t> Bob       5  BTC</a:t>
+            </a:r>
+            <a:endParaRPr lang="en-US" sz="2400" dirty="0"/>
           </a:p>
         </p:txBody>
       </p:sp>
@@ -15365,8 +16863,8 @@
         </p:nvSpPr>
         <p:spPr>
           <a:xfrm>
-            <a:off x="7200002" y="805423"/>
-            <a:ext cx="2792046" cy="1569660"/>
+            <a:off x="340746" y="5233639"/>
+            <a:ext cx="2551789" cy="1200329"/>
           </a:xfrm>
           <a:prstGeom prst="rect">
             <a:avLst/>
@@ -15379,54 +16877,71 @@
           <a:lstStyle/>
           <a:p>
             <a:r>
-              <a:rPr lang="en-US" sz="2400" dirty="0"/>
+              <a:rPr lang="en-US" dirty="0"/>
               <a:t>Alice  </a:t>
             </a:r>
             <a:r>
-              <a:rPr lang="en-US" sz="2400" dirty="0">
+              <a:rPr lang="en-US" dirty="0">
                 <a:sym typeface="Wingdings" panose="05000000000000000000" pitchFamily="2" charset="2"/>
               </a:rPr>
-              <a:t>  Bob	5  BTC</a:t>
-            </a:r>
-          </a:p>
-          <a:p>
-            <a:r>
-              <a:rPr lang="en-US" sz="2400" dirty="0">
+              <a:t>  Bob	5 BTC</a:t>
+            </a:r>
+          </a:p>
+          <a:p>
+            <a:r>
+              <a:rPr lang="en-US" dirty="0">
                 <a:sym typeface="Wingdings" panose="05000000000000000000" pitchFamily="2" charset="2"/>
               </a:rPr>
               <a:t>June </a:t>
             </a:r>
             <a:r>
-              <a:rPr lang="en-US" sz="2400" dirty="0"/>
+              <a:rPr lang="en-US" dirty="0"/>
               <a:t> </a:t>
             </a:r>
             <a:r>
-              <a:rPr lang="en-US" sz="2400" dirty="0">
+              <a:rPr lang="en-US" dirty="0">
                 <a:sym typeface="Wingdings" panose="05000000000000000000" pitchFamily="2" charset="2"/>
               </a:rPr>
-              <a:t> Dave	8 BTC</a:t>
-            </a:r>
-          </a:p>
-          <a:p>
-            <a:r>
-              <a:rPr lang="en-US" sz="2400" dirty="0">
+              <a:t> </a:t>
+            </a:r>
+            <a:r>
+              <a:rPr lang="en-US" dirty="0" err="1">
                 <a:sym typeface="Wingdings" panose="05000000000000000000" pitchFamily="2" charset="2"/>
               </a:rPr>
-              <a:t>Andy  Juan	6 BTC</a:t>
-            </a:r>
-          </a:p>
-          <a:p>
-            <a:r>
-              <a:rPr lang="en-US" sz="2400" dirty="0"/>
-              <a:t>Sam  </a:t>
-            </a:r>
-            <a:r>
-              <a:rPr lang="en-US" sz="2400" dirty="0">
+              <a:t>Kaven</a:t>
+            </a:r>
+            <a:r>
+              <a:rPr lang="en-US" dirty="0">
                 <a:sym typeface="Wingdings" panose="05000000000000000000" pitchFamily="2" charset="2"/>
               </a:rPr>
-              <a:t> John	4 BTC</a:t>
-            </a:r>
-            <a:endParaRPr lang="en-US" sz="2400" dirty="0"/>
+              <a:t>	8 BTC</a:t>
+            </a:r>
+          </a:p>
+          <a:p>
+            <a:r>
+              <a:rPr lang="en-US" dirty="0">
+                <a:sym typeface="Wingdings" panose="05000000000000000000" pitchFamily="2" charset="2"/>
+              </a:rPr>
+              <a:t>Sam </a:t>
+            </a:r>
+            <a:r>
+              <a:rPr lang="en-US" dirty="0"/>
+              <a:t> </a:t>
+            </a:r>
+            <a:r>
+              <a:rPr lang="en-US" dirty="0">
+                <a:sym typeface="Wingdings" panose="05000000000000000000" pitchFamily="2" charset="2"/>
+              </a:rPr>
+              <a:t> Tayler	8 BTC</a:t>
+            </a:r>
+          </a:p>
+          <a:p>
+            <a:r>
+              <a:rPr lang="en-US" dirty="0">
+                <a:sym typeface="Wingdings" panose="05000000000000000000" pitchFamily="2" charset="2"/>
+              </a:rPr>
+              <a:t>…		…</a:t>
+            </a:r>
           </a:p>
         </p:txBody>
       </p:sp>
@@ -15438,7 +16953,7 @@
         </p:nvSpPr>
         <p:spPr>
           <a:xfrm>
-            <a:off x="7163422" y="3172698"/>
+            <a:off x="3369931" y="5472653"/>
             <a:ext cx="215900" cy="228600"/>
           </a:xfrm>
           <a:prstGeom prst="flowChartConnector">
@@ -15478,7 +16993,7 @@
         </p:nvSpPr>
         <p:spPr>
           <a:xfrm>
-            <a:off x="7978793" y="2749749"/>
+            <a:off x="4185302" y="5049704"/>
             <a:ext cx="215900" cy="228600"/>
           </a:xfrm>
           <a:prstGeom prst="flowChartConnector">
@@ -15518,7 +17033,7 @@
         </p:nvSpPr>
         <p:spPr>
           <a:xfrm>
-            <a:off x="7942457" y="3569236"/>
+            <a:off x="4148966" y="5869191"/>
             <a:ext cx="215900" cy="228600"/>
           </a:xfrm>
           <a:prstGeom prst="flowChartConnector">
@@ -15562,7 +17077,7 @@
         </p:nvCxnSpPr>
         <p:spPr>
           <a:xfrm flipV="1">
-            <a:off x="7379322" y="2944871"/>
+            <a:off x="3585831" y="5244826"/>
             <a:ext cx="631089" cy="342127"/>
           </a:xfrm>
           <a:prstGeom prst="line">
@@ -15597,7 +17112,7 @@
         </p:nvCxnSpPr>
         <p:spPr>
           <a:xfrm>
-            <a:off x="7347704" y="3367820"/>
+            <a:off x="3554213" y="5667775"/>
             <a:ext cx="594753" cy="315716"/>
           </a:xfrm>
           <a:prstGeom prst="line">
@@ -15628,7 +17143,7 @@
         </p:nvSpPr>
         <p:spPr>
           <a:xfrm>
-            <a:off x="8726210" y="3145900"/>
+            <a:off x="4932719" y="5445855"/>
             <a:ext cx="215900" cy="228600"/>
           </a:xfrm>
           <a:prstGeom prst="flowChartConnector">
@@ -15668,7 +17183,7 @@
         </p:nvSpPr>
         <p:spPr>
           <a:xfrm>
-            <a:off x="8689874" y="3965387"/>
+            <a:off x="4896383" y="6265342"/>
             <a:ext cx="215900" cy="228600"/>
           </a:xfrm>
           <a:prstGeom prst="flowChartConnector">
@@ -15711,7 +17226,7 @@
         </p:nvCxnSpPr>
         <p:spPr>
           <a:xfrm flipV="1">
-            <a:off x="8126739" y="3341022"/>
+            <a:off x="4333248" y="5640977"/>
             <a:ext cx="631089" cy="342127"/>
           </a:xfrm>
           <a:prstGeom prst="line">
@@ -15745,7 +17260,7 @@
         </p:nvCxnSpPr>
         <p:spPr>
           <a:xfrm>
-            <a:off x="8095121" y="3763971"/>
+            <a:off x="4301630" y="6063926"/>
             <a:ext cx="594753" cy="315716"/>
           </a:xfrm>
           <a:prstGeom prst="line">
@@ -15776,7 +17291,7 @@
         </p:nvSpPr>
         <p:spPr>
           <a:xfrm>
-            <a:off x="9392577" y="3535371"/>
+            <a:off x="5599086" y="5835326"/>
             <a:ext cx="215900" cy="228600"/>
           </a:xfrm>
           <a:prstGeom prst="flowChartConnector">
@@ -15819,7 +17334,7 @@
         </p:nvCxnSpPr>
         <p:spPr>
           <a:xfrm flipV="1">
-            <a:off x="8793106" y="3730493"/>
+            <a:off x="4999615" y="6030448"/>
             <a:ext cx="631089" cy="342127"/>
           </a:xfrm>
           <a:prstGeom prst="line">
@@ -15850,8 +17365,8 @@
         </p:nvSpPr>
         <p:spPr>
           <a:xfrm>
-            <a:off x="10015776" y="2756964"/>
-            <a:ext cx="2116799" cy="1200329"/>
+            <a:off x="5821485" y="4889625"/>
+            <a:ext cx="1961367" cy="1569660"/>
           </a:xfrm>
           <a:prstGeom prst="rect">
             <a:avLst/>
@@ -15904,6 +17419,1143 @@
               <a:t>Index</a:t>
             </a:r>
             <a:endParaRPr lang="en-US" dirty="0"/>
+          </a:p>
+        </p:txBody>
+      </p:sp>
+      <p:grpSp>
+        <p:nvGrpSpPr>
+          <p:cNvPr id="6" name="Group 5"/>
+          <p:cNvGrpSpPr/>
+          <p:nvPr/>
+        </p:nvGrpSpPr>
+        <p:grpSpPr>
+          <a:xfrm>
+            <a:off x="8378614" y="71100"/>
+            <a:ext cx="3746383" cy="6648129"/>
+            <a:chOff x="8378614" y="71100"/>
+            <a:chExt cx="3746383" cy="6648129"/>
+          </a:xfrm>
+        </p:grpSpPr>
+        <p:pic>
+          <p:nvPicPr>
+            <p:cNvPr id="41" name="圖片 7" descr="Distributed consensus system.png"/>
+            <p:cNvPicPr>
+              <a:picLocks noChangeAspect="1"/>
+            </p:cNvPicPr>
+            <p:nvPr/>
+          </p:nvPicPr>
+          <p:blipFill>
+            <a:blip r:embed="rId3"/>
+            <a:stretch>
+              <a:fillRect/>
+            </a:stretch>
+          </p:blipFill>
+          <p:spPr>
+            <a:xfrm>
+              <a:off x="8378614" y="3469055"/>
+              <a:ext cx="3746383" cy="3250174"/>
+            </a:xfrm>
+            <a:prstGeom prst="rect">
+              <a:avLst/>
+            </a:prstGeom>
+          </p:spPr>
+        </p:pic>
+        <p:grpSp>
+          <p:nvGrpSpPr>
+            <p:cNvPr id="42" name="Group 41"/>
+            <p:cNvGrpSpPr/>
+            <p:nvPr/>
+          </p:nvGrpSpPr>
+          <p:grpSpPr>
+            <a:xfrm>
+              <a:off x="8610600" y="71100"/>
+              <a:ext cx="3367444" cy="3330222"/>
+              <a:chOff x="6413500" y="689809"/>
+              <a:chExt cx="3254358" cy="3120841"/>
+            </a:xfrm>
+          </p:grpSpPr>
+          <p:pic>
+            <p:nvPicPr>
+              <p:cNvPr id="43" name="Picture 42"/>
+              <p:cNvPicPr>
+                <a:picLocks noChangeAspect="1"/>
+              </p:cNvPicPr>
+              <p:nvPr/>
+            </p:nvPicPr>
+            <p:blipFill>
+              <a:blip r:embed="rId4"/>
+              <a:stretch>
+                <a:fillRect/>
+              </a:stretch>
+            </p:blipFill>
+            <p:spPr>
+              <a:xfrm>
+                <a:off x="6842534" y="1323960"/>
+                <a:ext cx="2267364" cy="2213409"/>
+              </a:xfrm>
+              <a:prstGeom prst="rect">
+                <a:avLst/>
+              </a:prstGeom>
+            </p:spPr>
+          </p:pic>
+          <p:sp>
+            <p:nvSpPr>
+              <p:cNvPr id="44" name="Rectangle 43"/>
+              <p:cNvSpPr/>
+              <p:nvPr/>
+            </p:nvSpPr>
+            <p:spPr>
+              <a:xfrm>
+                <a:off x="6413500" y="1145003"/>
+                <a:ext cx="577848" cy="793751"/>
+              </a:xfrm>
+              <a:prstGeom prst="rect">
+                <a:avLst/>
+              </a:prstGeom>
+              <a:solidFill>
+                <a:schemeClr val="bg1"/>
+              </a:solidFill>
+              <a:ln w="12700">
+                <a:solidFill>
+                  <a:schemeClr val="tx1"/>
+                </a:solidFill>
+              </a:ln>
+            </p:spPr>
+            <p:style>
+              <a:lnRef idx="2">
+                <a:schemeClr val="accent1">
+                  <a:shade val="50000"/>
+                </a:schemeClr>
+              </a:lnRef>
+              <a:fillRef idx="1">
+                <a:schemeClr val="accent1"/>
+              </a:fillRef>
+              <a:effectRef idx="0">
+                <a:schemeClr val="accent1"/>
+              </a:effectRef>
+              <a:fontRef idx="minor">
+                <a:schemeClr val="lt1"/>
+              </a:fontRef>
+            </p:style>
+            <p:txBody>
+              <a:bodyPr lIns="0" rIns="0" rtlCol="0" anchor="t" anchorCtr="0"/>
+              <a:lstStyle/>
+              <a:p>
+                <a:pPr algn="ctr">
+                  <a:lnSpc>
+                    <a:spcPts val="1400"/>
+                  </a:lnSpc>
+                </a:pPr>
+                <a:r>
+                  <a:rPr lang="en-US" sz="1400" dirty="0">
+                    <a:solidFill>
+                      <a:schemeClr val="tx1"/>
+                    </a:solidFill>
+                  </a:rPr>
+                  <a:t>Ledger</a:t>
+                </a:r>
+              </a:p>
+              <a:p>
+                <a:pPr algn="ctr">
+                  <a:lnSpc>
+                    <a:spcPts val="800"/>
+                  </a:lnSpc>
+                </a:pPr>
+                <a:r>
+                  <a:rPr lang="en-US" sz="1400" b="1" dirty="0">
+                    <a:solidFill>
+                      <a:schemeClr val="tx1"/>
+                    </a:solidFill>
+                  </a:rPr>
+                  <a:t>____</a:t>
+                </a:r>
+                <a:br>
+                  <a:rPr lang="en-US" sz="1400" b="1" dirty="0">
+                    <a:solidFill>
+                      <a:schemeClr val="tx1"/>
+                    </a:solidFill>
+                  </a:rPr>
+                </a:br>
+                <a:r>
+                  <a:rPr lang="en-US" sz="1400" b="1" dirty="0">
+                    <a:solidFill>
+                      <a:schemeClr val="tx1"/>
+                    </a:solidFill>
+                  </a:rPr>
+                  <a:t>____</a:t>
+                </a:r>
+              </a:p>
+              <a:p>
+                <a:pPr algn="ctr">
+                  <a:lnSpc>
+                    <a:spcPts val="800"/>
+                  </a:lnSpc>
+                </a:pPr>
+                <a:r>
+                  <a:rPr lang="en-US" sz="1400" b="1" dirty="0">
+                    <a:solidFill>
+                      <a:schemeClr val="tx1"/>
+                    </a:solidFill>
+                  </a:rPr>
+                  <a:t>____ ____</a:t>
+                </a:r>
+              </a:p>
+              <a:p>
+                <a:pPr algn="ctr">
+                  <a:lnSpc>
+                    <a:spcPts val="800"/>
+                  </a:lnSpc>
+                </a:pPr>
+                <a:r>
+                  <a:rPr lang="en-US" sz="1400" b="1" dirty="0">
+                    <a:solidFill>
+                      <a:schemeClr val="tx1"/>
+                    </a:solidFill>
+                  </a:rPr>
+                  <a:t>____</a:t>
+                </a:r>
+                <a:endParaRPr lang="en-US" sz="1400" dirty="0">
+                  <a:solidFill>
+                    <a:schemeClr val="tx1"/>
+                  </a:solidFill>
+                </a:endParaRPr>
+              </a:p>
+            </p:txBody>
+          </p:sp>
+          <p:sp>
+            <p:nvSpPr>
+              <p:cNvPr id="45" name="Rectangle 44"/>
+              <p:cNvSpPr/>
+              <p:nvPr/>
+            </p:nvSpPr>
+            <p:spPr>
+              <a:xfrm>
+                <a:off x="7985496" y="689809"/>
+                <a:ext cx="577848" cy="793751"/>
+              </a:xfrm>
+              <a:prstGeom prst="rect">
+                <a:avLst/>
+              </a:prstGeom>
+              <a:solidFill>
+                <a:schemeClr val="bg1"/>
+              </a:solidFill>
+              <a:ln w="12700">
+                <a:solidFill>
+                  <a:schemeClr val="tx1"/>
+                </a:solidFill>
+              </a:ln>
+            </p:spPr>
+            <p:style>
+              <a:lnRef idx="2">
+                <a:schemeClr val="accent1">
+                  <a:shade val="50000"/>
+                </a:schemeClr>
+              </a:lnRef>
+              <a:fillRef idx="1">
+                <a:schemeClr val="accent1"/>
+              </a:fillRef>
+              <a:effectRef idx="0">
+                <a:schemeClr val="accent1"/>
+              </a:effectRef>
+              <a:fontRef idx="minor">
+                <a:schemeClr val="lt1"/>
+              </a:fontRef>
+            </p:style>
+            <p:txBody>
+              <a:bodyPr lIns="0" rIns="0" rtlCol="0" anchor="t" anchorCtr="0"/>
+              <a:lstStyle/>
+              <a:p>
+                <a:pPr algn="ctr">
+                  <a:lnSpc>
+                    <a:spcPts val="1400"/>
+                  </a:lnSpc>
+                </a:pPr>
+                <a:r>
+                  <a:rPr lang="en-US" sz="1400" dirty="0">
+                    <a:solidFill>
+                      <a:schemeClr val="tx1"/>
+                    </a:solidFill>
+                  </a:rPr>
+                  <a:t>Ledger</a:t>
+                </a:r>
+              </a:p>
+              <a:p>
+                <a:pPr algn="ctr">
+                  <a:lnSpc>
+                    <a:spcPts val="800"/>
+                  </a:lnSpc>
+                </a:pPr>
+                <a:r>
+                  <a:rPr lang="en-US" sz="1400" b="1" dirty="0">
+                    <a:solidFill>
+                      <a:schemeClr val="tx1"/>
+                    </a:solidFill>
+                  </a:rPr>
+                  <a:t>____</a:t>
+                </a:r>
+                <a:br>
+                  <a:rPr lang="en-US" sz="1400" b="1" dirty="0">
+                    <a:solidFill>
+                      <a:schemeClr val="tx1"/>
+                    </a:solidFill>
+                  </a:rPr>
+                </a:br>
+                <a:r>
+                  <a:rPr lang="en-US" sz="1400" b="1" dirty="0">
+                    <a:solidFill>
+                      <a:schemeClr val="tx1"/>
+                    </a:solidFill>
+                  </a:rPr>
+                  <a:t>____</a:t>
+                </a:r>
+              </a:p>
+              <a:p>
+                <a:pPr algn="ctr">
+                  <a:lnSpc>
+                    <a:spcPts val="800"/>
+                  </a:lnSpc>
+                </a:pPr>
+                <a:r>
+                  <a:rPr lang="en-US" sz="1400" b="1" dirty="0">
+                    <a:solidFill>
+                      <a:schemeClr val="tx1"/>
+                    </a:solidFill>
+                  </a:rPr>
+                  <a:t>____ ____</a:t>
+                </a:r>
+              </a:p>
+              <a:p>
+                <a:pPr algn="ctr">
+                  <a:lnSpc>
+                    <a:spcPts val="800"/>
+                  </a:lnSpc>
+                </a:pPr>
+                <a:r>
+                  <a:rPr lang="en-US" sz="1400" b="1" dirty="0">
+                    <a:solidFill>
+                      <a:schemeClr val="tx1"/>
+                    </a:solidFill>
+                  </a:rPr>
+                  <a:t>____</a:t>
+                </a:r>
+                <a:endParaRPr lang="en-US" sz="1400" dirty="0">
+                  <a:solidFill>
+                    <a:schemeClr val="tx1"/>
+                  </a:solidFill>
+                </a:endParaRPr>
+              </a:p>
+            </p:txBody>
+          </p:sp>
+          <p:sp>
+            <p:nvSpPr>
+              <p:cNvPr id="46" name="Rectangle 45"/>
+              <p:cNvSpPr/>
+              <p:nvPr/>
+            </p:nvSpPr>
+            <p:spPr>
+              <a:xfrm>
+                <a:off x="6413500" y="2341186"/>
+                <a:ext cx="577848" cy="793751"/>
+              </a:xfrm>
+              <a:prstGeom prst="rect">
+                <a:avLst/>
+              </a:prstGeom>
+              <a:solidFill>
+                <a:schemeClr val="bg1"/>
+              </a:solidFill>
+              <a:ln w="12700">
+                <a:solidFill>
+                  <a:schemeClr val="tx1"/>
+                </a:solidFill>
+              </a:ln>
+            </p:spPr>
+            <p:style>
+              <a:lnRef idx="2">
+                <a:schemeClr val="accent1">
+                  <a:shade val="50000"/>
+                </a:schemeClr>
+              </a:lnRef>
+              <a:fillRef idx="1">
+                <a:schemeClr val="accent1"/>
+              </a:fillRef>
+              <a:effectRef idx="0">
+                <a:schemeClr val="accent1"/>
+              </a:effectRef>
+              <a:fontRef idx="minor">
+                <a:schemeClr val="lt1"/>
+              </a:fontRef>
+            </p:style>
+            <p:txBody>
+              <a:bodyPr lIns="0" rIns="0" rtlCol="0" anchor="t" anchorCtr="0"/>
+              <a:lstStyle/>
+              <a:p>
+                <a:pPr algn="ctr">
+                  <a:lnSpc>
+                    <a:spcPts val="1400"/>
+                  </a:lnSpc>
+                </a:pPr>
+                <a:r>
+                  <a:rPr lang="en-US" sz="1400" dirty="0">
+                    <a:solidFill>
+                      <a:schemeClr val="tx1"/>
+                    </a:solidFill>
+                  </a:rPr>
+                  <a:t>Ledger</a:t>
+                </a:r>
+              </a:p>
+              <a:p>
+                <a:pPr algn="ctr">
+                  <a:lnSpc>
+                    <a:spcPts val="800"/>
+                  </a:lnSpc>
+                </a:pPr>
+                <a:r>
+                  <a:rPr lang="en-US" sz="1400" b="1" dirty="0">
+                    <a:solidFill>
+                      <a:schemeClr val="tx1"/>
+                    </a:solidFill>
+                  </a:rPr>
+                  <a:t>____</a:t>
+                </a:r>
+                <a:br>
+                  <a:rPr lang="en-US" sz="1400" b="1" dirty="0">
+                    <a:solidFill>
+                      <a:schemeClr val="tx1"/>
+                    </a:solidFill>
+                  </a:rPr>
+                </a:br>
+                <a:r>
+                  <a:rPr lang="en-US" sz="1400" b="1" dirty="0">
+                    <a:solidFill>
+                      <a:schemeClr val="tx1"/>
+                    </a:solidFill>
+                  </a:rPr>
+                  <a:t>____</a:t>
+                </a:r>
+              </a:p>
+              <a:p>
+                <a:pPr algn="ctr">
+                  <a:lnSpc>
+                    <a:spcPts val="800"/>
+                  </a:lnSpc>
+                </a:pPr>
+                <a:r>
+                  <a:rPr lang="en-US" sz="1400" b="1" dirty="0">
+                    <a:solidFill>
+                      <a:schemeClr val="tx1"/>
+                    </a:solidFill>
+                  </a:rPr>
+                  <a:t>____ ____</a:t>
+                </a:r>
+              </a:p>
+              <a:p>
+                <a:pPr algn="ctr">
+                  <a:lnSpc>
+                    <a:spcPts val="800"/>
+                  </a:lnSpc>
+                </a:pPr>
+                <a:r>
+                  <a:rPr lang="en-US" sz="1400" b="1" dirty="0">
+                    <a:solidFill>
+                      <a:schemeClr val="tx1"/>
+                    </a:solidFill>
+                  </a:rPr>
+                  <a:t>____</a:t>
+                </a:r>
+                <a:endParaRPr lang="en-US" sz="1400" dirty="0">
+                  <a:solidFill>
+                    <a:schemeClr val="tx1"/>
+                  </a:solidFill>
+                </a:endParaRPr>
+              </a:p>
+            </p:txBody>
+          </p:sp>
+          <p:sp>
+            <p:nvSpPr>
+              <p:cNvPr id="47" name="Rectangle 46"/>
+              <p:cNvSpPr/>
+              <p:nvPr/>
+            </p:nvSpPr>
+            <p:spPr>
+              <a:xfrm>
+                <a:off x="7393226" y="3016899"/>
+                <a:ext cx="582990" cy="793751"/>
+              </a:xfrm>
+              <a:prstGeom prst="rect">
+                <a:avLst/>
+              </a:prstGeom>
+              <a:solidFill>
+                <a:schemeClr val="bg1"/>
+              </a:solidFill>
+              <a:ln w="12700">
+                <a:solidFill>
+                  <a:schemeClr val="tx1"/>
+                </a:solidFill>
+              </a:ln>
+            </p:spPr>
+            <p:style>
+              <a:lnRef idx="2">
+                <a:schemeClr val="accent1">
+                  <a:shade val="50000"/>
+                </a:schemeClr>
+              </a:lnRef>
+              <a:fillRef idx="1">
+                <a:schemeClr val="accent1"/>
+              </a:fillRef>
+              <a:effectRef idx="0">
+                <a:schemeClr val="accent1"/>
+              </a:effectRef>
+              <a:fontRef idx="minor">
+                <a:schemeClr val="lt1"/>
+              </a:fontRef>
+            </p:style>
+            <p:txBody>
+              <a:bodyPr lIns="0" rIns="0" rtlCol="0" anchor="t" anchorCtr="0"/>
+              <a:lstStyle/>
+              <a:p>
+                <a:pPr algn="ctr">
+                  <a:lnSpc>
+                    <a:spcPts val="1400"/>
+                  </a:lnSpc>
+                </a:pPr>
+                <a:r>
+                  <a:rPr lang="en-US" sz="1400" dirty="0">
+                    <a:solidFill>
+                      <a:schemeClr val="tx1"/>
+                    </a:solidFill>
+                  </a:rPr>
+                  <a:t>Ledger</a:t>
+                </a:r>
+              </a:p>
+              <a:p>
+                <a:pPr algn="ctr">
+                  <a:lnSpc>
+                    <a:spcPts val="800"/>
+                  </a:lnSpc>
+                </a:pPr>
+                <a:r>
+                  <a:rPr lang="en-US" sz="1400" b="1" dirty="0">
+                    <a:solidFill>
+                      <a:schemeClr val="tx1"/>
+                    </a:solidFill>
+                  </a:rPr>
+                  <a:t>____</a:t>
+                </a:r>
+                <a:br>
+                  <a:rPr lang="en-US" sz="1400" b="1" dirty="0">
+                    <a:solidFill>
+                      <a:schemeClr val="tx1"/>
+                    </a:solidFill>
+                  </a:rPr>
+                </a:br>
+                <a:r>
+                  <a:rPr lang="en-US" sz="1400" b="1" dirty="0">
+                    <a:solidFill>
+                      <a:schemeClr val="tx1"/>
+                    </a:solidFill>
+                  </a:rPr>
+                  <a:t>____</a:t>
+                </a:r>
+              </a:p>
+              <a:p>
+                <a:pPr algn="ctr">
+                  <a:lnSpc>
+                    <a:spcPts val="800"/>
+                  </a:lnSpc>
+                </a:pPr>
+                <a:r>
+                  <a:rPr lang="en-US" sz="1400" b="1" dirty="0">
+                    <a:solidFill>
+                      <a:schemeClr val="tx1"/>
+                    </a:solidFill>
+                  </a:rPr>
+                  <a:t>____ ____</a:t>
+                </a:r>
+              </a:p>
+              <a:p>
+                <a:pPr algn="ctr">
+                  <a:lnSpc>
+                    <a:spcPts val="800"/>
+                  </a:lnSpc>
+                </a:pPr>
+                <a:r>
+                  <a:rPr lang="en-US" sz="1400" b="1" dirty="0">
+                    <a:solidFill>
+                      <a:schemeClr val="tx1"/>
+                    </a:solidFill>
+                  </a:rPr>
+                  <a:t>____</a:t>
+                </a:r>
+                <a:endParaRPr lang="en-US" sz="1400" dirty="0">
+                  <a:solidFill>
+                    <a:schemeClr val="tx1"/>
+                  </a:solidFill>
+                </a:endParaRPr>
+              </a:p>
+            </p:txBody>
+          </p:sp>
+          <p:sp>
+            <p:nvSpPr>
+              <p:cNvPr id="48" name="Rectangle 47"/>
+              <p:cNvSpPr/>
+              <p:nvPr/>
+            </p:nvSpPr>
+            <p:spPr>
+              <a:xfrm>
+                <a:off x="8987695" y="2832475"/>
+                <a:ext cx="577848" cy="793751"/>
+              </a:xfrm>
+              <a:prstGeom prst="rect">
+                <a:avLst/>
+              </a:prstGeom>
+              <a:solidFill>
+                <a:schemeClr val="bg1"/>
+              </a:solidFill>
+              <a:ln w="12700">
+                <a:solidFill>
+                  <a:schemeClr val="tx1"/>
+                </a:solidFill>
+              </a:ln>
+            </p:spPr>
+            <p:style>
+              <a:lnRef idx="2">
+                <a:schemeClr val="accent1">
+                  <a:shade val="50000"/>
+                </a:schemeClr>
+              </a:lnRef>
+              <a:fillRef idx="1">
+                <a:schemeClr val="accent1"/>
+              </a:fillRef>
+              <a:effectRef idx="0">
+                <a:schemeClr val="accent1"/>
+              </a:effectRef>
+              <a:fontRef idx="minor">
+                <a:schemeClr val="lt1"/>
+              </a:fontRef>
+            </p:style>
+            <p:txBody>
+              <a:bodyPr lIns="0" rIns="0" rtlCol="0" anchor="t" anchorCtr="0"/>
+              <a:lstStyle/>
+              <a:p>
+                <a:pPr algn="ctr">
+                  <a:lnSpc>
+                    <a:spcPts val="1400"/>
+                  </a:lnSpc>
+                </a:pPr>
+                <a:r>
+                  <a:rPr lang="en-US" sz="1400" dirty="0">
+                    <a:solidFill>
+                      <a:schemeClr val="tx1"/>
+                    </a:solidFill>
+                  </a:rPr>
+                  <a:t>Ledger</a:t>
+                </a:r>
+              </a:p>
+              <a:p>
+                <a:pPr algn="ctr">
+                  <a:lnSpc>
+                    <a:spcPts val="800"/>
+                  </a:lnSpc>
+                </a:pPr>
+                <a:r>
+                  <a:rPr lang="en-US" sz="1400" b="1" dirty="0">
+                    <a:solidFill>
+                      <a:schemeClr val="tx1"/>
+                    </a:solidFill>
+                  </a:rPr>
+                  <a:t>____</a:t>
+                </a:r>
+                <a:br>
+                  <a:rPr lang="en-US" sz="1400" b="1" dirty="0">
+                    <a:solidFill>
+                      <a:schemeClr val="tx1"/>
+                    </a:solidFill>
+                  </a:rPr>
+                </a:br>
+                <a:r>
+                  <a:rPr lang="en-US" sz="1400" b="1" dirty="0">
+                    <a:solidFill>
+                      <a:schemeClr val="tx1"/>
+                    </a:solidFill>
+                  </a:rPr>
+                  <a:t>____</a:t>
+                </a:r>
+              </a:p>
+              <a:p>
+                <a:pPr algn="ctr">
+                  <a:lnSpc>
+                    <a:spcPts val="800"/>
+                  </a:lnSpc>
+                </a:pPr>
+                <a:r>
+                  <a:rPr lang="en-US" sz="1400" b="1" dirty="0">
+                    <a:solidFill>
+                      <a:schemeClr val="tx1"/>
+                    </a:solidFill>
+                  </a:rPr>
+                  <a:t>____ ____</a:t>
+                </a:r>
+              </a:p>
+              <a:p>
+                <a:pPr algn="ctr">
+                  <a:lnSpc>
+                    <a:spcPts val="800"/>
+                  </a:lnSpc>
+                </a:pPr>
+                <a:r>
+                  <a:rPr lang="en-US" sz="1400" b="1" dirty="0">
+                    <a:solidFill>
+                      <a:schemeClr val="tx1"/>
+                    </a:solidFill>
+                  </a:rPr>
+                  <a:t>____</a:t>
+                </a:r>
+                <a:endParaRPr lang="en-US" sz="1400" dirty="0">
+                  <a:solidFill>
+                    <a:schemeClr val="tx1"/>
+                  </a:solidFill>
+                </a:endParaRPr>
+              </a:p>
+            </p:txBody>
+          </p:sp>
+          <p:sp>
+            <p:nvSpPr>
+              <p:cNvPr id="49" name="Rectangle 48"/>
+              <p:cNvSpPr/>
+              <p:nvPr/>
+            </p:nvSpPr>
+            <p:spPr>
+              <a:xfrm>
+                <a:off x="9090010" y="1483560"/>
+                <a:ext cx="577848" cy="793751"/>
+              </a:xfrm>
+              <a:prstGeom prst="rect">
+                <a:avLst/>
+              </a:prstGeom>
+              <a:solidFill>
+                <a:schemeClr val="bg1"/>
+              </a:solidFill>
+              <a:ln w="12700">
+                <a:solidFill>
+                  <a:schemeClr val="tx1"/>
+                </a:solidFill>
+              </a:ln>
+            </p:spPr>
+            <p:style>
+              <a:lnRef idx="2">
+                <a:schemeClr val="accent1">
+                  <a:shade val="50000"/>
+                </a:schemeClr>
+              </a:lnRef>
+              <a:fillRef idx="1">
+                <a:schemeClr val="accent1"/>
+              </a:fillRef>
+              <a:effectRef idx="0">
+                <a:schemeClr val="accent1"/>
+              </a:effectRef>
+              <a:fontRef idx="minor">
+                <a:schemeClr val="lt1"/>
+              </a:fontRef>
+            </p:style>
+            <p:txBody>
+              <a:bodyPr lIns="0" rIns="0" rtlCol="0" anchor="t" anchorCtr="0"/>
+              <a:lstStyle/>
+              <a:p>
+                <a:pPr algn="ctr">
+                  <a:lnSpc>
+                    <a:spcPts val="1400"/>
+                  </a:lnSpc>
+                </a:pPr>
+                <a:r>
+                  <a:rPr lang="en-US" sz="1400" dirty="0">
+                    <a:solidFill>
+                      <a:schemeClr val="tx1"/>
+                    </a:solidFill>
+                  </a:rPr>
+                  <a:t>Ledger</a:t>
+                </a:r>
+              </a:p>
+              <a:p>
+                <a:pPr algn="ctr">
+                  <a:lnSpc>
+                    <a:spcPts val="800"/>
+                  </a:lnSpc>
+                </a:pPr>
+                <a:r>
+                  <a:rPr lang="en-US" sz="1400" b="1" dirty="0">
+                    <a:solidFill>
+                      <a:schemeClr val="tx1"/>
+                    </a:solidFill>
+                  </a:rPr>
+                  <a:t>____</a:t>
+                </a:r>
+                <a:br>
+                  <a:rPr lang="en-US" sz="1400" b="1" dirty="0">
+                    <a:solidFill>
+                      <a:schemeClr val="tx1"/>
+                    </a:solidFill>
+                  </a:rPr>
+                </a:br>
+                <a:r>
+                  <a:rPr lang="en-US" sz="1400" b="1" dirty="0">
+                    <a:solidFill>
+                      <a:schemeClr val="tx1"/>
+                    </a:solidFill>
+                  </a:rPr>
+                  <a:t>____</a:t>
+                </a:r>
+              </a:p>
+              <a:p>
+                <a:pPr algn="ctr">
+                  <a:lnSpc>
+                    <a:spcPts val="800"/>
+                  </a:lnSpc>
+                </a:pPr>
+                <a:r>
+                  <a:rPr lang="en-US" sz="1400" b="1" dirty="0">
+                    <a:solidFill>
+                      <a:schemeClr val="tx1"/>
+                    </a:solidFill>
+                  </a:rPr>
+                  <a:t>____ ____</a:t>
+                </a:r>
+              </a:p>
+              <a:p>
+                <a:pPr algn="ctr">
+                  <a:lnSpc>
+                    <a:spcPts val="800"/>
+                  </a:lnSpc>
+                </a:pPr>
+                <a:r>
+                  <a:rPr lang="en-US" sz="1400" b="1" dirty="0">
+                    <a:solidFill>
+                      <a:schemeClr val="tx1"/>
+                    </a:solidFill>
+                  </a:rPr>
+                  <a:t>____</a:t>
+                </a:r>
+                <a:endParaRPr lang="en-US" sz="1400" dirty="0">
+                  <a:solidFill>
+                    <a:schemeClr val="tx1"/>
+                  </a:solidFill>
+                </a:endParaRPr>
+              </a:p>
+            </p:txBody>
+          </p:sp>
+          <p:cxnSp>
+            <p:nvCxnSpPr>
+              <p:cNvPr id="50" name="Straight Connector 49"/>
+              <p:cNvCxnSpPr>
+                <a:cxnSpLocks/>
+                <a:stCxn id="45" idx="2"/>
+              </p:cNvCxnSpPr>
+              <p:nvPr/>
+            </p:nvCxnSpPr>
+            <p:spPr>
+              <a:xfrm flipH="1">
+                <a:off x="7976216" y="1483560"/>
+                <a:ext cx="298204" cy="545641"/>
+              </a:xfrm>
+              <a:prstGeom prst="line">
+                <a:avLst/>
+              </a:prstGeom>
+              <a:ln w="19050">
+                <a:solidFill>
+                  <a:srgbClr val="FF0000"/>
+                </a:solidFill>
+              </a:ln>
+            </p:spPr>
+            <p:style>
+              <a:lnRef idx="1">
+                <a:schemeClr val="accent1"/>
+              </a:lnRef>
+              <a:fillRef idx="0">
+                <a:schemeClr val="accent1"/>
+              </a:fillRef>
+              <a:effectRef idx="0">
+                <a:schemeClr val="accent1"/>
+              </a:effectRef>
+              <a:fontRef idx="minor">
+                <a:schemeClr val="tx1"/>
+              </a:fontRef>
+            </p:style>
+          </p:cxnSp>
+          <p:cxnSp>
+            <p:nvCxnSpPr>
+              <p:cNvPr id="51" name="Straight Connector 50"/>
+              <p:cNvCxnSpPr>
+                <a:cxnSpLocks/>
+                <a:stCxn id="46" idx="3"/>
+              </p:cNvCxnSpPr>
+              <p:nvPr/>
+            </p:nvCxnSpPr>
+            <p:spPr>
+              <a:xfrm flipV="1">
+                <a:off x="6991348" y="2442186"/>
+                <a:ext cx="424764" cy="295876"/>
+              </a:xfrm>
+              <a:prstGeom prst="line">
+                <a:avLst/>
+              </a:prstGeom>
+              <a:ln w="19050">
+                <a:solidFill>
+                  <a:srgbClr val="FF0000"/>
+                </a:solidFill>
+              </a:ln>
+            </p:spPr>
+            <p:style>
+              <a:lnRef idx="1">
+                <a:schemeClr val="accent1"/>
+              </a:lnRef>
+              <a:fillRef idx="0">
+                <a:schemeClr val="accent1"/>
+              </a:fillRef>
+              <a:effectRef idx="0">
+                <a:schemeClr val="accent1"/>
+              </a:effectRef>
+              <a:fontRef idx="minor">
+                <a:schemeClr val="tx1"/>
+              </a:fontRef>
+            </p:style>
+          </p:cxnSp>
+          <p:cxnSp>
+            <p:nvCxnSpPr>
+              <p:cNvPr id="52" name="Straight Connector 51"/>
+              <p:cNvCxnSpPr>
+                <a:cxnSpLocks/>
+                <a:endCxn id="47" idx="0"/>
+              </p:cNvCxnSpPr>
+              <p:nvPr/>
+            </p:nvCxnSpPr>
+            <p:spPr>
+              <a:xfrm flipH="1">
+                <a:off x="7684721" y="2360558"/>
+                <a:ext cx="84662" cy="656341"/>
+              </a:xfrm>
+              <a:prstGeom prst="line">
+                <a:avLst/>
+              </a:prstGeom>
+              <a:ln w="19050">
+                <a:solidFill>
+                  <a:srgbClr val="FF0000"/>
+                </a:solidFill>
+              </a:ln>
+            </p:spPr>
+            <p:style>
+              <a:lnRef idx="1">
+                <a:schemeClr val="accent1"/>
+              </a:lnRef>
+              <a:fillRef idx="0">
+                <a:schemeClr val="accent1"/>
+              </a:fillRef>
+              <a:effectRef idx="0">
+                <a:schemeClr val="accent1"/>
+              </a:effectRef>
+              <a:fontRef idx="minor">
+                <a:schemeClr val="tx1"/>
+              </a:fontRef>
+            </p:style>
+          </p:cxnSp>
+          <p:cxnSp>
+            <p:nvCxnSpPr>
+              <p:cNvPr id="53" name="Straight Connector 52"/>
+              <p:cNvCxnSpPr>
+                <a:cxnSpLocks/>
+                <a:stCxn id="49" idx="1"/>
+              </p:cNvCxnSpPr>
+              <p:nvPr/>
+            </p:nvCxnSpPr>
+            <p:spPr>
+              <a:xfrm flipH="1">
+                <a:off x="8742214" y="1880436"/>
+                <a:ext cx="347796" cy="632522"/>
+              </a:xfrm>
+              <a:prstGeom prst="line">
+                <a:avLst/>
+              </a:prstGeom>
+              <a:ln w="19050">
+                <a:solidFill>
+                  <a:srgbClr val="FF0000"/>
+                </a:solidFill>
+              </a:ln>
+            </p:spPr>
+            <p:style>
+              <a:lnRef idx="1">
+                <a:schemeClr val="accent1"/>
+              </a:lnRef>
+              <a:fillRef idx="0">
+                <a:schemeClr val="accent1"/>
+              </a:fillRef>
+              <a:effectRef idx="0">
+                <a:schemeClr val="accent1"/>
+              </a:effectRef>
+              <a:fontRef idx="minor">
+                <a:schemeClr val="tx1"/>
+              </a:fontRef>
+            </p:style>
+          </p:cxnSp>
+          <p:cxnSp>
+            <p:nvCxnSpPr>
+              <p:cNvPr id="54" name="Straight Connector 53"/>
+              <p:cNvCxnSpPr>
+                <a:cxnSpLocks/>
+                <a:stCxn id="48" idx="1"/>
+              </p:cNvCxnSpPr>
+              <p:nvPr/>
+            </p:nvCxnSpPr>
+            <p:spPr>
+              <a:xfrm flipH="1" flipV="1">
+                <a:off x="8585817" y="2638801"/>
+                <a:ext cx="401878" cy="590550"/>
+              </a:xfrm>
+              <a:prstGeom prst="line">
+                <a:avLst/>
+              </a:prstGeom>
+              <a:ln w="19050">
+                <a:solidFill>
+                  <a:srgbClr val="FF0000"/>
+                </a:solidFill>
+              </a:ln>
+            </p:spPr>
+            <p:style>
+              <a:lnRef idx="1">
+                <a:schemeClr val="accent1"/>
+              </a:lnRef>
+              <a:fillRef idx="0">
+                <a:schemeClr val="accent1"/>
+              </a:fillRef>
+              <a:effectRef idx="0">
+                <a:schemeClr val="accent1"/>
+              </a:effectRef>
+              <a:fontRef idx="minor">
+                <a:schemeClr val="tx1"/>
+              </a:fontRef>
+            </p:style>
+          </p:cxnSp>
+          <p:cxnSp>
+            <p:nvCxnSpPr>
+              <p:cNvPr id="55" name="Straight Connector 54"/>
+              <p:cNvCxnSpPr>
+                <a:cxnSpLocks/>
+              </p:cNvCxnSpPr>
+              <p:nvPr/>
+            </p:nvCxnSpPr>
+            <p:spPr>
+              <a:xfrm>
+                <a:off x="6989005" y="1541878"/>
+                <a:ext cx="551068" cy="666280"/>
+              </a:xfrm>
+              <a:prstGeom prst="line">
+                <a:avLst/>
+              </a:prstGeom>
+              <a:ln w="19050">
+                <a:solidFill>
+                  <a:srgbClr val="FF0000"/>
+                </a:solidFill>
+              </a:ln>
+            </p:spPr>
+            <p:style>
+              <a:lnRef idx="1">
+                <a:schemeClr val="accent1"/>
+              </a:lnRef>
+              <a:fillRef idx="0">
+                <a:schemeClr val="accent1"/>
+              </a:fillRef>
+              <a:effectRef idx="0">
+                <a:schemeClr val="accent1"/>
+              </a:effectRef>
+              <a:fontRef idx="minor">
+                <a:schemeClr val="tx1"/>
+              </a:fontRef>
+            </p:style>
+          </p:cxnSp>
+        </p:grpSp>
+      </p:grpSp>
+      <p:sp>
+        <p:nvSpPr>
+          <p:cNvPr id="56" name="Rectangle 55"/>
+          <p:cNvSpPr/>
+          <p:nvPr/>
+        </p:nvSpPr>
+        <p:spPr>
+          <a:xfrm>
+            <a:off x="10229238" y="4902628"/>
+            <a:ext cx="657291" cy="422949"/>
+          </a:xfrm>
+          <a:prstGeom prst="rect">
+            <a:avLst/>
+          </a:prstGeom>
+          <a:solidFill>
+            <a:schemeClr val="bg1"/>
+          </a:solidFill>
+          <a:ln w="31750">
+            <a:solidFill>
+              <a:schemeClr val="tx1"/>
+            </a:solidFill>
+          </a:ln>
+        </p:spPr>
+        <p:style>
+          <a:lnRef idx="2">
+            <a:schemeClr val="accent1">
+              <a:shade val="50000"/>
+            </a:schemeClr>
+          </a:lnRef>
+          <a:fillRef idx="1">
+            <a:schemeClr val="accent1"/>
+          </a:fillRef>
+          <a:effectRef idx="0">
+            <a:schemeClr val="accent1"/>
+          </a:effectRef>
+          <a:fontRef idx="minor">
+            <a:schemeClr val="lt1"/>
+          </a:fontRef>
+        </p:style>
+        <p:txBody>
+          <a:bodyPr lIns="0" rIns="0" rtlCol="0" anchor="t" anchorCtr="0"/>
+          <a:lstStyle/>
+          <a:p>
+            <a:pPr algn="ctr">
+              <a:lnSpc>
+                <a:spcPts val="1400"/>
+              </a:lnSpc>
+            </a:pPr>
+            <a:r>
+              <a:rPr lang="en-US" sz="1400" dirty="0">
+                <a:solidFill>
+                  <a:schemeClr val="tx1"/>
+                </a:solidFill>
+              </a:rPr>
+              <a:t>A</a:t>
+            </a:r>
+            <a:r>
+              <a:rPr lang="en-US" sz="1400" dirty="0">
+                <a:solidFill>
+                  <a:schemeClr val="tx1"/>
+                </a:solidFill>
+                <a:sym typeface="Wingdings" panose="05000000000000000000" pitchFamily="2" charset="2"/>
+              </a:rPr>
+              <a:t>B</a:t>
+            </a:r>
+            <a:endParaRPr lang="en-US" sz="1400" dirty="0">
+              <a:solidFill>
+                <a:schemeClr val="tx1"/>
+              </a:solidFill>
+            </a:endParaRPr>
+          </a:p>
+          <a:p>
+            <a:pPr algn="ctr">
+              <a:lnSpc>
+                <a:spcPts val="1400"/>
+              </a:lnSpc>
+            </a:pPr>
+            <a:r>
+              <a:rPr lang="en-US" sz="1400" dirty="0">
+                <a:solidFill>
+                  <a:schemeClr val="tx1"/>
+                </a:solidFill>
+              </a:rPr>
+              <a:t>5 BTC</a:t>
+            </a:r>
           </a:p>
         </p:txBody>
       </p:sp>
@@ -15938,7 +18590,7 @@
                             </p:stCondLst>
                             <p:childTnLst>
                               <p:par>
-                                <p:cTn id="5" presetID="1" presetClass="entr" presetSubtype="0" fill="hold" grpId="0" nodeType="clickEffect">
+                                <p:cTn id="5" presetID="1" presetClass="entr" presetSubtype="0" fill="hold" nodeType="clickEffect">
                                   <p:stCondLst>
                                     <p:cond delay="0"/>
                                   </p:stCondLst>
@@ -15951,11 +18603,7 @@
                                           </p:stCondLst>
                                         </p:cTn>
                                         <p:tgtEl>
-                                          <p:spTgt spid="39">
-                                            <p:txEl>
-                                              <p:pRg st="0" end="0"/>
-                                            </p:txEl>
-                                          </p:spTgt>
+                                          <p:spTgt spid="5"/>
                                         </p:tgtEl>
                                         <p:attrNameLst>
                                           <p:attrName>style.visibility</p:attrName>
@@ -15987,14 +18635,108 @@
                             </p:stCondLst>
                             <p:childTnLst>
                               <p:par>
-                                <p:cTn id="9" presetID="42" presetClass="path" presetSubtype="0" accel="50000" decel="50000" fill="hold" grpId="0" nodeType="clickEffect">
+                                <p:cTn id="9" presetID="1" presetClass="entr" presetSubtype="0" fill="hold" grpId="0" nodeType="clickEffect">
                                   <p:stCondLst>
                                     <p:cond delay="0"/>
                                   </p:stCondLst>
                                   <p:childTnLst>
-                                    <p:animMotion origin="layout" path="M 1.66667E-6 7.40741E-7 L 0.14127 0.00231 " pathEditMode="relative" rAng="0" ptsTypes="AA">
+                                    <p:set>
                                       <p:cBhvr>
-                                        <p:cTn id="10" dur="2000" fill="hold"/>
+                                        <p:cTn id="10" dur="1" fill="hold">
+                                          <p:stCondLst>
+                                            <p:cond delay="0"/>
+                                          </p:stCondLst>
+                                        </p:cTn>
+                                        <p:tgtEl>
+                                          <p:spTgt spid="39">
+                                            <p:txEl>
+                                              <p:pRg st="0" end="0"/>
+                                            </p:txEl>
+                                          </p:spTgt>
+                                        </p:tgtEl>
+                                        <p:attrNameLst>
+                                          <p:attrName>style.visibility</p:attrName>
+                                        </p:attrNameLst>
+                                      </p:cBhvr>
+                                      <p:to>
+                                        <p:strVal val="visible"/>
+                                      </p:to>
+                                    </p:set>
+                                  </p:childTnLst>
+                                </p:cTn>
+                              </p:par>
+                            </p:childTnLst>
+                          </p:cTn>
+                        </p:par>
+                      </p:childTnLst>
+                    </p:cTn>
+                  </p:par>
+                  <p:par>
+                    <p:cTn id="11" fill="hold">
+                      <p:stCondLst>
+                        <p:cond delay="indefinite"/>
+                      </p:stCondLst>
+                      <p:childTnLst>
+                        <p:par>
+                          <p:cTn id="12" fill="hold">
+                            <p:stCondLst>
+                              <p:cond delay="0"/>
+                            </p:stCondLst>
+                            <p:childTnLst>
+                              <p:par>
+                                <p:cTn id="13" presetID="1" presetClass="entr" presetSubtype="0" fill="hold" grpId="1" nodeType="clickEffect">
+                                  <p:stCondLst>
+                                    <p:cond delay="0"/>
+                                  </p:stCondLst>
+                                  <p:childTnLst>
+                                    <p:set>
+                                      <p:cBhvr>
+                                        <p:cTn id="14" dur="1" fill="hold">
+                                          <p:stCondLst>
+                                            <p:cond delay="0"/>
+                                          </p:stCondLst>
+                                        </p:cTn>
+                                        <p:tgtEl>
+                                          <p:spTgt spid="31"/>
+                                        </p:tgtEl>
+                                        <p:attrNameLst>
+                                          <p:attrName>style.visibility</p:attrName>
+                                        </p:attrNameLst>
+                                      </p:cBhvr>
+                                      <p:to>
+                                        <p:strVal val="visible"/>
+                                      </p:to>
+                                    </p:set>
+                                  </p:childTnLst>
+                                </p:cTn>
+                              </p:par>
+                            </p:childTnLst>
+                          </p:cTn>
+                        </p:par>
+                      </p:childTnLst>
+                    </p:cTn>
+                  </p:par>
+                  <p:par>
+                    <p:cTn id="15" fill="hold">
+                      <p:stCondLst>
+                        <p:cond delay="indefinite"/>
+                      </p:stCondLst>
+                      <p:childTnLst>
+                        <p:par>
+                          <p:cTn id="16" fill="hold">
+                            <p:stCondLst>
+                              <p:cond delay="0"/>
+                            </p:stCondLst>
+                            <p:childTnLst>
+                              <p:par>
+                                <p:cTn id="17" presetID="42" presetClass="path" presetSubtype="0" accel="50000" decel="50000" fill="hold" grpId="0" nodeType="clickEffect">
+                                  <p:stCondLst>
+                                    <p:cond delay="0"/>
+                                  </p:stCondLst>
+                                  <p:childTnLst>
+                                    <p:animMotion origin="layout" path="M 1.66667E-6 -2.96296E-6 L 0.11771 0.00254 " pathEditMode="relative" rAng="0" ptsTypes="AA">
+                                      <p:cBhvr>
+                                        <p:cTn id="18" dur="2000" fill="hold"/>
                                         <p:tgtEl>
                                           <p:spTgt spid="31"/>
                                         </p:tgtEl>
@@ -16003,7 +18745,7 @@
                                           <p:attrName>ppt_y</p:attrName>
                                         </p:attrNameLst>
                                       </p:cBhvr>
-                                      <p:rCtr x="7057" y="116"/>
+                                      <p:rCtr x="5924" y="93"/>
                                     </p:animMotion>
                                   </p:childTnLst>
                                 </p:cTn>
@@ -16012,20 +18754,20 @@
                           </p:cTn>
                         </p:par>
                         <p:par>
-                          <p:cTn id="11" fill="hold">
+                          <p:cTn id="19" fill="hold">
                             <p:stCondLst>
                               <p:cond delay="2000"/>
                             </p:stCondLst>
                             <p:childTnLst>
                               <p:par>
-                                <p:cTn id="12" presetID="1" presetClass="entr" presetSubtype="0" fill="hold" grpId="0" nodeType="afterEffect">
+                                <p:cTn id="20" presetID="1" presetClass="entr" presetSubtype="0" fill="hold" grpId="0" nodeType="afterEffect">
                                   <p:stCondLst>
                                     <p:cond delay="0"/>
                                   </p:stCondLst>
                                   <p:childTnLst>
                                     <p:set>
                                       <p:cBhvr>
-                                        <p:cTn id="13" dur="1" fill="hold">
+                                        <p:cTn id="21" dur="1" fill="hold">
                                           <p:stCondLst>
                                             <p:cond delay="0"/>
                                           </p:stCondLst>
@@ -16048,20 +18790,20 @@
                           </p:cTn>
                         </p:par>
                         <p:par>
-                          <p:cTn id="14" fill="hold">
+                          <p:cTn id="22" fill="hold">
                             <p:stCondLst>
                               <p:cond delay="2000"/>
                             </p:stCondLst>
                             <p:childTnLst>
                               <p:par>
-                                <p:cTn id="15" presetID="1" presetClass="entr" presetSubtype="0" fill="hold" grpId="0" nodeType="afterEffect">
+                                <p:cTn id="23" presetID="1" presetClass="entr" presetSubtype="0" fill="hold" grpId="0" nodeType="afterEffect">
                                   <p:stCondLst>
                                     <p:cond delay="0"/>
                                   </p:stCondLst>
                                   <p:childTnLst>
                                     <p:set>
                                       <p:cBhvr>
-                                        <p:cTn id="16" dur="1" fill="hold">
+                                        <p:cTn id="24" dur="1" fill="hold">
                                           <p:stCondLst>
                                             <p:cond delay="0"/>
                                           </p:stCondLst>
@@ -16087,26 +18829,26 @@
                     </p:cTn>
                   </p:par>
                   <p:par>
-                    <p:cTn id="17" fill="hold">
+                    <p:cTn id="25" fill="hold">
                       <p:stCondLst>
                         <p:cond delay="indefinite"/>
                       </p:stCondLst>
                       <p:childTnLst>
                         <p:par>
-                          <p:cTn id="18" fill="hold">
+                          <p:cTn id="26" fill="hold">
                             <p:stCondLst>
                               <p:cond delay="0"/>
                             </p:stCondLst>
                             <p:childTnLst>
                               <p:par>
-                                <p:cTn id="19" presetID="1" presetClass="entr" presetSubtype="0" fill="hold" grpId="0" nodeType="clickEffect">
+                                <p:cTn id="27" presetID="1" presetClass="entr" presetSubtype="0" fill="hold" grpId="0" nodeType="clickEffect">
                                   <p:stCondLst>
                                     <p:cond delay="0"/>
                                   </p:stCondLst>
                                   <p:childTnLst>
                                     <p:set>
                                       <p:cBhvr>
-                                        <p:cTn id="20" dur="1" fill="hold">
+                                        <p:cTn id="28" dur="1" fill="hold">
                                           <p:stCondLst>
                                             <p:cond delay="0"/>
                                           </p:stCondLst>
@@ -16132,26 +18874,26 @@
                     </p:cTn>
                   </p:par>
                   <p:par>
-                    <p:cTn id="21" fill="hold">
+                    <p:cTn id="29" fill="hold">
                       <p:stCondLst>
                         <p:cond delay="indefinite"/>
                       </p:stCondLst>
                       <p:childTnLst>
                         <p:par>
-                          <p:cTn id="22" fill="hold">
+                          <p:cTn id="30" fill="hold">
                             <p:stCondLst>
                               <p:cond delay="0"/>
                             </p:stCondLst>
                             <p:childTnLst>
                               <p:par>
-                                <p:cTn id="23" presetID="42" presetClass="path" presetSubtype="0" accel="50000" decel="50000" fill="hold" grpId="1" nodeType="clickEffect">
+                                <p:cTn id="31" presetID="42" presetClass="path" presetSubtype="0" accel="50000" decel="50000" fill="hold" grpId="1" nodeType="clickEffect">
                                   <p:stCondLst>
                                     <p:cond delay="500"/>
                                   </p:stCondLst>
                                   <p:childTnLst>
-                                    <p:animMotion origin="layout" path="M 3.33333E-6 -4.07407E-6 L 0.18346 -0.10509 " pathEditMode="relative" rAng="0" ptsTypes="AA">
+                                    <p:animMotion origin="layout" path="M 3.33333E-6 7.40741E-7 L 0.18346 -0.10509 " pathEditMode="relative" rAng="0" ptsTypes="AA">
                                       <p:cBhvr>
-                                        <p:cTn id="24" dur="2000" fill="hold"/>
+                                        <p:cTn id="32" dur="2000" fill="hold"/>
                                         <p:tgtEl>
                                           <p:spTgt spid="37"/>
                                         </p:tgtEl>
@@ -16169,20 +18911,20 @@
                           </p:cTn>
                         </p:par>
                         <p:par>
-                          <p:cTn id="25" fill="hold">
+                          <p:cTn id="33" fill="hold">
                             <p:stCondLst>
                               <p:cond delay="2500"/>
                             </p:stCondLst>
                             <p:childTnLst>
                               <p:par>
-                                <p:cTn id="26" presetID="42" presetClass="path" presetSubtype="0" accel="50000" decel="50000" fill="hold" grpId="1" nodeType="afterEffect">
+                                <p:cTn id="34" presetID="42" presetClass="path" presetSubtype="0" accel="50000" decel="50000" fill="hold" grpId="1" nodeType="afterEffect">
                                   <p:stCondLst>
                                     <p:cond delay="250"/>
                                   </p:stCondLst>
                                   <p:childTnLst>
-                                    <p:animMotion origin="layout" path="M 3.33333E-6 3.33333E-6 L 0.28554 0.1699 " pathEditMode="relative" rAng="0" ptsTypes="AA">
+                                    <p:animMotion origin="layout" path="M 3.33333E-6 -1.85185E-6 L 0.28281 0.10324 " pathEditMode="relative" rAng="0" ptsTypes="AA">
                                       <p:cBhvr>
-                                        <p:cTn id="27" dur="2000" fill="hold"/>
+                                        <p:cTn id="35" dur="2000" fill="hold"/>
                                         <p:tgtEl>
                                           <p:spTgt spid="38"/>
                                         </p:tgtEl>
@@ -16191,7 +18933,7 @@
                                           <p:attrName>ppt_y</p:attrName>
                                         </p:attrNameLst>
                                       </p:cBhvr>
-                                      <p:rCtr x="14271" y="8495"/>
+                                      <p:rCtr x="14141" y="5162"/>
                                     </p:animMotion>
                                   </p:childTnLst>
                                 </p:cTn>
@@ -16200,20 +18942,20 @@
                           </p:cTn>
                         </p:par>
                         <p:par>
-                          <p:cTn id="28" fill="hold">
+                          <p:cTn id="36" fill="hold">
                             <p:stCondLst>
                               <p:cond delay="4750"/>
                             </p:stCondLst>
                             <p:childTnLst>
                               <p:par>
-                                <p:cTn id="29" presetID="1" presetClass="entr" presetSubtype="0" fill="hold" grpId="0" nodeType="afterEffect">
+                                <p:cTn id="37" presetID="1" presetClass="entr" presetSubtype="0" fill="hold" grpId="0" nodeType="afterEffect">
                                   <p:stCondLst>
                                     <p:cond delay="500"/>
                                   </p:stCondLst>
                                   <p:childTnLst>
                                     <p:set>
                                       <p:cBhvr>
-                                        <p:cTn id="30" dur="1" fill="hold">
+                                        <p:cTn id="38" dur="1" fill="hold">
                                           <p:stCondLst>
                                             <p:cond delay="0"/>
                                           </p:stCondLst>
@@ -16236,20 +18978,20 @@
                           </p:cTn>
                         </p:par>
                         <p:par>
-                          <p:cTn id="31" fill="hold">
+                          <p:cTn id="39" fill="hold">
                             <p:stCondLst>
                               <p:cond delay="5250"/>
                             </p:stCondLst>
                             <p:childTnLst>
                               <p:par>
-                                <p:cTn id="32" presetID="1" presetClass="entr" presetSubtype="0" fill="hold" grpId="0" nodeType="afterEffect">
+                                <p:cTn id="40" presetID="1" presetClass="entr" presetSubtype="0" fill="hold" grpId="0" nodeType="afterEffect">
                                   <p:stCondLst>
                                     <p:cond delay="250"/>
                                   </p:stCondLst>
                                   <p:childTnLst>
                                     <p:set>
                                       <p:cBhvr>
-                                        <p:cTn id="33" dur="1" fill="hold">
+                                        <p:cTn id="41" dur="1" fill="hold">
                                           <p:stCondLst>
                                             <p:cond delay="0"/>
                                           </p:stCondLst>
@@ -16275,26 +19017,26 @@
                     </p:cTn>
                   </p:par>
                   <p:par>
-                    <p:cTn id="34" fill="hold">
+                    <p:cTn id="42" fill="hold">
                       <p:stCondLst>
                         <p:cond delay="indefinite"/>
                       </p:stCondLst>
                       <p:childTnLst>
                         <p:par>
-                          <p:cTn id="35" fill="hold">
+                          <p:cTn id="43" fill="hold">
                             <p:stCondLst>
                               <p:cond delay="0"/>
                             </p:stCondLst>
                             <p:childTnLst>
                               <p:par>
-                                <p:cTn id="36" presetID="1" presetClass="entr" presetSubtype="0" fill="hold" grpId="0" nodeType="clickEffect">
+                                <p:cTn id="44" presetID="1" presetClass="entr" presetSubtype="0" fill="hold" grpId="0" nodeType="clickEffect">
                                   <p:stCondLst>
                                     <p:cond delay="0"/>
                                   </p:stCondLst>
                                   <p:childTnLst>
                                     <p:set>
                                       <p:cBhvr>
-                                        <p:cTn id="37" dur="1" fill="hold">
+                                        <p:cTn id="45" dur="1" fill="hold">
                                           <p:stCondLst>
                                             <p:cond delay="0"/>
                                           </p:stCondLst>
@@ -16320,26 +19062,26 @@
                     </p:cTn>
                   </p:par>
                   <p:par>
-                    <p:cTn id="38" fill="hold">
+                    <p:cTn id="46" fill="hold">
                       <p:stCondLst>
                         <p:cond delay="indefinite"/>
                       </p:stCondLst>
                       <p:childTnLst>
                         <p:par>
-                          <p:cTn id="39" fill="hold">
+                          <p:cTn id="47" fill="hold">
                             <p:stCondLst>
                               <p:cond delay="0"/>
                             </p:stCondLst>
                             <p:childTnLst>
                               <p:par>
-                                <p:cTn id="40" presetID="1" presetClass="entr" presetSubtype="0" fill="hold" grpId="0" nodeType="clickEffect">
+                                <p:cTn id="48" presetID="1" presetClass="entr" presetSubtype="0" fill="hold" grpId="0" nodeType="clickEffect">
                                   <p:stCondLst>
                                     <p:cond delay="0"/>
                                   </p:stCondLst>
                                   <p:childTnLst>
                                     <p:set>
                                       <p:cBhvr>
-                                        <p:cTn id="41" dur="1" fill="hold">
+                                        <p:cTn id="49" dur="1" fill="hold">
                                           <p:stCondLst>
                                             <p:cond delay="0"/>
                                           </p:stCondLst>
@@ -16362,20 +19104,20 @@
                           </p:cTn>
                         </p:par>
                         <p:par>
-                          <p:cTn id="42" fill="hold">
+                          <p:cTn id="50" fill="hold">
                             <p:stCondLst>
                               <p:cond delay="0"/>
                             </p:stCondLst>
                             <p:childTnLst>
                               <p:par>
-                                <p:cTn id="43" presetID="1" presetClass="entr" presetSubtype="0" fill="hold" grpId="0" nodeType="afterEffect">
+                                <p:cTn id="51" presetID="1" presetClass="entr" presetSubtype="0" fill="hold" grpId="0" nodeType="afterEffect">
                                   <p:stCondLst>
                                     <p:cond delay="250"/>
                                   </p:stCondLst>
                                   <p:childTnLst>
                                     <p:set>
                                       <p:cBhvr>
-                                        <p:cTn id="44" dur="1" fill="hold">
+                                        <p:cTn id="52" dur="1" fill="hold">
                                           <p:stCondLst>
                                             <p:cond delay="0"/>
                                           </p:stCondLst>
@@ -16398,20 +19140,20 @@
                           </p:cTn>
                         </p:par>
                         <p:par>
-                          <p:cTn id="45" fill="hold">
+                          <p:cTn id="53" fill="hold">
                             <p:stCondLst>
                               <p:cond delay="250"/>
                             </p:stCondLst>
                             <p:childTnLst>
                               <p:par>
-                                <p:cTn id="46" presetID="1" presetClass="entr" presetSubtype="0" fill="hold" grpId="0" nodeType="afterEffect">
+                                <p:cTn id="54" presetID="1" presetClass="entr" presetSubtype="0" fill="hold" grpId="0" nodeType="afterEffect">
                                   <p:stCondLst>
                                     <p:cond delay="250"/>
                                   </p:stCondLst>
                                   <p:childTnLst>
                                     <p:set>
                                       <p:cBhvr>
-                                        <p:cTn id="47" dur="1" fill="hold">
+                                        <p:cTn id="55" dur="1" fill="hold">
                                           <p:stCondLst>
                                             <p:cond delay="0"/>
                                           </p:stCondLst>
@@ -16434,20 +19176,20 @@
                           </p:cTn>
                         </p:par>
                         <p:par>
-                          <p:cTn id="48" fill="hold">
+                          <p:cTn id="56" fill="hold">
                             <p:stCondLst>
                               <p:cond delay="500"/>
                             </p:stCondLst>
                             <p:childTnLst>
                               <p:par>
-                                <p:cTn id="49" presetID="1" presetClass="entr" presetSubtype="0" fill="hold" nodeType="afterEffect">
+                                <p:cTn id="57" presetID="1" presetClass="entr" presetSubtype="0" fill="hold" nodeType="afterEffect">
                                   <p:stCondLst>
                                     <p:cond delay="500"/>
                                   </p:stCondLst>
                                   <p:childTnLst>
                                     <p:set>
                                       <p:cBhvr>
-                                        <p:cTn id="50" dur="1" fill="hold">
+                                        <p:cTn id="58" dur="1" fill="hold">
                                           <p:stCondLst>
                                             <p:cond delay="0"/>
                                           </p:stCondLst>
@@ -16470,20 +19212,20 @@
                           </p:cTn>
                         </p:par>
                         <p:par>
-                          <p:cTn id="51" fill="hold">
+                          <p:cTn id="59" fill="hold">
                             <p:stCondLst>
                               <p:cond delay="1000"/>
                             </p:stCondLst>
                             <p:childTnLst>
                               <p:par>
-                                <p:cTn id="52" presetID="1" presetClass="entr" presetSubtype="0" fill="hold" grpId="0" nodeType="afterEffect">
+                                <p:cTn id="60" presetID="1" presetClass="entr" presetSubtype="0" fill="hold" grpId="0" nodeType="afterEffect">
                                   <p:stCondLst>
                                     <p:cond delay="0"/>
                                   </p:stCondLst>
                                   <p:childTnLst>
                                     <p:set>
                                       <p:cBhvr>
-                                        <p:cTn id="53" dur="1" fill="hold">
+                                        <p:cTn id="61" dur="1" fill="hold">
                                           <p:stCondLst>
                                             <p:cond delay="0"/>
                                           </p:stCondLst>
@@ -16506,20 +19248,20 @@
                           </p:cTn>
                         </p:par>
                         <p:par>
-                          <p:cTn id="54" fill="hold">
+                          <p:cTn id="62" fill="hold">
                             <p:stCondLst>
                               <p:cond delay="1000"/>
                             </p:stCondLst>
                             <p:childTnLst>
                               <p:par>
-                                <p:cTn id="55" presetID="1" presetClass="entr" presetSubtype="0" fill="hold" nodeType="afterEffect">
+                                <p:cTn id="63" presetID="1" presetClass="entr" presetSubtype="0" fill="hold" nodeType="afterEffect">
                                   <p:stCondLst>
                                     <p:cond delay="500"/>
                                   </p:stCondLst>
                                   <p:childTnLst>
                                     <p:set>
                                       <p:cBhvr>
-                                        <p:cTn id="56" dur="1" fill="hold">
+                                        <p:cTn id="64" dur="1" fill="hold">
                                           <p:stCondLst>
                                             <p:cond delay="0"/>
                                           </p:stCondLst>
@@ -16542,20 +19284,20 @@
                           </p:cTn>
                         </p:par>
                         <p:par>
-                          <p:cTn id="57" fill="hold">
+                          <p:cTn id="65" fill="hold">
                             <p:stCondLst>
                               <p:cond delay="1500"/>
                             </p:stCondLst>
                             <p:childTnLst>
                               <p:par>
-                                <p:cTn id="58" presetID="1" presetClass="entr" presetSubtype="0" fill="hold" grpId="0" nodeType="afterEffect">
+                                <p:cTn id="66" presetID="1" presetClass="entr" presetSubtype="0" fill="hold" grpId="0" nodeType="afterEffect">
                                   <p:stCondLst>
                                     <p:cond delay="500"/>
                                   </p:stCondLst>
                                   <p:childTnLst>
                                     <p:set>
                                       <p:cBhvr>
-                                        <p:cTn id="59" dur="1" fill="hold">
+                                        <p:cTn id="67" dur="1" fill="hold">
                                           <p:stCondLst>
                                             <p:cond delay="0"/>
                                           </p:stCondLst>
@@ -16578,20 +19320,20 @@
                           </p:cTn>
                         </p:par>
                         <p:par>
-                          <p:cTn id="60" fill="hold">
+                          <p:cTn id="68" fill="hold">
                             <p:stCondLst>
                               <p:cond delay="2000"/>
                             </p:stCondLst>
                             <p:childTnLst>
                               <p:par>
-                                <p:cTn id="61" presetID="1" presetClass="entr" presetSubtype="0" fill="hold" grpId="0" nodeType="afterEffect">
+                                <p:cTn id="69" presetID="1" presetClass="entr" presetSubtype="0" fill="hold" grpId="0" nodeType="afterEffect">
                                   <p:stCondLst>
                                     <p:cond delay="500"/>
                                   </p:stCondLst>
                                   <p:childTnLst>
                                     <p:set>
                                       <p:cBhvr>
-                                        <p:cTn id="62" dur="1" fill="hold">
+                                        <p:cTn id="70" dur="1" fill="hold">
                                           <p:stCondLst>
                                             <p:cond delay="0"/>
                                           </p:stCondLst>
@@ -16614,20 +19356,20 @@
                           </p:cTn>
                         </p:par>
                         <p:par>
-                          <p:cTn id="63" fill="hold">
+                          <p:cTn id="71" fill="hold">
                             <p:stCondLst>
                               <p:cond delay="2500"/>
                             </p:stCondLst>
                             <p:childTnLst>
                               <p:par>
-                                <p:cTn id="64" presetID="1" presetClass="entr" presetSubtype="0" fill="hold" nodeType="afterEffect">
+                                <p:cTn id="72" presetID="1" presetClass="entr" presetSubtype="0" fill="hold" nodeType="afterEffect">
                                   <p:stCondLst>
                                     <p:cond delay="500"/>
                                   </p:stCondLst>
                                   <p:childTnLst>
                                     <p:set>
                                       <p:cBhvr>
-                                        <p:cTn id="65" dur="1" fill="hold">
+                                        <p:cTn id="73" dur="1" fill="hold">
                                           <p:stCondLst>
                                             <p:cond delay="0"/>
                                           </p:stCondLst>
@@ -16650,20 +19392,20 @@
                           </p:cTn>
                         </p:par>
                         <p:par>
-                          <p:cTn id="66" fill="hold">
+                          <p:cTn id="74" fill="hold">
                             <p:stCondLst>
                               <p:cond delay="3000"/>
                             </p:stCondLst>
                             <p:childTnLst>
                               <p:par>
-                                <p:cTn id="67" presetID="1" presetClass="entr" presetSubtype="0" fill="hold" nodeType="afterEffect">
+                                <p:cTn id="75" presetID="1" presetClass="entr" presetSubtype="0" fill="hold" nodeType="afterEffect">
                                   <p:stCondLst>
                                     <p:cond delay="500"/>
                                   </p:stCondLst>
                                   <p:childTnLst>
                                     <p:set>
                                       <p:cBhvr>
-                                        <p:cTn id="68" dur="1" fill="hold">
+                                        <p:cTn id="76" dur="1" fill="hold">
                                           <p:stCondLst>
                                             <p:cond delay="0"/>
                                           </p:stCondLst>
@@ -16686,20 +19428,20 @@
                           </p:cTn>
                         </p:par>
                         <p:par>
-                          <p:cTn id="69" fill="hold">
+                          <p:cTn id="77" fill="hold">
                             <p:stCondLst>
                               <p:cond delay="3500"/>
                             </p:stCondLst>
                             <p:childTnLst>
                               <p:par>
-                                <p:cTn id="70" presetID="1" presetClass="entr" presetSubtype="0" fill="hold" grpId="0" nodeType="afterEffect">
+                                <p:cTn id="78" presetID="1" presetClass="entr" presetSubtype="0" fill="hold" grpId="0" nodeType="afterEffect">
                                   <p:stCondLst>
                                     <p:cond delay="500"/>
                                   </p:stCondLst>
                                   <p:childTnLst>
                                     <p:set>
                                       <p:cBhvr>
-                                        <p:cTn id="71" dur="1" fill="hold">
+                                        <p:cTn id="79" dur="1" fill="hold">
                                           <p:stCondLst>
                                             <p:cond delay="0"/>
                                           </p:stCondLst>
@@ -16722,20 +19464,20 @@
                           </p:cTn>
                         </p:par>
                         <p:par>
-                          <p:cTn id="72" fill="hold">
+                          <p:cTn id="80" fill="hold">
                             <p:stCondLst>
                               <p:cond delay="4000"/>
                             </p:stCondLst>
                             <p:childTnLst>
                               <p:par>
-                                <p:cTn id="73" presetID="1" presetClass="entr" presetSubtype="0" fill="hold" nodeType="afterEffect">
+                                <p:cTn id="81" presetID="1" presetClass="entr" presetSubtype="0" fill="hold" nodeType="afterEffect">
                                   <p:stCondLst>
                                     <p:cond delay="500"/>
                                   </p:stCondLst>
                                   <p:childTnLst>
                                     <p:set>
                                       <p:cBhvr>
-                                        <p:cTn id="74" dur="1" fill="hold">
+                                        <p:cTn id="82" dur="1" fill="hold">
                                           <p:stCondLst>
                                             <p:cond delay="0"/>
                                           </p:stCondLst>
@@ -16751,6 +19493,91 @@
                                         <p:strVal val="visible"/>
                                       </p:to>
                                     </p:set>
+                                  </p:childTnLst>
+                                </p:cTn>
+                              </p:par>
+                            </p:childTnLst>
+                          </p:cTn>
+                        </p:par>
+                      </p:childTnLst>
+                    </p:cTn>
+                  </p:par>
+                  <p:par>
+                    <p:cTn id="83" fill="hold">
+                      <p:stCondLst>
+                        <p:cond delay="indefinite"/>
+                      </p:stCondLst>
+                      <p:childTnLst>
+                        <p:par>
+                          <p:cTn id="84" fill="hold">
+                            <p:stCondLst>
+                              <p:cond delay="0"/>
+                            </p:stCondLst>
+                            <p:childTnLst>
+                              <p:par>
+                                <p:cTn id="85" presetID="1" presetClass="entr" presetSubtype="0" fill="hold" grpId="1" nodeType="clickEffect">
+                                  <p:stCondLst>
+                                    <p:cond delay="0"/>
+                                  </p:stCondLst>
+                                  <p:childTnLst>
+                                    <p:set>
+                                      <p:cBhvr>
+                                        <p:cTn id="86" dur="1" fill="hold">
+                                          <p:stCondLst>
+                                            <p:cond delay="0"/>
+                                          </p:stCondLst>
+                                        </p:cTn>
+                                        <p:tgtEl>
+                                          <p:spTgt spid="56"/>
+                                        </p:tgtEl>
+                                        <p:attrNameLst>
+                                          <p:attrName>style.visibility</p:attrName>
+                                        </p:attrNameLst>
+                                      </p:cBhvr>
+                                      <p:to>
+                                        <p:strVal val="visible"/>
+                                      </p:to>
+                                    </p:set>
+                                  </p:childTnLst>
+                                </p:cTn>
+                              </p:par>
+                            </p:childTnLst>
+                          </p:cTn>
+                        </p:par>
+                      </p:childTnLst>
+                    </p:cTn>
+                  </p:par>
+                  <p:par>
+                    <p:cTn id="87" fill="hold">
+                      <p:stCondLst>
+                        <p:cond delay="indefinite"/>
+                      </p:stCondLst>
+                      <p:childTnLst>
+                        <p:par>
+                          <p:cTn id="88" fill="hold">
+                            <p:stCondLst>
+                              <p:cond delay="0"/>
+                            </p:stCondLst>
+                            <p:childTnLst>
+                              <p:par>
+                                <p:cTn id="89" presetID="29" presetClass="path" presetSubtype="0" accel="50000" decel="50000" fill="hold" grpId="0" nodeType="clickEffect">
+                                  <p:stCondLst>
+                                    <p:cond delay="0"/>
+                                  </p:stCondLst>
+                                  <p:childTnLst>
+                                    <p:animMotion origin="layout" path="M -1.25E-6 1.85185E-6 C 0.0082 -0.01875 0.01641 -0.03982 0.02448 -0.06621 C 0.04649 -0.14167 0.05248 -0.21528 0.03607 -0.22639 C 0.01979 -0.24005 -0.01185 -0.18704 -0.03385 -0.11111 C -0.0457 -0.0713 -0.0526 -0.03426 -0.05495 -0.00533 C -0.05833 0.01713 -0.05963 0.03958 -0.05963 0.06597 C -0.05963 0.15139 -0.0444 0.22106 -0.02682 0.22106 C -0.00937 0.22106 0.00573 0.15139 0.00573 0.06597 C 0.00573 0.02616 0.00221 -0.01134 -0.00364 -0.03773 C -0.00586 -0.06019 -0.01185 -0.08472 -0.01875 -0.10949 C -0.04193 -0.18704 -0.07357 -0.24005 -0.08984 -0.22639 C -0.10625 -0.21296 -0.10026 -0.14167 -0.07721 -0.06389 C -0.06758 -0.02847 -0.05495 0.00208 -0.04193 0.02245 C -0.03268 0.04166 -0.02226 0.05856 -0.0082 0.07546 C 0.03386 0.13009 0.07578 0.1544 0.0875 0.13171 C 0.09792 0.10926 0.07461 0.04722 0.03255 -0.00533 C 0.01524 -0.02847 -0.00364 -0.04537 -0.01875 -0.05671 C -0.03268 -0.06806 -0.05013 -0.07732 -0.06901 -0.0831 C -0.12031 -0.10185 -0.16471 -0.09584 -0.16797 -0.06621 C -0.17292 -0.03773 -0.13411 1.85185E-6 -0.08294 0.01852 C -0.05963 0.02616 -0.0375 0.03009 -0.02005 0.02824 C -0.00469 0.02824 0.01159 0.02454 0.02917 0.01852 C 0.08034 1.85185E-6 0.11901 -0.03982 0.11419 -0.06806 C 0.11094 -0.09584 0.06654 -0.10394 0.01524 -0.08472 C -0.00937 -0.0757 -0.03151 -0.0625 -0.04661 -0.04699 C -0.05963 -0.03588 -0.07239 -0.02246 -0.08633 -0.00533 C -0.12734 0.04884 -0.15156 0.10926 -0.1401 0.13171 C -0.12956 0.1544 -0.08633 0.13009 -0.0457 0.07708 C -0.02565 0.05092 -0.00937 0.02454 -1.25E-6 1.85185E-6 Z " pathEditMode="relative" rAng="0" ptsTypes="AAAAAAAAAAAAAAAAAAAAAAAAAAAAA">
+                                      <p:cBhvr>
+                                        <p:cTn id="90" dur="2000" fill="hold"/>
+                                        <p:tgtEl>
+                                          <p:spTgt spid="56"/>
+                                        </p:tgtEl>
+                                        <p:attrNameLst>
+                                          <p:attrName>ppt_x</p:attrName>
+                                          <p:attrName>ppt_y</p:attrName>
+                                        </p:attrNameLst>
+                                      </p:cBhvr>
+                                      <p:rCtr x="-2695" y="-394"/>
+                                    </p:animMotion>
                                   </p:childTnLst>
                                 </p:cTn>
                               </p:par>
@@ -16783,13 +19610,14 @@
     </p:tnLst>
     <p:bldLst>
       <p:bldP spid="31" grpId="0" animBg="1"/>
+      <p:bldP spid="31" grpId="1" animBg="1"/>
       <p:bldP spid="33" grpId="0" animBg="1"/>
       <p:bldP spid="34" grpId="0" animBg="1"/>
       <p:bldP spid="36" grpId="0" animBg="1"/>
+      <p:bldP spid="38" grpId="0" animBg="1"/>
+      <p:bldP spid="38" grpId="1" animBg="1"/>
       <p:bldP spid="37" grpId="0" animBg="1"/>
       <p:bldP spid="37" grpId="1" animBg="1"/>
-      <p:bldP spid="38" grpId="0" animBg="1"/>
-      <p:bldP spid="38" grpId="1" animBg="1"/>
       <p:bldP spid="39" grpId="0" build="p"/>
       <p:bldP spid="60" grpId="0"/>
       <p:bldP spid="61" grpId="0" animBg="1"/>
@@ -16799,6 +19627,8 @@
       <p:bldP spid="79" grpId="0" animBg="1"/>
       <p:bldP spid="82" grpId="0" animBg="1"/>
       <p:bldP spid="84" grpId="0"/>
+      <p:bldP spid="56" grpId="0" animBg="1"/>
+      <p:bldP spid="56" grpId="1" animBg="1"/>
     </p:bldLst>
   </p:timing>
 </p:sld>
@@ -17568,30 +20398,6 @@
           <a:chExt cx="0" cy="0"/>
         </a:xfrm>
       </p:grpSpPr>
-      <p:pic>
-        <p:nvPicPr>
-          <p:cNvPr id="13" name="Picture 12"/>
-          <p:cNvPicPr>
-            <a:picLocks noChangeAspect="1"/>
-          </p:cNvPicPr>
-          <p:nvPr/>
-        </p:nvPicPr>
-        <p:blipFill>
-          <a:blip r:embed="rId2"/>
-          <a:stretch>
-            <a:fillRect/>
-          </a:stretch>
-        </p:blipFill>
-        <p:spPr>
-          <a:xfrm>
-            <a:off x="8468284" y="897973"/>
-            <a:ext cx="3595895" cy="2031122"/>
-          </a:xfrm>
-          <a:prstGeom prst="rect">
-            <a:avLst/>
-          </a:prstGeom>
-        </p:spPr>
-      </p:pic>
       <p:sp>
         <p:nvSpPr>
           <p:cNvPr id="2" name="Title 1"/>
@@ -17609,7 +20415,6 @@
           </a:bodyPr>
           <a:lstStyle/>
           <a:p>
-            <a:pPr algn="r"/>
             <a:r>
               <a:rPr lang="en-US" dirty="0"/>
               <a:t>Transactions in more detail</a:t>
@@ -17629,13 +20434,13 @@
         </p:nvSpPr>
         <p:spPr>
           <a:xfrm>
-            <a:off x="6251274" y="2530663"/>
-            <a:ext cx="5812905" cy="4190812"/>
+            <a:off x="6595347" y="2732869"/>
+            <a:ext cx="5255688" cy="3471996"/>
           </a:xfrm>
         </p:spPr>
         <p:txBody>
           <a:bodyPr>
-            <a:normAutofit fontScale="77500" lnSpcReduction="20000"/>
+            <a:normAutofit/>
           </a:bodyPr>
           <a:lstStyle/>
           <a:p>
@@ -17666,13 +20471,6 @@
             </a:r>
           </a:p>
           <a:p>
-            <a:pPr lvl="2"/>
-            <a:r>
-              <a:rPr lang="en-US" dirty="0"/>
-              <a:t>that belongs to the redeemer of the output transaction. </a:t>
-            </a:r>
-          </a:p>
-          <a:p>
             <a:r>
               <a:rPr lang="en-US" dirty="0"/>
               <a:t>Output contains</a:t>
@@ -17685,9 +20483,10 @@
               <a:t>Amount: </a:t>
             </a:r>
             <a:r>
-              <a:rPr lang="en-US" sz="1600" dirty="0"/>
+              <a:rPr lang="en-US" sz="1400" dirty="0"/>
               <a:t>being sent to the recipient.</a:t>
             </a:r>
+            <a:endParaRPr lang="en-US" sz="1600" dirty="0"/>
           </a:p>
           <a:p>
             <a:pPr lvl="1"/>
@@ -17700,35 +20499,13 @@
             <a:pPr lvl="1"/>
             <a:r>
               <a:rPr lang="en-US" dirty="0"/>
-              <a:t>Change</a:t>
-            </a:r>
-          </a:p>
-          <a:p>
-            <a:pPr lvl="2"/>
-            <a:r>
-              <a:rPr lang="en-US" dirty="0"/>
+              <a:t>Change: </a:t>
+            </a:r>
+            <a:r>
+              <a:rPr lang="en-US" sz="1600" dirty="0"/>
               <a:t>being sent back to the original sender</a:t>
             </a:r>
-          </a:p>
-          <a:p>
-            <a:r>
-              <a:rPr lang="en-US" dirty="0"/>
-              <a:t>Block chain </a:t>
-            </a:r>
-          </a:p>
-          <a:p>
-            <a:pPr lvl="1"/>
-            <a:r>
-              <a:rPr lang="en-US" dirty="0"/>
-              <a:t>prevents the double spend attack </a:t>
-            </a:r>
-          </a:p>
-          <a:p>
-            <a:pPr lvl="2"/>
-            <a:r>
-              <a:rPr lang="en-US" dirty="0"/>
-              <a:t>by giving other nodes the power to verify that transaction inputs were not already spent somewhere else.</a:t>
-            </a:r>
+            <a:endParaRPr lang="en-US" sz="2000" dirty="0"/>
           </a:p>
         </p:txBody>
       </p:sp>
@@ -17755,333 +20532,168 @@
           </a:p>
         </p:txBody>
       </p:sp>
-      <p:grpSp>
-        <p:nvGrpSpPr>
-          <p:cNvPr id="8" name="Group 7"/>
-          <p:cNvGrpSpPr/>
-          <p:nvPr/>
-        </p:nvGrpSpPr>
-        <p:grpSpPr>
-          <a:xfrm>
-            <a:off x="357760" y="2369389"/>
-            <a:ext cx="5674983" cy="4453543"/>
-            <a:chOff x="12700" y="1998663"/>
-            <a:chExt cx="5016500" cy="3984625"/>
-          </a:xfrm>
-        </p:grpSpPr>
-        <p:pic>
-          <p:nvPicPr>
-            <p:cNvPr id="5" name="Picture 5"/>
-            <p:cNvPicPr>
-              <a:picLocks noChangeAspect="1"/>
-            </p:cNvPicPr>
-            <p:nvPr/>
-          </p:nvPicPr>
-          <p:blipFill>
-            <a:blip r:embed="rId3">
-              <a:extLst>
-                <a:ext uri="{28A0092B-C50C-407E-A947-70E740481C1C}">
-                  <a14:useLocalDpi xmlns:a14="http://schemas.microsoft.com/office/drawing/2010/main" val="0"/>
-                </a:ext>
-              </a:extLst>
-            </a:blip>
-            <a:srcRect/>
-            <a:stretch>
-              <a:fillRect/>
-            </a:stretch>
-          </p:blipFill>
-          <p:spPr bwMode="auto">
-            <a:xfrm>
-              <a:off x="12700" y="2027238"/>
-              <a:ext cx="3159125" cy="3916362"/>
-            </a:xfrm>
-            <a:prstGeom prst="rect">
-              <a:avLst/>
-            </a:prstGeom>
-            <a:noFill/>
-            <a:ln>
-              <a:noFill/>
-            </a:ln>
-            <a:extLst>
-              <a:ext uri="{909E8E84-426E-40DD-AFC4-6F175D3DCCD1}">
-                <a14:hiddenFill xmlns:a14="http://schemas.microsoft.com/office/drawing/2010/main">
-                  <a:solidFill>
-                    <a:srgbClr val="FFFFFF"/>
-                  </a:solidFill>
-                </a14:hiddenFill>
-              </a:ext>
-              <a:ext uri="{91240B29-F687-4F45-9708-019B960494DF}">
-                <a14:hiddenLine xmlns:a14="http://schemas.microsoft.com/office/drawing/2010/main" w="9525">
-                  <a:solidFill>
-                    <a:srgbClr val="000000"/>
-                  </a:solidFill>
-                  <a:miter lim="800000"/>
-                  <a:headEnd/>
-                  <a:tailEnd/>
-                </a14:hiddenLine>
-              </a:ext>
-            </a:extLst>
-          </p:spPr>
-        </p:pic>
-        <p:pic>
-          <p:nvPicPr>
-            <p:cNvPr id="6" name="Picture 5"/>
-            <p:cNvPicPr>
-              <a:picLocks noChangeAspect="1"/>
-            </p:cNvPicPr>
-            <p:nvPr/>
-          </p:nvPicPr>
-          <p:blipFill>
-            <a:blip r:embed="rId4">
-              <a:extLst>
-                <a:ext uri="{28A0092B-C50C-407E-A947-70E740481C1C}">
-                  <a14:useLocalDpi xmlns:a14="http://schemas.microsoft.com/office/drawing/2010/main" val="0"/>
-                </a:ext>
-              </a:extLst>
-            </a:blip>
-            <a:srcRect/>
-            <a:stretch>
-              <a:fillRect/>
-            </a:stretch>
-          </p:blipFill>
-          <p:spPr bwMode="auto">
-            <a:xfrm>
-              <a:off x="3171825" y="1998663"/>
-              <a:ext cx="1784350" cy="3944937"/>
-            </a:xfrm>
-            <a:prstGeom prst="rect">
-              <a:avLst/>
-            </a:prstGeom>
-            <a:noFill/>
-            <a:ln>
-              <a:noFill/>
-            </a:ln>
-            <a:extLst>
-              <a:ext uri="{909E8E84-426E-40DD-AFC4-6F175D3DCCD1}">
-                <a14:hiddenFill xmlns:a14="http://schemas.microsoft.com/office/drawing/2010/main">
-                  <a:solidFill>
-                    <a:srgbClr val="FFFFFF"/>
-                  </a:solidFill>
-                </a14:hiddenFill>
-              </a:ext>
-              <a:ext uri="{91240B29-F687-4F45-9708-019B960494DF}">
-                <a14:hiddenLine xmlns:a14="http://schemas.microsoft.com/office/drawing/2010/main" w="9525">
-                  <a:solidFill>
-                    <a:srgbClr val="000000"/>
-                  </a:solidFill>
-                  <a:miter lim="800000"/>
-                  <a:headEnd/>
-                  <a:tailEnd/>
-                </a14:hiddenLine>
-              </a:ext>
-            </a:extLst>
-          </p:spPr>
-        </p:pic>
-        <p:pic>
-          <p:nvPicPr>
-            <p:cNvPr id="7" name="Picture 6"/>
-            <p:cNvPicPr>
-              <a:picLocks noChangeAspect="1"/>
-            </p:cNvPicPr>
-            <p:nvPr/>
-          </p:nvPicPr>
-          <p:blipFill>
-            <a:blip r:embed="rId5">
-              <a:extLst>
-                <a:ext uri="{28A0092B-C50C-407E-A947-70E740481C1C}">
-                  <a14:useLocalDpi xmlns:a14="http://schemas.microsoft.com/office/drawing/2010/main" val="0"/>
-                </a:ext>
-              </a:extLst>
-            </a:blip>
-            <a:srcRect/>
-            <a:stretch>
-              <a:fillRect/>
-            </a:stretch>
-          </p:blipFill>
-          <p:spPr bwMode="auto">
-            <a:xfrm>
-              <a:off x="2865438" y="2016125"/>
-              <a:ext cx="2163762" cy="3967163"/>
-            </a:xfrm>
-            <a:prstGeom prst="rect">
-              <a:avLst/>
-            </a:prstGeom>
-            <a:noFill/>
-            <a:ln>
-              <a:noFill/>
-            </a:ln>
-            <a:extLst>
-              <a:ext uri="{909E8E84-426E-40DD-AFC4-6F175D3DCCD1}">
-                <a14:hiddenFill xmlns:a14="http://schemas.microsoft.com/office/drawing/2010/main">
-                  <a:solidFill>
-                    <a:srgbClr val="FFFFFF"/>
-                  </a:solidFill>
-                </a14:hiddenFill>
-              </a:ext>
-              <a:ext uri="{91240B29-F687-4F45-9708-019B960494DF}">
-                <a14:hiddenLine xmlns:a14="http://schemas.microsoft.com/office/drawing/2010/main" w="9525">
-                  <a:solidFill>
-                    <a:srgbClr val="000000"/>
-                  </a:solidFill>
-                  <a:miter lim="800000"/>
-                  <a:headEnd/>
-                  <a:tailEnd/>
-                </a14:hiddenLine>
-              </a:ext>
-            </a:extLst>
-          </p:spPr>
-        </p:pic>
-      </p:grpSp>
       <p:pic>
         <p:nvPicPr>
-          <p:cNvPr id="9" name="Picture 8"/>
+          <p:cNvPr id="5" name="Picture 5"/>
           <p:cNvPicPr>
             <a:picLocks noChangeAspect="1"/>
           </p:cNvPicPr>
           <p:nvPr/>
         </p:nvPicPr>
         <p:blipFill>
-          <a:blip r:embed="rId6"/>
+          <a:blip r:embed="rId3">
+            <a:extLst>
+              <a:ext uri="{28A0092B-C50C-407E-A947-70E740481C1C}">
+                <a14:useLocalDpi xmlns:a14="http://schemas.microsoft.com/office/drawing/2010/main" val="0"/>
+              </a:ext>
+            </a:extLst>
+          </a:blip>
+          <a:srcRect/>
           <a:stretch>
             <a:fillRect/>
           </a:stretch>
         </p:blipFill>
-        <p:spPr>
+        <p:spPr bwMode="auto">
           <a:xfrm>
-            <a:off x="117946" y="160775"/>
-            <a:ext cx="5951605" cy="1153605"/>
+            <a:off x="205552" y="2016761"/>
+            <a:ext cx="3573802" cy="4377247"/>
           </a:xfrm>
           <a:prstGeom prst="rect">
             <a:avLst/>
           </a:prstGeom>
+          <a:noFill/>
+          <a:ln>
+            <a:noFill/>
+          </a:ln>
+          <a:extLst>
+            <a:ext uri="{909E8E84-426E-40DD-AFC4-6F175D3DCCD1}">
+              <a14:hiddenFill xmlns:a14="http://schemas.microsoft.com/office/drawing/2010/main">
+                <a:solidFill>
+                  <a:srgbClr val="FFFFFF"/>
+                </a:solidFill>
+              </a14:hiddenFill>
+            </a:ext>
+            <a:ext uri="{91240B29-F687-4F45-9708-019B960494DF}">
+              <a14:hiddenLine xmlns:a14="http://schemas.microsoft.com/office/drawing/2010/main" w="9525">
+                <a:solidFill>
+                  <a:srgbClr val="000000"/>
+                </a:solidFill>
+                <a:miter lim="800000"/>
+                <a:headEnd/>
+                <a:tailEnd/>
+              </a14:hiddenLine>
+            </a:ext>
+          </a:extLst>
         </p:spPr>
       </p:pic>
-      <p:sp>
-        <p:nvSpPr>
-          <p:cNvPr id="10" name="Rectangle 9"/>
-          <p:cNvSpPr/>
+      <p:pic>
+        <p:nvPicPr>
+          <p:cNvPr id="6" name="Picture 5"/>
+          <p:cNvPicPr>
+            <a:picLocks noChangeAspect="1"/>
+          </p:cNvPicPr>
           <p:nvPr/>
-        </p:nvSpPr>
-        <p:spPr>
+        </p:nvPicPr>
+        <p:blipFill>
+          <a:blip r:embed="rId4">
+            <a:extLst>
+              <a:ext uri="{28A0092B-C50C-407E-A947-70E740481C1C}">
+                <a14:useLocalDpi xmlns:a14="http://schemas.microsoft.com/office/drawing/2010/main" val="0"/>
+              </a:ext>
+            </a:extLst>
+          </a:blip>
+          <a:srcRect/>
+          <a:stretch>
+            <a:fillRect/>
+          </a:stretch>
+        </p:blipFill>
+        <p:spPr bwMode="auto">
           <a:xfrm>
-            <a:off x="1567022" y="880155"/>
-            <a:ext cx="896207" cy="307777"/>
+            <a:off x="3779354" y="1984823"/>
+            <a:ext cx="2018570" cy="4409185"/>
           </a:xfrm>
           <a:prstGeom prst="rect">
             <a:avLst/>
           </a:prstGeom>
+          <a:noFill/>
+          <a:ln>
+            <a:noFill/>
+          </a:ln>
+          <a:extLst>
+            <a:ext uri="{909E8E84-426E-40DD-AFC4-6F175D3DCCD1}">
+              <a14:hiddenFill xmlns:a14="http://schemas.microsoft.com/office/drawing/2010/main">
+                <a:solidFill>
+                  <a:srgbClr val="FFFFFF"/>
+                </a:solidFill>
+              </a14:hiddenFill>
+            </a:ext>
+            <a:ext uri="{91240B29-F687-4F45-9708-019B960494DF}">
+              <a14:hiddenLine xmlns:a14="http://schemas.microsoft.com/office/drawing/2010/main" w="9525">
+                <a:solidFill>
+                  <a:srgbClr val="000000"/>
+                </a:solidFill>
+                <a:miter lim="800000"/>
+                <a:headEnd/>
+                <a:tailEnd/>
+              </a14:hiddenLine>
+            </a:ext>
+          </a:extLst>
         </p:spPr>
-        <p:txBody>
-          <a:bodyPr wrap="none">
-            <a:spAutoFit/>
-          </a:bodyPr>
-          <a:lstStyle/>
-          <a:p>
-            <a:r>
-              <a:rPr lang="en-US" sz="1400" dirty="0">
-                <a:solidFill>
-                  <a:srgbClr val="FF0000"/>
-                </a:solidFill>
-                <a:latin typeface="Arial Black" panose="020B0A04020102020204" pitchFamily="34" charset="0"/>
-              </a:rPr>
-              <a:t>Create</a:t>
-            </a:r>
-            <a:r>
-              <a:rPr lang="en-US" sz="1100" dirty="0">
-                <a:solidFill>
-                  <a:srgbClr val="FF0000"/>
-                </a:solidFill>
-                <a:latin typeface="Arial Black" panose="020B0A04020102020204" pitchFamily="34" charset="0"/>
-              </a:rPr>
-              <a:t> </a:t>
-            </a:r>
-          </a:p>
-        </p:txBody>
-      </p:sp>
-      <p:sp>
-        <p:nvSpPr>
-          <p:cNvPr id="11" name="Rectangle 10"/>
-          <p:cNvSpPr/>
+      </p:pic>
+      <p:pic>
+        <p:nvPicPr>
+          <p:cNvPr id="7" name="Picture 6"/>
+          <p:cNvPicPr>
+            <a:picLocks noChangeAspect="1"/>
+          </p:cNvPicPr>
           <p:nvPr/>
-        </p:nvSpPr>
-        <p:spPr>
+        </p:nvPicPr>
+        <p:blipFill>
+          <a:blip r:embed="rId5">
+            <a:extLst>
+              <a:ext uri="{28A0092B-C50C-407E-A947-70E740481C1C}">
+                <a14:useLocalDpi xmlns:a14="http://schemas.microsoft.com/office/drawing/2010/main" val="0"/>
+              </a:ext>
+            </a:extLst>
+          </a:blip>
+          <a:srcRect/>
+          <a:stretch>
+            <a:fillRect/>
+          </a:stretch>
+        </p:blipFill>
+        <p:spPr bwMode="auto">
           <a:xfrm>
-            <a:off x="3847852" y="897973"/>
-            <a:ext cx="805542" cy="307777"/>
+            <a:off x="3870948" y="1988371"/>
+            <a:ext cx="2447785" cy="4434025"/>
           </a:xfrm>
           <a:prstGeom prst="rect">
             <a:avLst/>
           </a:prstGeom>
+          <a:noFill/>
+          <a:ln>
+            <a:noFill/>
+          </a:ln>
+          <a:extLst>
+            <a:ext uri="{909E8E84-426E-40DD-AFC4-6F175D3DCCD1}">
+              <a14:hiddenFill xmlns:a14="http://schemas.microsoft.com/office/drawing/2010/main">
+                <a:solidFill>
+                  <a:srgbClr val="FFFFFF"/>
+                </a:solidFill>
+              </a14:hiddenFill>
+            </a:ext>
+            <a:ext uri="{91240B29-F687-4F45-9708-019B960494DF}">
+              <a14:hiddenLine xmlns:a14="http://schemas.microsoft.com/office/drawing/2010/main" w="9525">
+                <a:solidFill>
+                  <a:srgbClr val="000000"/>
+                </a:solidFill>
+                <a:miter lim="800000"/>
+                <a:headEnd/>
+                <a:tailEnd/>
+              </a14:hiddenLine>
+            </a:ext>
+          </a:extLst>
         </p:spPr>
-        <p:txBody>
-          <a:bodyPr wrap="none">
-            <a:spAutoFit/>
-          </a:bodyPr>
-          <a:lstStyle/>
-          <a:p>
-            <a:r>
-              <a:rPr lang="en-US" sz="1400" dirty="0">
-                <a:solidFill>
-                  <a:srgbClr val="FF0000"/>
-                </a:solidFill>
-                <a:latin typeface="Arial Black" panose="020B0A04020102020204" pitchFamily="34" charset="0"/>
-              </a:rPr>
-              <a:t>Verify</a:t>
-            </a:r>
-            <a:r>
-              <a:rPr lang="en-US" sz="1100" dirty="0">
-                <a:solidFill>
-                  <a:srgbClr val="FF0000"/>
-                </a:solidFill>
-                <a:latin typeface="Arial Black" panose="020B0A04020102020204" pitchFamily="34" charset="0"/>
-              </a:rPr>
-              <a:t> </a:t>
-            </a:r>
-          </a:p>
-        </p:txBody>
-      </p:sp>
-      <p:sp>
-        <p:nvSpPr>
-          <p:cNvPr id="12" name="Rectangle 11"/>
-          <p:cNvSpPr/>
-          <p:nvPr/>
-        </p:nvSpPr>
-        <p:spPr>
-          <a:xfrm>
-            <a:off x="357760" y="1258842"/>
-            <a:ext cx="5347990" cy="830997"/>
-          </a:xfrm>
-          <a:prstGeom prst="rect">
-            <a:avLst/>
-          </a:prstGeom>
-        </p:spPr>
-        <p:txBody>
-          <a:bodyPr wrap="square">
-            <a:spAutoFit/>
-          </a:bodyPr>
-          <a:lstStyle/>
-          <a:p>
-            <a:pPr marL="342900" indent="-342900">
-              <a:buFont typeface="Arial" panose="020B0604020202020204" pitchFamily="34" charset="0"/>
-              <a:buChar char="•"/>
-            </a:pPr>
-            <a:r>
-              <a:rPr lang="en-US" sz="2400" dirty="0"/>
-              <a:t>Signature = f(message, private key)</a:t>
-            </a:r>
-          </a:p>
-          <a:p>
-            <a:pPr marL="342900" indent="-342900">
-              <a:buFont typeface="Arial" panose="020B0604020202020204" pitchFamily="34" charset="0"/>
-              <a:buChar char="•"/>
-            </a:pPr>
-            <a:r>
-              <a:rPr lang="en-US" sz="2400" dirty="0"/>
-              <a:t>1=? V(message, public key, signature)</a:t>
-            </a:r>
-          </a:p>
-        </p:txBody>
-      </p:sp>
+      </p:pic>
       <p:sp>
         <p:nvSpPr>
           <p:cNvPr id="14" name="Rectangle 13">
@@ -18111,11 +20723,178 @@
           <a:p>
             <a:r>
               <a:rPr lang="en-US" dirty="0">
-                <a:hlinkClick r:id="rId7" action="ppaction://hlinksldjump"/>
+                <a:hlinkClick r:id="rId6" action="ppaction://hlinksldjump"/>
               </a:rPr>
               <a:t>Index</a:t>
             </a:r>
             <a:endParaRPr lang="en-US" dirty="0"/>
+          </a:p>
+        </p:txBody>
+      </p:sp>
+      <p:grpSp>
+        <p:nvGrpSpPr>
+          <p:cNvPr id="15" name="Group 14">
+            <a:extLst/>
+          </p:cNvPr>
+          <p:cNvGrpSpPr/>
+          <p:nvPr/>
+        </p:nvGrpSpPr>
+        <p:grpSpPr>
+          <a:xfrm>
+            <a:off x="6674526" y="246414"/>
+            <a:ext cx="4934712" cy="1302913"/>
+            <a:chOff x="6501465" y="1517280"/>
+            <a:chExt cx="4934712" cy="1302913"/>
+          </a:xfrm>
+        </p:grpSpPr>
+        <p:pic>
+          <p:nvPicPr>
+            <p:cNvPr id="16" name="Picture 15">
+              <a:extLst/>
+            </p:cNvPr>
+            <p:cNvPicPr>
+              <a:picLocks noChangeAspect="1"/>
+            </p:cNvPicPr>
+            <p:nvPr/>
+          </p:nvPicPr>
+          <p:blipFill>
+            <a:blip r:embed="rId7"/>
+            <a:stretch>
+              <a:fillRect/>
+            </a:stretch>
+          </p:blipFill>
+          <p:spPr>
+            <a:xfrm>
+              <a:off x="6501465" y="1517280"/>
+              <a:ext cx="4934712" cy="1302913"/>
+            </a:xfrm>
+            <a:prstGeom prst="rect">
+              <a:avLst/>
+            </a:prstGeom>
+          </p:spPr>
+        </p:pic>
+        <p:sp>
+          <p:nvSpPr>
+            <p:cNvPr id="17" name="Rectangle 16">
+              <a:extLst/>
+            </p:cNvPr>
+            <p:cNvSpPr/>
+            <p:nvPr/>
+          </p:nvSpPr>
+          <p:spPr>
+            <a:xfrm>
+              <a:off x="7397704" y="2269706"/>
+              <a:ext cx="1082091" cy="369332"/>
+            </a:xfrm>
+            <a:prstGeom prst="rect">
+              <a:avLst/>
+            </a:prstGeom>
+          </p:spPr>
+          <p:txBody>
+            <a:bodyPr wrap="none">
+              <a:spAutoFit/>
+            </a:bodyPr>
+            <a:lstStyle/>
+            <a:p>
+              <a:r>
+                <a:rPr lang="en-US" dirty="0">
+                  <a:solidFill>
+                    <a:srgbClr val="FF0000"/>
+                  </a:solidFill>
+                  <a:latin typeface="Arial Black" panose="020B0A04020102020204" pitchFamily="34" charset="0"/>
+                </a:rPr>
+                <a:t>Create</a:t>
+              </a:r>
+              <a:r>
+                <a:rPr lang="en-US" sz="1400" dirty="0">
+                  <a:solidFill>
+                    <a:srgbClr val="FF0000"/>
+                  </a:solidFill>
+                  <a:latin typeface="Arial Black" panose="020B0A04020102020204" pitchFamily="34" charset="0"/>
+                </a:rPr>
+                <a:t> </a:t>
+              </a:r>
+            </a:p>
+          </p:txBody>
+        </p:sp>
+        <p:sp>
+          <p:nvSpPr>
+            <p:cNvPr id="18" name="Rectangle 17">
+              <a:extLst/>
+            </p:cNvPr>
+            <p:cNvSpPr/>
+            <p:nvPr/>
+          </p:nvSpPr>
+          <p:spPr>
+            <a:xfrm>
+              <a:off x="9445375" y="2264423"/>
+              <a:ext cx="976036" cy="369332"/>
+            </a:xfrm>
+            <a:prstGeom prst="rect">
+              <a:avLst/>
+            </a:prstGeom>
+          </p:spPr>
+          <p:txBody>
+            <a:bodyPr wrap="none">
+              <a:spAutoFit/>
+            </a:bodyPr>
+            <a:lstStyle/>
+            <a:p>
+              <a:r>
+                <a:rPr lang="en-US" dirty="0">
+                  <a:solidFill>
+                    <a:srgbClr val="FF0000"/>
+                  </a:solidFill>
+                  <a:latin typeface="Arial Black" panose="020B0A04020102020204" pitchFamily="34" charset="0"/>
+                </a:rPr>
+                <a:t>Verify</a:t>
+              </a:r>
+              <a:r>
+                <a:rPr lang="en-US" sz="1400" dirty="0">
+                  <a:solidFill>
+                    <a:srgbClr val="FF0000"/>
+                  </a:solidFill>
+                  <a:latin typeface="Arial Black" panose="020B0A04020102020204" pitchFamily="34" charset="0"/>
+                </a:rPr>
+                <a:t> </a:t>
+              </a:r>
+            </a:p>
+          </p:txBody>
+        </p:sp>
+      </p:grpSp>
+      <p:sp>
+        <p:nvSpPr>
+          <p:cNvPr id="19" name="Rectangle 18">
+            <a:extLst/>
+          </p:cNvPr>
+          <p:cNvSpPr/>
+          <p:nvPr/>
+        </p:nvSpPr>
+        <p:spPr>
+          <a:xfrm>
+            <a:off x="6639280" y="1549327"/>
+            <a:ext cx="5601575" cy="830997"/>
+          </a:xfrm>
+          <a:prstGeom prst="rect">
+            <a:avLst/>
+          </a:prstGeom>
+        </p:spPr>
+        <p:txBody>
+          <a:bodyPr wrap="square">
+            <a:spAutoFit/>
+          </a:bodyPr>
+          <a:lstStyle/>
+          <a:p>
+            <a:r>
+              <a:rPr lang="en-US" sz="2400" dirty="0"/>
+              <a:t>Signature = create(message, private key)</a:t>
+            </a:r>
+          </a:p>
+          <a:p>
+            <a:r>
+              <a:rPr lang="en-US" sz="2400" dirty="0"/>
+              <a:t>1=? verify(message, public key, signature)</a:t>
+            </a:r>
           </a:p>
         </p:txBody>
       </p:sp>
@@ -18129,6 +20908,549 @@
   <p:clrMapOvr>
     <a:masterClrMapping/>
   </p:clrMapOvr>
+  <p:timing>
+    <p:tnLst>
+      <p:par>
+        <p:cTn id="1" dur="indefinite" restart="never" nodeType="tmRoot">
+          <p:childTnLst>
+            <p:seq concurrent="1" nextAc="seek">
+              <p:cTn id="2" dur="indefinite" nodeType="mainSeq">
+                <p:childTnLst>
+                  <p:par>
+                    <p:cTn id="3" fill="hold">
+                      <p:stCondLst>
+                        <p:cond delay="indefinite"/>
+                      </p:stCondLst>
+                      <p:childTnLst>
+                        <p:par>
+                          <p:cTn id="4" fill="hold">
+                            <p:stCondLst>
+                              <p:cond delay="0"/>
+                            </p:stCondLst>
+                            <p:childTnLst>
+                              <p:par>
+                                <p:cTn id="5" presetID="1" presetClass="entr" presetSubtype="0" fill="hold" nodeType="clickEffect">
+                                  <p:stCondLst>
+                                    <p:cond delay="0"/>
+                                  </p:stCondLst>
+                                  <p:childTnLst>
+                                    <p:set>
+                                      <p:cBhvr>
+                                        <p:cTn id="6" dur="1" fill="hold">
+                                          <p:stCondLst>
+                                            <p:cond delay="0"/>
+                                          </p:stCondLst>
+                                        </p:cTn>
+                                        <p:tgtEl>
+                                          <p:spTgt spid="5"/>
+                                        </p:tgtEl>
+                                        <p:attrNameLst>
+                                          <p:attrName>style.visibility</p:attrName>
+                                        </p:attrNameLst>
+                                      </p:cBhvr>
+                                      <p:to>
+                                        <p:strVal val="visible"/>
+                                      </p:to>
+                                    </p:set>
+                                  </p:childTnLst>
+                                </p:cTn>
+                              </p:par>
+                            </p:childTnLst>
+                          </p:cTn>
+                        </p:par>
+                      </p:childTnLst>
+                    </p:cTn>
+                  </p:par>
+                  <p:par>
+                    <p:cTn id="7" fill="hold">
+                      <p:stCondLst>
+                        <p:cond delay="indefinite"/>
+                      </p:stCondLst>
+                      <p:childTnLst>
+                        <p:par>
+                          <p:cTn id="8" fill="hold">
+                            <p:stCondLst>
+                              <p:cond delay="0"/>
+                            </p:stCondLst>
+                            <p:childTnLst>
+                              <p:par>
+                                <p:cTn id="9" presetID="1" presetClass="entr" presetSubtype="0" fill="hold" grpId="0" nodeType="clickEffect">
+                                  <p:stCondLst>
+                                    <p:cond delay="0"/>
+                                  </p:stCondLst>
+                                  <p:childTnLst>
+                                    <p:set>
+                                      <p:cBhvr>
+                                        <p:cTn id="10" dur="1" fill="hold">
+                                          <p:stCondLst>
+                                            <p:cond delay="0"/>
+                                          </p:stCondLst>
+                                        </p:cTn>
+                                        <p:tgtEl>
+                                          <p:spTgt spid="3">
+                                            <p:txEl>
+                                              <p:pRg st="0" end="0"/>
+                                            </p:txEl>
+                                          </p:spTgt>
+                                        </p:tgtEl>
+                                        <p:attrNameLst>
+                                          <p:attrName>style.visibility</p:attrName>
+                                        </p:attrNameLst>
+                                      </p:cBhvr>
+                                      <p:to>
+                                        <p:strVal val="visible"/>
+                                      </p:to>
+                                    </p:set>
+                                  </p:childTnLst>
+                                </p:cTn>
+                              </p:par>
+                              <p:par>
+                                <p:cTn id="11" presetID="1" presetClass="entr" presetSubtype="0" fill="hold" grpId="0" nodeType="withEffect">
+                                  <p:stCondLst>
+                                    <p:cond delay="0"/>
+                                  </p:stCondLst>
+                                  <p:childTnLst>
+                                    <p:set>
+                                      <p:cBhvr>
+                                        <p:cTn id="12" dur="1" fill="hold">
+                                          <p:stCondLst>
+                                            <p:cond delay="0"/>
+                                          </p:stCondLst>
+                                        </p:cTn>
+                                        <p:tgtEl>
+                                          <p:spTgt spid="3">
+                                            <p:txEl>
+                                              <p:pRg st="1" end="1"/>
+                                            </p:txEl>
+                                          </p:spTgt>
+                                        </p:tgtEl>
+                                        <p:attrNameLst>
+                                          <p:attrName>style.visibility</p:attrName>
+                                        </p:attrNameLst>
+                                      </p:cBhvr>
+                                      <p:to>
+                                        <p:strVal val="visible"/>
+                                      </p:to>
+                                    </p:set>
+                                  </p:childTnLst>
+                                </p:cTn>
+                              </p:par>
+                              <p:par>
+                                <p:cTn id="13" presetID="1" presetClass="entr" presetSubtype="0" fill="hold" grpId="0" nodeType="withEffect">
+                                  <p:stCondLst>
+                                    <p:cond delay="0"/>
+                                  </p:stCondLst>
+                                  <p:childTnLst>
+                                    <p:set>
+                                      <p:cBhvr>
+                                        <p:cTn id="14" dur="1" fill="hold">
+                                          <p:stCondLst>
+                                            <p:cond delay="0"/>
+                                          </p:stCondLst>
+                                        </p:cTn>
+                                        <p:tgtEl>
+                                          <p:spTgt spid="3">
+                                            <p:txEl>
+                                              <p:pRg st="2" end="2"/>
+                                            </p:txEl>
+                                          </p:spTgt>
+                                        </p:tgtEl>
+                                        <p:attrNameLst>
+                                          <p:attrName>style.visibility</p:attrName>
+                                        </p:attrNameLst>
+                                      </p:cBhvr>
+                                      <p:to>
+                                        <p:strVal val="visible"/>
+                                      </p:to>
+                                    </p:set>
+                                  </p:childTnLst>
+                                </p:cTn>
+                              </p:par>
+                              <p:par>
+                                <p:cTn id="15" presetID="1" presetClass="entr" presetSubtype="0" fill="hold" grpId="0" nodeType="withEffect">
+                                  <p:stCondLst>
+                                    <p:cond delay="0"/>
+                                  </p:stCondLst>
+                                  <p:childTnLst>
+                                    <p:set>
+                                      <p:cBhvr>
+                                        <p:cTn id="16" dur="1" fill="hold">
+                                          <p:stCondLst>
+                                            <p:cond delay="0"/>
+                                          </p:stCondLst>
+                                        </p:cTn>
+                                        <p:tgtEl>
+                                          <p:spTgt spid="3">
+                                            <p:txEl>
+                                              <p:pRg st="3" end="3"/>
+                                            </p:txEl>
+                                          </p:spTgt>
+                                        </p:tgtEl>
+                                        <p:attrNameLst>
+                                          <p:attrName>style.visibility</p:attrName>
+                                        </p:attrNameLst>
+                                      </p:cBhvr>
+                                      <p:to>
+                                        <p:strVal val="visible"/>
+                                      </p:to>
+                                    </p:set>
+                                  </p:childTnLst>
+                                </p:cTn>
+                              </p:par>
+                            </p:childTnLst>
+                          </p:cTn>
+                        </p:par>
+                      </p:childTnLst>
+                    </p:cTn>
+                  </p:par>
+                  <p:par>
+                    <p:cTn id="17" fill="hold">
+                      <p:stCondLst>
+                        <p:cond delay="indefinite"/>
+                      </p:stCondLst>
+                      <p:childTnLst>
+                        <p:par>
+                          <p:cTn id="18" fill="hold">
+                            <p:stCondLst>
+                              <p:cond delay="0"/>
+                            </p:stCondLst>
+                            <p:childTnLst>
+                              <p:par>
+                                <p:cTn id="19" presetID="1" presetClass="entr" presetSubtype="0" fill="hold" grpId="0" nodeType="clickEffect">
+                                  <p:stCondLst>
+                                    <p:cond delay="0"/>
+                                  </p:stCondLst>
+                                  <p:childTnLst>
+                                    <p:set>
+                                      <p:cBhvr>
+                                        <p:cTn id="20" dur="1" fill="hold">
+                                          <p:stCondLst>
+                                            <p:cond delay="0"/>
+                                          </p:stCondLst>
+                                        </p:cTn>
+                                        <p:tgtEl>
+                                          <p:spTgt spid="3">
+                                            <p:txEl>
+                                              <p:pRg st="4" end="4"/>
+                                            </p:txEl>
+                                          </p:spTgt>
+                                        </p:tgtEl>
+                                        <p:attrNameLst>
+                                          <p:attrName>style.visibility</p:attrName>
+                                        </p:attrNameLst>
+                                      </p:cBhvr>
+                                      <p:to>
+                                        <p:strVal val="visible"/>
+                                      </p:to>
+                                    </p:set>
+                                  </p:childTnLst>
+                                </p:cTn>
+                              </p:par>
+                              <p:par>
+                                <p:cTn id="21" presetID="1" presetClass="entr" presetSubtype="0" fill="hold" grpId="0" nodeType="withEffect">
+                                  <p:stCondLst>
+                                    <p:cond delay="0"/>
+                                  </p:stCondLst>
+                                  <p:childTnLst>
+                                    <p:set>
+                                      <p:cBhvr>
+                                        <p:cTn id="22" dur="1" fill="hold">
+                                          <p:stCondLst>
+                                            <p:cond delay="0"/>
+                                          </p:stCondLst>
+                                        </p:cTn>
+                                        <p:tgtEl>
+                                          <p:spTgt spid="3">
+                                            <p:txEl>
+                                              <p:pRg st="5" end="5"/>
+                                            </p:txEl>
+                                          </p:spTgt>
+                                        </p:tgtEl>
+                                        <p:attrNameLst>
+                                          <p:attrName>style.visibility</p:attrName>
+                                        </p:attrNameLst>
+                                      </p:cBhvr>
+                                      <p:to>
+                                        <p:strVal val="visible"/>
+                                      </p:to>
+                                    </p:set>
+                                  </p:childTnLst>
+                                </p:cTn>
+                              </p:par>
+                              <p:par>
+                                <p:cTn id="23" presetID="1" presetClass="entr" presetSubtype="0" fill="hold" grpId="0" nodeType="withEffect">
+                                  <p:stCondLst>
+                                    <p:cond delay="0"/>
+                                  </p:stCondLst>
+                                  <p:childTnLst>
+                                    <p:set>
+                                      <p:cBhvr>
+                                        <p:cTn id="24" dur="1" fill="hold">
+                                          <p:stCondLst>
+                                            <p:cond delay="0"/>
+                                          </p:stCondLst>
+                                        </p:cTn>
+                                        <p:tgtEl>
+                                          <p:spTgt spid="3">
+                                            <p:txEl>
+                                              <p:pRg st="6" end="6"/>
+                                            </p:txEl>
+                                          </p:spTgt>
+                                        </p:tgtEl>
+                                        <p:attrNameLst>
+                                          <p:attrName>style.visibility</p:attrName>
+                                        </p:attrNameLst>
+                                      </p:cBhvr>
+                                      <p:to>
+                                        <p:strVal val="visible"/>
+                                      </p:to>
+                                    </p:set>
+                                  </p:childTnLst>
+                                </p:cTn>
+                              </p:par>
+                              <p:par>
+                                <p:cTn id="25" presetID="1" presetClass="entr" presetSubtype="0" fill="hold" grpId="0" nodeType="withEffect">
+                                  <p:stCondLst>
+                                    <p:cond delay="0"/>
+                                  </p:stCondLst>
+                                  <p:childTnLst>
+                                    <p:set>
+                                      <p:cBhvr>
+                                        <p:cTn id="26" dur="1" fill="hold">
+                                          <p:stCondLst>
+                                            <p:cond delay="0"/>
+                                          </p:stCondLst>
+                                        </p:cTn>
+                                        <p:tgtEl>
+                                          <p:spTgt spid="3">
+                                            <p:txEl>
+                                              <p:pRg st="7" end="7"/>
+                                            </p:txEl>
+                                          </p:spTgt>
+                                        </p:tgtEl>
+                                        <p:attrNameLst>
+                                          <p:attrName>style.visibility</p:attrName>
+                                        </p:attrNameLst>
+                                      </p:cBhvr>
+                                      <p:to>
+                                        <p:strVal val="visible"/>
+                                      </p:to>
+                                    </p:set>
+                                  </p:childTnLst>
+                                </p:cTn>
+                              </p:par>
+                            </p:childTnLst>
+                          </p:cTn>
+                        </p:par>
+                      </p:childTnLst>
+                    </p:cTn>
+                  </p:par>
+                  <p:par>
+                    <p:cTn id="27" fill="hold">
+                      <p:stCondLst>
+                        <p:cond delay="indefinite"/>
+                      </p:stCondLst>
+                      <p:childTnLst>
+                        <p:par>
+                          <p:cTn id="28" fill="hold">
+                            <p:stCondLst>
+                              <p:cond delay="0"/>
+                            </p:stCondLst>
+                            <p:childTnLst>
+                              <p:par>
+                                <p:cTn id="29" presetID="1" presetClass="entr" presetSubtype="0" fill="hold" nodeType="clickEffect">
+                                  <p:stCondLst>
+                                    <p:cond delay="0"/>
+                                  </p:stCondLst>
+                                  <p:childTnLst>
+                                    <p:set>
+                                      <p:cBhvr>
+                                        <p:cTn id="30" dur="1" fill="hold">
+                                          <p:stCondLst>
+                                            <p:cond delay="0"/>
+                                          </p:stCondLst>
+                                        </p:cTn>
+                                        <p:tgtEl>
+                                          <p:spTgt spid="15"/>
+                                        </p:tgtEl>
+                                        <p:attrNameLst>
+                                          <p:attrName>style.visibility</p:attrName>
+                                        </p:attrNameLst>
+                                      </p:cBhvr>
+                                      <p:to>
+                                        <p:strVal val="visible"/>
+                                      </p:to>
+                                    </p:set>
+                                  </p:childTnLst>
+                                </p:cTn>
+                              </p:par>
+                            </p:childTnLst>
+                          </p:cTn>
+                        </p:par>
+                      </p:childTnLst>
+                    </p:cTn>
+                  </p:par>
+                  <p:par>
+                    <p:cTn id="31" fill="hold">
+                      <p:stCondLst>
+                        <p:cond delay="indefinite"/>
+                      </p:stCondLst>
+                      <p:childTnLst>
+                        <p:par>
+                          <p:cTn id="32" fill="hold">
+                            <p:stCondLst>
+                              <p:cond delay="0"/>
+                            </p:stCondLst>
+                            <p:childTnLst>
+                              <p:par>
+                                <p:cTn id="33" presetID="1" presetClass="entr" presetSubtype="0" fill="hold" grpId="0" nodeType="clickEffect">
+                                  <p:stCondLst>
+                                    <p:cond delay="0"/>
+                                  </p:stCondLst>
+                                  <p:childTnLst>
+                                    <p:set>
+                                      <p:cBhvr>
+                                        <p:cTn id="34" dur="1" fill="hold">
+                                          <p:stCondLst>
+                                            <p:cond delay="0"/>
+                                          </p:stCondLst>
+                                        </p:cTn>
+                                        <p:tgtEl>
+                                          <p:spTgt spid="19"/>
+                                        </p:tgtEl>
+                                        <p:attrNameLst>
+                                          <p:attrName>style.visibility</p:attrName>
+                                        </p:attrNameLst>
+                                      </p:cBhvr>
+                                      <p:to>
+                                        <p:strVal val="visible"/>
+                                      </p:to>
+                                    </p:set>
+                                  </p:childTnLst>
+                                </p:cTn>
+                              </p:par>
+                            </p:childTnLst>
+                          </p:cTn>
+                        </p:par>
+                      </p:childTnLst>
+                    </p:cTn>
+                  </p:par>
+                  <p:par>
+                    <p:cTn id="35" fill="hold">
+                      <p:stCondLst>
+                        <p:cond delay="indefinite"/>
+                      </p:stCondLst>
+                      <p:childTnLst>
+                        <p:par>
+                          <p:cTn id="36" fill="hold">
+                            <p:stCondLst>
+                              <p:cond delay="0"/>
+                            </p:stCondLst>
+                            <p:childTnLst>
+                              <p:par>
+                                <p:cTn id="37" presetID="1" presetClass="entr" presetSubtype="0" fill="hold" nodeType="clickEffect">
+                                  <p:stCondLst>
+                                    <p:cond delay="0"/>
+                                  </p:stCondLst>
+                                  <p:childTnLst>
+                                    <p:set>
+                                      <p:cBhvr>
+                                        <p:cTn id="38" dur="1" fill="hold">
+                                          <p:stCondLst>
+                                            <p:cond delay="0"/>
+                                          </p:stCondLst>
+                                        </p:cTn>
+                                        <p:tgtEl>
+                                          <p:spTgt spid="6"/>
+                                        </p:tgtEl>
+                                        <p:attrNameLst>
+                                          <p:attrName>style.visibility</p:attrName>
+                                        </p:attrNameLst>
+                                      </p:cBhvr>
+                                      <p:to>
+                                        <p:strVal val="visible"/>
+                                      </p:to>
+                                    </p:set>
+                                  </p:childTnLst>
+                                </p:cTn>
+                              </p:par>
+                            </p:childTnLst>
+                          </p:cTn>
+                        </p:par>
+                      </p:childTnLst>
+                    </p:cTn>
+                  </p:par>
+                  <p:par>
+                    <p:cTn id="39" fill="hold">
+                      <p:stCondLst>
+                        <p:cond delay="indefinite"/>
+                      </p:stCondLst>
+                      <p:childTnLst>
+                        <p:par>
+                          <p:cTn id="40" fill="hold">
+                            <p:stCondLst>
+                              <p:cond delay="0"/>
+                            </p:stCondLst>
+                            <p:childTnLst>
+                              <p:par>
+                                <p:cTn id="41" presetID="1" presetClass="entr" presetSubtype="0" fill="hold" nodeType="clickEffect">
+                                  <p:stCondLst>
+                                    <p:cond delay="0"/>
+                                  </p:stCondLst>
+                                  <p:childTnLst>
+                                    <p:set>
+                                      <p:cBhvr>
+                                        <p:cTn id="42" dur="1" fill="hold">
+                                          <p:stCondLst>
+                                            <p:cond delay="0"/>
+                                          </p:stCondLst>
+                                        </p:cTn>
+                                        <p:tgtEl>
+                                          <p:spTgt spid="7"/>
+                                        </p:tgtEl>
+                                        <p:attrNameLst>
+                                          <p:attrName>style.visibility</p:attrName>
+                                        </p:attrNameLst>
+                                      </p:cBhvr>
+                                      <p:to>
+                                        <p:strVal val="visible"/>
+                                      </p:to>
+                                    </p:set>
+                                  </p:childTnLst>
+                                </p:cTn>
+                              </p:par>
+                            </p:childTnLst>
+                          </p:cTn>
+                        </p:par>
+                      </p:childTnLst>
+                    </p:cTn>
+                  </p:par>
+                </p:childTnLst>
+              </p:cTn>
+              <p:prevCondLst>
+                <p:cond evt="onPrev" delay="0">
+                  <p:tgtEl>
+                    <p:sldTgt/>
+                  </p:tgtEl>
+                </p:cond>
+              </p:prevCondLst>
+              <p:nextCondLst>
+                <p:cond evt="onNext" delay="0">
+                  <p:tgtEl>
+                    <p:sldTgt/>
+                  </p:tgtEl>
+                </p:cond>
+              </p:nextCondLst>
+            </p:seq>
+          </p:childTnLst>
+        </p:cTn>
+      </p:par>
+    </p:tnLst>
+    <p:bldLst>
+      <p:bldP spid="3" grpId="0" build="p"/>
+      <p:bldP spid="19" grpId="0"/>
+    </p:bldLst>
+  </p:timing>
 </p:sld>
 </file>
 

--- a/how_bitcoin_works/How_03_Transactions.pptx
+++ b/how_bitcoin_works/How_03_Transactions.pptx
@@ -215,7 +215,7 @@
           <a:p>
             <a:fld id="{997B8459-DB34-44B7-8088-D81CF29DBC4F}" type="datetimeFigureOut">
               <a:rPr lang="en-US" smtClean="0"/>
-              <a:t>6/5/2017</a:t>
+              <a:t>6/6/2017</a:t>
             </a:fld>
             <a:endParaRPr lang="en-US"/>
           </a:p>
@@ -1054,7 +1054,7 @@
           <a:p>
             <a:fld id="{1A0CC6C9-F88A-4A1A-8FB0-07A130189CC8}" type="datetime1">
               <a:rPr lang="en-US" smtClean="0"/>
-              <a:t>6/5/2017</a:t>
+              <a:t>6/6/2017</a:t>
             </a:fld>
             <a:endParaRPr lang="en-US"/>
           </a:p>
@@ -1222,7 +1222,7 @@
           <a:p>
             <a:fld id="{662CE6F3-128A-4A7E-948E-31AC50BA5F60}" type="datetime1">
               <a:rPr lang="en-US" smtClean="0"/>
-              <a:t>6/5/2017</a:t>
+              <a:t>6/6/2017</a:t>
             </a:fld>
             <a:endParaRPr lang="en-US"/>
           </a:p>
@@ -1400,7 +1400,7 @@
           <a:p>
             <a:fld id="{D8EF803D-58A6-4B2B-AD8D-C3D6CC66E6EB}" type="datetime1">
               <a:rPr lang="en-US" smtClean="0"/>
-              <a:t>6/5/2017</a:t>
+              <a:t>6/6/2017</a:t>
             </a:fld>
             <a:endParaRPr lang="en-US"/>
           </a:p>
@@ -1586,7 +1586,7 @@
           <a:p>
             <a:fld id="{519BD8FA-81DB-4BAD-B3C3-CA109C80A853}" type="datetime1">
               <a:rPr lang="en-US" smtClean="0"/>
-              <a:t>6/5/2017</a:t>
+              <a:t>6/6/2017</a:t>
             </a:fld>
             <a:endParaRPr lang="en-US"/>
           </a:p>
@@ -1831,7 +1831,7 @@
           <a:p>
             <a:fld id="{3F6C7022-96DB-48F2-B3FB-BE06C53B7BA1}" type="datetime1">
               <a:rPr lang="en-US" smtClean="0"/>
-              <a:t>6/5/2017</a:t>
+              <a:t>6/6/2017</a:t>
             </a:fld>
             <a:endParaRPr lang="en-US"/>
           </a:p>
@@ -2073,7 +2073,7 @@
           <a:p>
             <a:fld id="{CD2E27BA-B0B3-403B-BCD6-8B8E73844757}" type="datetime1">
               <a:rPr lang="en-US" smtClean="0"/>
-              <a:t>6/5/2017</a:t>
+              <a:t>6/6/2017</a:t>
             </a:fld>
             <a:endParaRPr lang="en-US"/>
           </a:p>
@@ -2437,7 +2437,7 @@
           <a:p>
             <a:fld id="{AB2F35F9-5498-4A6F-8B26-24AF253CCFB1}" type="datetime1">
               <a:rPr lang="en-US" smtClean="0"/>
-              <a:t>6/5/2017</a:t>
+              <a:t>6/6/2017</a:t>
             </a:fld>
             <a:endParaRPr lang="en-US"/>
           </a:p>
@@ -2554,7 +2554,7 @@
           <a:p>
             <a:fld id="{7CF3DE6C-3CCC-462F-8C19-C9BE5AF82050}" type="datetime1">
               <a:rPr lang="en-US" smtClean="0"/>
-              <a:t>6/5/2017</a:t>
+              <a:t>6/6/2017</a:t>
             </a:fld>
             <a:endParaRPr lang="en-US"/>
           </a:p>
@@ -2649,7 +2649,7 @@
           <a:p>
             <a:fld id="{CFF9B72E-B071-4894-9AE8-77A99437A194}" type="datetime1">
               <a:rPr lang="en-US" smtClean="0"/>
-              <a:t>6/5/2017</a:t>
+              <a:t>6/6/2017</a:t>
             </a:fld>
             <a:endParaRPr lang="en-US"/>
           </a:p>
@@ -2924,7 +2924,7 @@
           <a:p>
             <a:fld id="{C8FC85DF-04F6-4067-9D57-5BD634B76237}" type="datetime1">
               <a:rPr lang="en-US" smtClean="0"/>
-              <a:t>6/5/2017</a:t>
+              <a:t>6/6/2017</a:t>
             </a:fld>
             <a:endParaRPr lang="en-US"/>
           </a:p>
@@ -3176,7 +3176,7 @@
           <a:p>
             <a:fld id="{F482CF38-5737-4019-A5EB-32F20C60B120}" type="datetime1">
               <a:rPr lang="en-US" smtClean="0"/>
-              <a:t>6/5/2017</a:t>
+              <a:t>6/6/2017</a:t>
             </a:fld>
             <a:endParaRPr lang="en-US"/>
           </a:p>
@@ -3387,7 +3387,7 @@
           <a:p>
             <a:fld id="{71B3BB5B-EB4F-4885-9330-962C885E153D}" type="datetime1">
               <a:rPr lang="en-US" smtClean="0"/>
-              <a:t>6/5/2017</a:t>
+              <a:t>6/6/2017</a:t>
             </a:fld>
             <a:endParaRPr lang="en-US"/>
           </a:p>
@@ -3809,7 +3809,7 @@
         </p:blipFill>
         <p:spPr>
           <a:xfrm>
-            <a:off x="8378614" y="3469055"/>
+            <a:off x="8364029" y="3537518"/>
             <a:ext cx="3746383" cy="3250174"/>
           </a:xfrm>
           <a:prstGeom prst="rect">

--- a/how_bitcoin_works/How_03_Transactions.pptx
+++ b/how_bitcoin_works/How_03_Transactions.pptx
@@ -212,7 +212,7 @@
           <a:p>
             <a:fld id="{997B8459-DB34-44B7-8088-D81CF29DBC4F}" type="datetimeFigureOut">
               <a:rPr lang="en-US" smtClean="0"/>
-              <a:t>6/6/2017</a:t>
+              <a:t>6/7/2017</a:t>
             </a:fld>
             <a:endParaRPr lang="en-US"/>
           </a:p>
@@ -883,7 +883,7 @@
           <a:p>
             <a:fld id="{1A0CC6C9-F88A-4A1A-8FB0-07A130189CC8}" type="datetime1">
               <a:rPr lang="en-US" smtClean="0"/>
-              <a:t>6/6/2017</a:t>
+              <a:t>6/7/2017</a:t>
             </a:fld>
             <a:endParaRPr lang="en-US"/>
           </a:p>
@@ -1051,7 +1051,7 @@
           <a:p>
             <a:fld id="{662CE6F3-128A-4A7E-948E-31AC50BA5F60}" type="datetime1">
               <a:rPr lang="en-US" smtClean="0"/>
-              <a:t>6/6/2017</a:t>
+              <a:t>6/7/2017</a:t>
             </a:fld>
             <a:endParaRPr lang="en-US"/>
           </a:p>
@@ -1229,7 +1229,7 @@
           <a:p>
             <a:fld id="{D8EF803D-58A6-4B2B-AD8D-C3D6CC66E6EB}" type="datetime1">
               <a:rPr lang="en-US" smtClean="0"/>
-              <a:t>6/6/2017</a:t>
+              <a:t>6/7/2017</a:t>
             </a:fld>
             <a:endParaRPr lang="en-US"/>
           </a:p>
@@ -1415,7 +1415,7 @@
           <a:p>
             <a:fld id="{519BD8FA-81DB-4BAD-B3C3-CA109C80A853}" type="datetime1">
               <a:rPr lang="en-US" smtClean="0"/>
-              <a:t>6/6/2017</a:t>
+              <a:t>6/7/2017</a:t>
             </a:fld>
             <a:endParaRPr lang="en-US"/>
           </a:p>
@@ -1756,7 +1756,7 @@
           <a:p>
             <a:fld id="{3F6C7022-96DB-48F2-B3FB-BE06C53B7BA1}" type="datetime1">
               <a:rPr lang="en-US" smtClean="0"/>
-              <a:t>6/6/2017</a:t>
+              <a:t>6/7/2017</a:t>
             </a:fld>
             <a:endParaRPr lang="en-US"/>
           </a:p>
@@ -1998,7 +1998,7 @@
           <a:p>
             <a:fld id="{CD2E27BA-B0B3-403B-BCD6-8B8E73844757}" type="datetime1">
               <a:rPr lang="en-US" smtClean="0"/>
-              <a:t>6/6/2017</a:t>
+              <a:t>6/7/2017</a:t>
             </a:fld>
             <a:endParaRPr lang="en-US"/>
           </a:p>
@@ -2362,7 +2362,7 @@
           <a:p>
             <a:fld id="{AB2F35F9-5498-4A6F-8B26-24AF253CCFB1}" type="datetime1">
               <a:rPr lang="en-US" smtClean="0"/>
-              <a:t>6/6/2017</a:t>
+              <a:t>6/7/2017</a:t>
             </a:fld>
             <a:endParaRPr lang="en-US"/>
           </a:p>
@@ -2479,7 +2479,7 @@
           <a:p>
             <a:fld id="{7CF3DE6C-3CCC-462F-8C19-C9BE5AF82050}" type="datetime1">
               <a:rPr lang="en-US" smtClean="0"/>
-              <a:t>6/6/2017</a:t>
+              <a:t>6/7/2017</a:t>
             </a:fld>
             <a:endParaRPr lang="en-US"/>
           </a:p>
@@ -2574,7 +2574,7 @@
           <a:p>
             <a:fld id="{CFF9B72E-B071-4894-9AE8-77A99437A194}" type="datetime1">
               <a:rPr lang="en-US" smtClean="0"/>
-              <a:t>6/6/2017</a:t>
+              <a:t>6/7/2017</a:t>
             </a:fld>
             <a:endParaRPr lang="en-US"/>
           </a:p>
@@ -2849,7 +2849,7 @@
           <a:p>
             <a:fld id="{C8FC85DF-04F6-4067-9D57-5BD634B76237}" type="datetime1">
               <a:rPr lang="en-US" smtClean="0"/>
-              <a:t>6/6/2017</a:t>
+              <a:t>6/7/2017</a:t>
             </a:fld>
             <a:endParaRPr lang="en-US"/>
           </a:p>
@@ -3101,7 +3101,7 @@
           <a:p>
             <a:fld id="{F482CF38-5737-4019-A5EB-32F20C60B120}" type="datetime1">
               <a:rPr lang="en-US" smtClean="0"/>
-              <a:t>6/6/2017</a:t>
+              <a:t>6/7/2017</a:t>
             </a:fld>
             <a:endParaRPr lang="en-US"/>
           </a:p>
@@ -3312,7 +3312,7 @@
           <a:p>
             <a:fld id="{71B3BB5B-EB4F-4885-9330-962C885E153D}" type="datetime1">
               <a:rPr lang="en-US" smtClean="0"/>
-              <a:t>6/6/2017</a:t>
+              <a:t>6/7/2017</a:t>
             </a:fld>
             <a:endParaRPr lang="en-US"/>
           </a:p>
@@ -5254,7 +5254,7 @@
         </p:blipFill>
         <p:spPr>
           <a:xfrm>
-            <a:off x="6688800" y="161213"/>
+            <a:off x="7304980" y="145260"/>
             <a:ext cx="4759200" cy="3518408"/>
           </a:xfrm>
           <a:prstGeom prst="rect">
@@ -5272,7 +5272,12 @@
             <p:ph type="title"/>
           </p:nvPr>
         </p:nvSpPr>
-        <p:spPr/>
+        <p:spPr>
+          <a:xfrm>
+            <a:off x="245806" y="335630"/>
+            <a:ext cx="6127942" cy="667262"/>
+          </a:xfrm>
+        </p:spPr>
         <p:txBody>
           <a:bodyPr>
             <a:normAutofit fontScale="90000"/>
@@ -5309,30 +5314,14 @@
             </a:r>
           </a:p>
           <a:p>
-            <a:r>
-              <a:rPr lang="en-US" dirty="0"/>
-              <a:t>Bitcoin transaction Security:</a:t>
-            </a:r>
-          </a:p>
-          <a:p>
             <a:pPr lvl="1"/>
             <a:r>
-              <a:rPr lang="en-US" dirty="0"/>
-              <a:t>Digital Signatures</a:t>
+              <a:rPr lang="en-US" dirty="0">
+                <a:hlinkClick r:id="rId3"/>
+              </a:rPr>
+              <a:t>Wallet Generator</a:t>
             </a:r>
-          </a:p>
-          <a:p>
-            <a:pPr lvl="1"/>
-            <a:r>
-              <a:rPr lang="en-US" dirty="0"/>
-              <a:t>Referenced Transactions</a:t>
-            </a:r>
-          </a:p>
-          <a:p>
-            <a:r>
-              <a:rPr lang="en-US" dirty="0"/>
-              <a:t>Nodes need to agree on transaction order</a:t>
-            </a:r>
+            <a:endParaRPr lang="en-US" dirty="0"/>
           </a:p>
           <a:p>
             <a:r>
@@ -5377,6 +5366,42 @@
           </a:p>
         </p:txBody>
       </p:sp>
+      <p:pic>
+        <p:nvPicPr>
+          <p:cNvPr id="9" name="Picture 8">
+            <a:extLst>
+              <a:ext uri="{FF2B5EF4-FFF2-40B4-BE49-F238E27FC236}">
+                <a16:creationId xmlns:a16="http://schemas.microsoft.com/office/drawing/2014/main" id="{3BB5F0AF-3476-41D4-8BAA-FB4349C6179E}"/>
+              </a:ext>
+            </a:extLst>
+          </p:cNvPr>
+          <p:cNvPicPr>
+            <a:picLocks noChangeAspect="1"/>
+          </p:cNvPicPr>
+          <p:nvPr/>
+        </p:nvPicPr>
+        <p:blipFill>
+          <a:blip r:embed="rId4">
+            <a:extLst>
+              <a:ext uri="{28A0092B-C50C-407E-A947-70E740481C1C}">
+                <a14:useLocalDpi xmlns:a14="http://schemas.microsoft.com/office/drawing/2010/main" val="0"/>
+              </a:ext>
+            </a:extLst>
+          </a:blip>
+          <a:stretch>
+            <a:fillRect/>
+          </a:stretch>
+        </p:blipFill>
+        <p:spPr>
+          <a:xfrm>
+            <a:off x="102266" y="3122228"/>
+            <a:ext cx="4543875" cy="3657818"/>
+          </a:xfrm>
+          <a:prstGeom prst="rect">
+            <a:avLst/>
+          </a:prstGeom>
+        </p:spPr>
+      </p:pic>
       <p:grpSp>
         <p:nvGrpSpPr>
           <p:cNvPr id="6" name="Group 5"/>
@@ -5385,8 +5410,8 @@
         </p:nvGrpSpPr>
         <p:grpSpPr>
           <a:xfrm>
-            <a:off x="482400" y="4752709"/>
-            <a:ext cx="4099200" cy="1624684"/>
+            <a:off x="3494860" y="2974238"/>
+            <a:ext cx="4486301" cy="1946077"/>
             <a:chOff x="691804" y="4396220"/>
             <a:chExt cx="4676012" cy="2001744"/>
           </a:xfrm>
@@ -5400,7 +5425,7 @@
             <p:nvPr/>
           </p:nvPicPr>
           <p:blipFill>
-            <a:blip r:embed="rId3"/>
+            <a:blip r:embed="rId5"/>
             <a:stretch>
               <a:fillRect/>
             </a:stretch>
@@ -5510,7 +5535,7 @@
                                 </p:cTn>
                               </p:par>
                               <p:par>
-                                <p:cTn id="7" presetID="1" presetClass="entr" presetSubtype="0" fill="hold" nodeType="withEffect">
+                                <p:cTn id="7" presetID="1" presetClass="entr" presetSubtype="0" fill="hold" grpId="0" nodeType="withEffect">
                                   <p:stCondLst>
                                     <p:cond delay="0"/>
                                   </p:stCondLst>
@@ -5518,6 +5543,64 @@
                                     <p:set>
                                       <p:cBhvr>
                                         <p:cTn id="8" dur="1" fill="hold">
+                                          <p:stCondLst>
+                                            <p:cond delay="0"/>
+                                          </p:stCondLst>
+                                        </p:cTn>
+                                        <p:tgtEl>
+                                          <p:spTgt spid="3">
+                                            <p:txEl>
+                                              <p:pRg st="1" end="1"/>
+                                            </p:txEl>
+                                          </p:spTgt>
+                                        </p:tgtEl>
+                                        <p:attrNameLst>
+                                          <p:attrName>style.visibility</p:attrName>
+                                        </p:attrNameLst>
+                                      </p:cBhvr>
+                                      <p:to>
+                                        <p:strVal val="visible"/>
+                                      </p:to>
+                                    </p:set>
+                                  </p:childTnLst>
+                                </p:cTn>
+                              </p:par>
+                              <p:par>
+                                <p:cTn id="9" presetID="1" presetClass="entr" presetSubtype="0" fill="hold" nodeType="withEffect">
+                                  <p:stCondLst>
+                                    <p:cond delay="0"/>
+                                  </p:stCondLst>
+                                  <p:childTnLst>
+                                    <p:set>
+                                      <p:cBhvr>
+                                        <p:cTn id="10" dur="1" fill="hold">
+                                          <p:stCondLst>
+                                            <p:cond delay="0"/>
+                                          </p:stCondLst>
+                                        </p:cTn>
+                                        <p:tgtEl>
+                                          <p:spTgt spid="9"/>
+                                        </p:tgtEl>
+                                        <p:attrNameLst>
+                                          <p:attrName>style.visibility</p:attrName>
+                                        </p:attrNameLst>
+                                      </p:cBhvr>
+                                      <p:to>
+                                        <p:strVal val="visible"/>
+                                      </p:to>
+                                    </p:set>
+                                  </p:childTnLst>
+                                </p:cTn>
+                              </p:par>
+                              <p:par>
+                                <p:cTn id="11" presetID="1" presetClass="entr" presetSubtype="0" fill="hold" nodeType="withEffect">
+                                  <p:stCondLst>
+                                    <p:cond delay="0"/>
+                                  </p:stCondLst>
+                                  <p:childTnLst>
+                                    <p:set>
+                                      <p:cBhvr>
+                                        <p:cTn id="12" dur="1" fill="hold">
                                           <p:stCondLst>
                                             <p:cond delay="0"/>
                                           </p:stCondLst>
@@ -5543,57 +5626,26 @@
                     </p:cTn>
                   </p:par>
                   <p:par>
-                    <p:cTn id="9" fill="hold">
+                    <p:cTn id="13" fill="hold">
                       <p:stCondLst>
                         <p:cond delay="indefinite"/>
                       </p:stCondLst>
                       <p:childTnLst>
                         <p:par>
-                          <p:cTn id="10" fill="hold">
+                          <p:cTn id="14" fill="hold">
                             <p:stCondLst>
                               <p:cond delay="0"/>
                             </p:stCondLst>
                             <p:childTnLst>
                               <p:par>
-                                <p:cTn id="11" presetID="1" presetClass="entr" presetSubtype="0" fill="hold" grpId="0" nodeType="clickEffect">
+                                <p:cTn id="15" presetID="1" presetClass="entr" presetSubtype="0" fill="hold" grpId="0" nodeType="clickEffect">
                                   <p:stCondLst>
                                     <p:cond delay="0"/>
                                   </p:stCondLst>
                                   <p:childTnLst>
                                     <p:set>
                                       <p:cBhvr>
-                                        <p:cTn id="12" dur="1" fill="hold">
-                                          <p:stCondLst>
-                                            <p:cond delay="0"/>
-                                          </p:stCondLst>
-                                        </p:cTn>
-                                        <p:tgtEl>
-                                          <p:spTgt spid="3">
-                                            <p:txEl>
-                                              <p:pRg st="1" end="1"/>
-                                            </p:txEl>
-                                          </p:spTgt>
-                                        </p:tgtEl>
-                                        <p:attrNameLst>
-                                          <p:attrName>style.visibility</p:attrName>
-                                        </p:attrNameLst>
-                                      </p:cBhvr>
-                                      <p:to>
-                                        <p:strVal val="visible"/>
-                                      </p:to>
-                                    </p:set>
-                                  </p:childTnLst>
-                                </p:cTn>
-                              </p:par>
-                              <p:par>
-                                <p:cTn id="13" presetID="1" presetClass="entr" presetSubtype="0" fill="hold" grpId="0" nodeType="withEffect">
-                                  <p:stCondLst>
-                                    <p:cond delay="0"/>
-                                  </p:stCondLst>
-                                  <p:childTnLst>
-                                    <p:set>
-                                      <p:cBhvr>
-                                        <p:cTn id="14" dur="1" fill="hold">
+                                        <p:cTn id="16" dur="1" fill="hold">
                                           <p:stCondLst>
                                             <p:cond delay="0"/>
                                           </p:stCondLst>
@@ -5617,14 +5669,14 @@
                                 </p:cTn>
                               </p:par>
                               <p:par>
-                                <p:cTn id="15" presetID="1" presetClass="entr" presetSubtype="0" fill="hold" grpId="0" nodeType="withEffect">
+                                <p:cTn id="17" presetID="1" presetClass="entr" presetSubtype="0" fill="hold" grpId="0" nodeType="withEffect">
                                   <p:stCondLst>
                                     <p:cond delay="0"/>
                                   </p:stCondLst>
                                   <p:childTnLst>
                                     <p:set>
                                       <p:cBhvr>
-                                        <p:cTn id="16" dur="1" fill="hold">
+                                        <p:cTn id="18" dur="1" fill="hold">
                                           <p:stCondLst>
                                             <p:cond delay="0"/>
                                           </p:stCondLst>
@@ -5647,26 +5699,8 @@
                                   </p:childTnLst>
                                 </p:cTn>
                               </p:par>
-                            </p:childTnLst>
-                          </p:cTn>
-                        </p:par>
-                      </p:childTnLst>
-                    </p:cTn>
-                  </p:par>
-                  <p:par>
-                    <p:cTn id="17" fill="hold">
-                      <p:stCondLst>
-                        <p:cond delay="indefinite"/>
-                      </p:stCondLst>
-                      <p:childTnLst>
-                        <p:par>
-                          <p:cTn id="18" fill="hold">
-                            <p:stCondLst>
-                              <p:cond delay="0"/>
-                            </p:stCondLst>
-                            <p:childTnLst>
                               <p:par>
-                                <p:cTn id="19" presetID="1" presetClass="entr" presetSubtype="0" fill="hold" grpId="0" nodeType="clickEffect">
+                                <p:cTn id="19" presetID="1" presetClass="entr" presetSubtype="0" fill="hold" nodeType="withEffect">
                                   <p:stCondLst>
                                     <p:cond delay="0"/>
                                   </p:stCondLst>
@@ -5679,91 +5713,7 @@
                                           </p:stCondLst>
                                         </p:cTn>
                                         <p:tgtEl>
-                                          <p:spTgt spid="3">
-                                            <p:txEl>
-                                              <p:pRg st="4" end="4"/>
-                                            </p:txEl>
-                                          </p:spTgt>
-                                        </p:tgtEl>
-                                        <p:attrNameLst>
-                                          <p:attrName>style.visibility</p:attrName>
-                                        </p:attrNameLst>
-                                      </p:cBhvr>
-                                      <p:to>
-                                        <p:strVal val="visible"/>
-                                      </p:to>
-                                    </p:set>
-                                  </p:childTnLst>
-                                </p:cTn>
-                              </p:par>
-                            </p:childTnLst>
-                          </p:cTn>
-                        </p:par>
-                      </p:childTnLst>
-                    </p:cTn>
-                  </p:par>
-                  <p:par>
-                    <p:cTn id="21" fill="hold">
-                      <p:stCondLst>
-                        <p:cond delay="indefinite"/>
-                      </p:stCondLst>
-                      <p:childTnLst>
-                        <p:par>
-                          <p:cTn id="22" fill="hold">
-                            <p:stCondLst>
-                              <p:cond delay="0"/>
-                            </p:stCondLst>
-                            <p:childTnLst>
-                              <p:par>
-                                <p:cTn id="23" presetID="1" presetClass="entr" presetSubtype="0" fill="hold" grpId="0" nodeType="clickEffect">
-                                  <p:stCondLst>
-                                    <p:cond delay="0"/>
-                                  </p:stCondLst>
-                                  <p:childTnLst>
-                                    <p:set>
-                                      <p:cBhvr>
-                                        <p:cTn id="24" dur="1" fill="hold">
-                                          <p:stCondLst>
-                                            <p:cond delay="0"/>
-                                          </p:stCondLst>
-                                        </p:cTn>
-                                        <p:tgtEl>
-                                          <p:spTgt spid="3">
-                                            <p:txEl>
-                                              <p:pRg st="5" end="5"/>
-                                            </p:txEl>
-                                          </p:spTgt>
-                                        </p:tgtEl>
-                                        <p:attrNameLst>
-                                          <p:attrName>style.visibility</p:attrName>
-                                        </p:attrNameLst>
-                                      </p:cBhvr>
-                                      <p:to>
-                                        <p:strVal val="visible"/>
-                                      </p:to>
-                                    </p:set>
-                                  </p:childTnLst>
-                                </p:cTn>
-                              </p:par>
-                              <p:par>
-                                <p:cTn id="25" presetID="1" presetClass="entr" presetSubtype="0" fill="hold" grpId="0" nodeType="withEffect">
-                                  <p:stCondLst>
-                                    <p:cond delay="0"/>
-                                  </p:stCondLst>
-                                  <p:childTnLst>
-                                    <p:set>
-                                      <p:cBhvr>
-                                        <p:cTn id="26" dur="1" fill="hold">
-                                          <p:stCondLst>
-                                            <p:cond delay="0"/>
-                                          </p:stCondLst>
-                                        </p:cTn>
-                                        <p:tgtEl>
-                                          <p:spTgt spid="3">
-                                            <p:txEl>
-                                              <p:pRg st="6" end="6"/>
-                                            </p:txEl>
-                                          </p:spTgt>
+                                          <p:spTgt spid="8"/>
                                         </p:tgtEl>
                                         <p:attrNameLst>
                                           <p:attrName>style.visibility</p:attrName>
@@ -12391,163 +12341,6 @@
           </a:p>
         </p:txBody>
       </p:sp>
-      <p:grpSp>
-        <p:nvGrpSpPr>
-          <p:cNvPr id="15" name="G_sig"/>
-          <p:cNvGrpSpPr/>
-          <p:nvPr/>
-        </p:nvGrpSpPr>
-        <p:grpSpPr>
-          <a:xfrm>
-            <a:off x="300180" y="4036011"/>
-            <a:ext cx="6450638" cy="1250333"/>
-            <a:chOff x="396432" y="4036011"/>
-            <a:chExt cx="6450638" cy="1250333"/>
-          </a:xfrm>
-        </p:grpSpPr>
-        <p:pic>
-          <p:nvPicPr>
-            <p:cNvPr id="12" name="P_Sig"/>
-            <p:cNvPicPr>
-              <a:picLocks noChangeAspect="1"/>
-            </p:cNvPicPr>
-            <p:nvPr/>
-          </p:nvPicPr>
-          <p:blipFill>
-            <a:blip r:embed="rId3"/>
-            <a:stretch>
-              <a:fillRect/>
-            </a:stretch>
-          </p:blipFill>
-          <p:spPr>
-            <a:xfrm>
-              <a:off x="396432" y="4036011"/>
-              <a:ext cx="6450638" cy="1250333"/>
-            </a:xfrm>
-            <a:prstGeom prst="rect">
-              <a:avLst/>
-            </a:prstGeom>
-          </p:spPr>
-        </p:pic>
-        <p:sp>
-          <p:nvSpPr>
-            <p:cNvPr id="16" name="Rectangle 15"/>
-            <p:cNvSpPr/>
-            <p:nvPr/>
-          </p:nvSpPr>
-          <p:spPr>
-            <a:xfrm>
-              <a:off x="1908769" y="4789897"/>
-              <a:ext cx="1082091" cy="369332"/>
-            </a:xfrm>
-            <a:prstGeom prst="rect">
-              <a:avLst/>
-            </a:prstGeom>
-          </p:spPr>
-          <p:txBody>
-            <a:bodyPr wrap="none">
-              <a:spAutoFit/>
-            </a:bodyPr>
-            <a:lstStyle/>
-            <a:p>
-              <a:r>
-                <a:rPr lang="en-US" dirty="0">
-                  <a:solidFill>
-                    <a:srgbClr val="FF0000"/>
-                  </a:solidFill>
-                  <a:latin typeface="Arial Black" panose="020B0A04020102020204" pitchFamily="34" charset="0"/>
-                </a:rPr>
-                <a:t>Create</a:t>
-              </a:r>
-              <a:r>
-                <a:rPr lang="en-US" sz="1400" dirty="0">
-                  <a:solidFill>
-                    <a:srgbClr val="FF0000"/>
-                  </a:solidFill>
-                  <a:latin typeface="Arial Black" panose="020B0A04020102020204" pitchFamily="34" charset="0"/>
-                </a:rPr>
-                <a:t> </a:t>
-              </a:r>
-            </a:p>
-          </p:txBody>
-        </p:sp>
-        <p:sp>
-          <p:nvSpPr>
-            <p:cNvPr id="17" name="Rectangle 16"/>
-            <p:cNvSpPr/>
-            <p:nvPr/>
-          </p:nvSpPr>
-          <p:spPr>
-            <a:xfrm>
-              <a:off x="4396635" y="4796213"/>
-              <a:ext cx="976036" cy="369332"/>
-            </a:xfrm>
-            <a:prstGeom prst="rect">
-              <a:avLst/>
-            </a:prstGeom>
-          </p:spPr>
-          <p:txBody>
-            <a:bodyPr wrap="none">
-              <a:spAutoFit/>
-            </a:bodyPr>
-            <a:lstStyle/>
-            <a:p>
-              <a:r>
-                <a:rPr lang="en-US" dirty="0">
-                  <a:solidFill>
-                    <a:srgbClr val="FF0000"/>
-                  </a:solidFill>
-                  <a:latin typeface="Arial Black" panose="020B0A04020102020204" pitchFamily="34" charset="0"/>
-                </a:rPr>
-                <a:t>Verify</a:t>
-              </a:r>
-              <a:r>
-                <a:rPr lang="en-US" sz="1400" dirty="0">
-                  <a:solidFill>
-                    <a:srgbClr val="FF0000"/>
-                  </a:solidFill>
-                  <a:latin typeface="Arial Black" panose="020B0A04020102020204" pitchFamily="34" charset="0"/>
-                </a:rPr>
-                <a:t> </a:t>
-              </a:r>
-            </a:p>
-          </p:txBody>
-        </p:sp>
-      </p:grpSp>
-      <p:sp>
-        <p:nvSpPr>
-          <p:cNvPr id="18" name="R_Sig"/>
-          <p:cNvSpPr/>
-          <p:nvPr/>
-        </p:nvSpPr>
-        <p:spPr>
-          <a:xfrm>
-            <a:off x="574608" y="5465219"/>
-            <a:ext cx="6096000" cy="830997"/>
-          </a:xfrm>
-          <a:prstGeom prst="rect">
-            <a:avLst/>
-          </a:prstGeom>
-        </p:spPr>
-        <p:txBody>
-          <a:bodyPr>
-            <a:spAutoFit/>
-          </a:bodyPr>
-          <a:lstStyle/>
-          <a:p>
-            <a:r>
-              <a:rPr lang="en-US" sz="2400" dirty="0"/>
-              <a:t>Signature = create(message, private key)</a:t>
-            </a:r>
-          </a:p>
-          <a:p>
-            <a:r>
-              <a:rPr lang="en-US" sz="2400" dirty="0"/>
-              <a:t>1=? Verify(message, public key, signature)</a:t>
-            </a:r>
-          </a:p>
-        </p:txBody>
-      </p:sp>
       <p:pic>
         <p:nvPicPr>
           <p:cNvPr id="3" name="P_Trans"/>
@@ -12557,7 +12350,7 @@
           <p:nvPr/>
         </p:nvPicPr>
         <p:blipFill>
-          <a:blip r:embed="rId4"/>
+          <a:blip r:embed="rId3"/>
           <a:stretch>
             <a:fillRect/>
           </a:stretch>
@@ -12630,7 +12423,7 @@
                 <a:solidFill>
                   <a:srgbClr val="00B050"/>
                 </a:solidFill>
-                <a:hlinkClick r:id="rId5" action="ppaction://hlinkpres?slideindex=1&amp;slidetitle="/>
+                <a:hlinkClick r:id="rId4" action="ppaction://hlinkpres?slideindex=1&amp;slidetitle="/>
               </a:rPr>
               <a:t>Cryptographic Basics</a:t>
             </a:r>
@@ -13116,7 +12909,7 @@
                             </p:stCondLst>
                             <p:childTnLst>
                               <p:par>
-                                <p:cTn id="38" presetID="1" presetClass="entr" presetSubtype="0" fill="hold" nodeType="clickEffect">
+                                <p:cTn id="38" presetID="1" presetClass="entr" presetSubtype="0" fill="hold" grpId="1" nodeType="clickEffect">
                                   <p:stCondLst>
                                     <p:cond delay="0"/>
                                   </p:stCondLst>
@@ -13124,96 +12917,6 @@
                                     <p:set>
                                       <p:cBhvr>
                                         <p:cTn id="39" dur="1" fill="hold">
-                                          <p:stCondLst>
-                                            <p:cond delay="0"/>
-                                          </p:stCondLst>
-                                        </p:cTn>
-                                        <p:tgtEl>
-                                          <p:spTgt spid="15"/>
-                                        </p:tgtEl>
-                                        <p:attrNameLst>
-                                          <p:attrName>style.visibility</p:attrName>
-                                        </p:attrNameLst>
-                                      </p:cBhvr>
-                                      <p:to>
-                                        <p:strVal val="visible"/>
-                                      </p:to>
-                                    </p:set>
-                                  </p:childTnLst>
-                                </p:cTn>
-                              </p:par>
-                            </p:childTnLst>
-                          </p:cTn>
-                        </p:par>
-                      </p:childTnLst>
-                    </p:cTn>
-                  </p:par>
-                  <p:par>
-                    <p:cTn id="40" fill="hold">
-                      <p:stCondLst>
-                        <p:cond delay="indefinite"/>
-                      </p:stCondLst>
-                      <p:childTnLst>
-                        <p:par>
-                          <p:cTn id="41" fill="hold">
-                            <p:stCondLst>
-                              <p:cond delay="0"/>
-                            </p:stCondLst>
-                            <p:childTnLst>
-                              <p:par>
-                                <p:cTn id="42" presetID="1" presetClass="entr" presetSubtype="0" fill="hold" grpId="0" nodeType="clickEffect">
-                                  <p:stCondLst>
-                                    <p:cond delay="0"/>
-                                  </p:stCondLst>
-                                  <p:childTnLst>
-                                    <p:set>
-                                      <p:cBhvr>
-                                        <p:cTn id="43" dur="1" fill="hold">
-                                          <p:stCondLst>
-                                            <p:cond delay="0"/>
-                                          </p:stCondLst>
-                                        </p:cTn>
-                                        <p:tgtEl>
-                                          <p:spTgt spid="18"/>
-                                        </p:tgtEl>
-                                        <p:attrNameLst>
-                                          <p:attrName>style.visibility</p:attrName>
-                                        </p:attrNameLst>
-                                      </p:cBhvr>
-                                      <p:to>
-                                        <p:strVal val="visible"/>
-                                      </p:to>
-                                    </p:set>
-                                  </p:childTnLst>
-                                </p:cTn>
-                              </p:par>
-                            </p:childTnLst>
-                          </p:cTn>
-                        </p:par>
-                      </p:childTnLst>
-                    </p:cTn>
-                  </p:par>
-                  <p:par>
-                    <p:cTn id="44" fill="hold">
-                      <p:stCondLst>
-                        <p:cond delay="indefinite"/>
-                      </p:stCondLst>
-                      <p:childTnLst>
-                        <p:par>
-                          <p:cTn id="45" fill="hold">
-                            <p:stCondLst>
-                              <p:cond delay="0"/>
-                            </p:stCondLst>
-                            <p:childTnLst>
-                              <p:par>
-                                <p:cTn id="46" presetID="1" presetClass="entr" presetSubtype="0" fill="hold" grpId="1" nodeType="clickEffect">
-                                  <p:stCondLst>
-                                    <p:cond delay="0"/>
-                                  </p:stCondLst>
-                                  <p:childTnLst>
-                                    <p:set>
-                                      <p:cBhvr>
-                                        <p:cTn id="47" dur="1" fill="hold">
                                           <p:stCondLst>
                                             <p:cond delay="0"/>
                                           </p:stCondLst>
@@ -13236,20 +12939,20 @@
                           </p:cTn>
                         </p:par>
                         <p:par>
-                          <p:cTn id="48" fill="hold">
+                          <p:cTn id="40" fill="hold">
                             <p:stCondLst>
                               <p:cond delay="0"/>
                             </p:stCondLst>
                             <p:childTnLst>
                               <p:par>
-                                <p:cTn id="49" presetID="28" presetClass="path" presetSubtype="0" accel="50000" decel="50000" fill="hold" grpId="0" nodeType="afterEffect">
+                                <p:cTn id="41" presetID="28" presetClass="path" presetSubtype="0" accel="50000" decel="50000" fill="hold" grpId="0" nodeType="afterEffect">
                                   <p:stCondLst>
                                     <p:cond delay="0"/>
                                   </p:stCondLst>
                                   <p:childTnLst>
                                     <p:animMotion origin="layout" path="M 4.375E-6 -1.85185E-6 C 0.00586 -1.85185E-6 0.0108 0.00695 0.0108 0.01574 C 0.0108 0.025 0.00586 0.03218 4.375E-6 0.03218 C -0.00599 0.03218 -0.01068 0.03935 -0.01068 0.04792 C -0.01068 0.05671 -0.00599 0.06389 4.375E-6 0.06389 C 0.00586 0.06389 0.0108 0.07107 0.0108 0.07986 C 0.0108 0.08843 0.00586 0.0956 4.375E-6 0.0956 C -0.00599 0.0956 -0.01068 0.10278 -0.01068 0.11204 C -0.01068 0.12084 -0.00599 0.12801 4.375E-6 0.12801 C 0.00586 0.12801 0.0108 0.12084 0.0108 0.11204 C 0.0108 0.10278 0.00586 0.0956 4.375E-6 0.0956 C -0.00599 0.0956 -0.01068 0.08843 -0.01068 0.07986 C -0.01068 0.07107 -0.00599 0.06389 4.375E-6 0.06389 C 0.00586 0.06389 0.0108 0.05671 0.0108 0.04792 C 0.0108 0.03935 0.00586 0.03218 4.375E-6 0.03218 C -0.00599 0.03218 -0.01068 0.025 -0.01068 0.01574 C -0.01068 0.00695 -0.00599 -1.85185E-6 4.375E-6 -1.85185E-6 Z " pathEditMode="relative" rAng="0" ptsTypes="AAAAAAAAAAAAAAAAA">
                                       <p:cBhvr>
-                                        <p:cTn id="50" dur="2000" fill="hold"/>
+                                        <p:cTn id="42" dur="2000" fill="hold"/>
                                         <p:tgtEl>
                                           <p:spTgt spid="11"/>
                                         </p:tgtEl>
@@ -13270,26 +12973,26 @@
                     </p:cTn>
                   </p:par>
                   <p:par>
-                    <p:cTn id="51" fill="hold">
+                    <p:cTn id="43" fill="hold">
                       <p:stCondLst>
                         <p:cond delay="indefinite"/>
                       </p:stCondLst>
                       <p:childTnLst>
                         <p:par>
-                          <p:cTn id="52" fill="hold">
+                          <p:cTn id="44" fill="hold">
                             <p:stCondLst>
                               <p:cond delay="0"/>
                             </p:stCondLst>
                             <p:childTnLst>
                               <p:par>
-                                <p:cTn id="53" presetID="1" presetClass="entr" presetSubtype="0" fill="hold" grpId="0" nodeType="clickEffect">
+                                <p:cTn id="45" presetID="1" presetClass="entr" presetSubtype="0" fill="hold" grpId="0" nodeType="clickEffect">
                                   <p:stCondLst>
                                     <p:cond delay="0"/>
                                   </p:stCondLst>
                                   <p:childTnLst>
                                     <p:set>
                                       <p:cBhvr>
-                                        <p:cTn id="54" dur="1" fill="hold">
+                                        <p:cTn id="46" dur="1" fill="hold">
                                           <p:stCondLst>
                                             <p:cond delay="0"/>
                                           </p:stCondLst>
@@ -13312,13 +13015,13 @@
                           </p:cTn>
                         </p:par>
                         <p:par>
-                          <p:cTn id="55" fill="hold">
+                          <p:cTn id="47" fill="hold">
                             <p:stCondLst>
                               <p:cond delay="0"/>
                             </p:stCondLst>
                             <p:childTnLst>
                               <p:par>
-                                <p:cTn id="56" presetID="32" presetClass="emph" presetSubtype="0" repeatCount="indefinite" fill="hold" grpId="1" nodeType="afterEffect">
+                                <p:cTn id="48" presetID="32" presetClass="emph" presetSubtype="0" repeatCount="indefinite" fill="hold" grpId="1" nodeType="afterEffect">
                                   <p:stCondLst>
                                     <p:cond delay="0"/>
                                   </p:stCondLst>
@@ -13332,7 +13035,7 @@
                                   <p:childTnLst>
                                     <p:animRot by="120000">
                                       <p:cBhvr>
-                                        <p:cTn id="57" dur="100" fill="hold">
+                                        <p:cTn id="49" dur="100" fill="hold">
                                           <p:stCondLst>
                                             <p:cond delay="0"/>
                                           </p:stCondLst>
@@ -13347,7 +13050,7 @@
                                     </p:animRot>
                                     <p:animRot by="-240000">
                                       <p:cBhvr>
-                                        <p:cTn id="58" dur="200" fill="hold">
+                                        <p:cTn id="50" dur="200" fill="hold">
                                           <p:stCondLst>
                                             <p:cond delay="200"/>
                                           </p:stCondLst>
@@ -13362,7 +13065,7 @@
                                     </p:animRot>
                                     <p:animRot by="240000">
                                       <p:cBhvr>
-                                        <p:cTn id="59" dur="200" fill="hold">
+                                        <p:cTn id="51" dur="200" fill="hold">
                                           <p:stCondLst>
                                             <p:cond delay="400"/>
                                           </p:stCondLst>
@@ -13377,7 +13080,7 @@
                                     </p:animRot>
                                     <p:animRot by="-240000">
                                       <p:cBhvr>
-                                        <p:cTn id="60" dur="200" fill="hold">
+                                        <p:cTn id="52" dur="200" fill="hold">
                                           <p:stCondLst>
                                             <p:cond delay="600"/>
                                           </p:stCondLst>
@@ -13392,7 +13095,7 @@
                                     </p:animRot>
                                     <p:animRot by="120000">
                                       <p:cBhvr>
-                                        <p:cTn id="61" dur="200" fill="hold">
+                                        <p:cTn id="53" dur="200" fill="hold">
                                           <p:stCondLst>
                                             <p:cond delay="800"/>
                                           </p:stCondLst>
@@ -13439,7 +13142,6 @@
       <p:bldP spid="9" grpId="0"/>
       <p:bldP spid="11" grpId="0" animBg="1"/>
       <p:bldP spid="11" grpId="1" animBg="1"/>
-      <p:bldP spid="18" grpId="0"/>
       <p:bldP spid="5" grpId="0"/>
       <p:bldP spid="5" grpId="1"/>
       <p:bldP spid="7" grpId="0"/>
@@ -19960,6 +19662,43 @@
           </p:txBody>
         </p:sp>
       </p:grpSp>
+      <p:sp>
+        <p:nvSpPr>
+          <p:cNvPr id="8" name="Rectangle 7">
+            <a:extLst>
+              <a:ext uri="{FF2B5EF4-FFF2-40B4-BE49-F238E27FC236}">
+                <a16:creationId xmlns:a16="http://schemas.microsoft.com/office/drawing/2014/main" id="{C3F4464F-8E7E-4CA7-94F6-1063C4B0C677}"/>
+              </a:ext>
+            </a:extLst>
+          </p:cNvPr>
+          <p:cNvSpPr/>
+          <p:nvPr/>
+        </p:nvSpPr>
+        <p:spPr>
+          <a:xfrm>
+            <a:off x="6473103" y="4396796"/>
+            <a:ext cx="2704779" cy="584775"/>
+          </a:xfrm>
+          <a:prstGeom prst="rect">
+            <a:avLst/>
+          </a:prstGeom>
+        </p:spPr>
+        <p:txBody>
+          <a:bodyPr wrap="none">
+            <a:spAutoFit/>
+          </a:bodyPr>
+          <a:lstStyle/>
+          <a:p>
+            <a:r>
+              <a:rPr lang="en-US" sz="3200" dirty="0">
+                <a:hlinkClick r:id="rId7" action="ppaction://hlinkfile"/>
+              </a:rPr>
+              <a:t>blockchain.info</a:t>
+            </a:r>
+            <a:endParaRPr lang="en-US" sz="3200" dirty="0"/>
+          </a:p>
+        </p:txBody>
+      </p:sp>
     </p:spTree>
     <p:extLst>
       <p:ext uri="{BB962C8B-B14F-4D97-AF65-F5344CB8AC3E}">
@@ -20442,6 +20181,51 @@
                       </p:childTnLst>
                     </p:cTn>
                   </p:par>
+                  <p:par>
+                    <p:cTn id="39" fill="hold">
+                      <p:stCondLst>
+                        <p:cond delay="indefinite"/>
+                      </p:stCondLst>
+                      <p:childTnLst>
+                        <p:par>
+                          <p:cTn id="40" fill="hold">
+                            <p:stCondLst>
+                              <p:cond delay="0"/>
+                            </p:stCondLst>
+                            <p:childTnLst>
+                              <p:par>
+                                <p:cTn id="41" presetID="1" presetClass="entr" presetSubtype="0" fill="hold" grpId="0" nodeType="clickEffect">
+                                  <p:stCondLst>
+                                    <p:cond delay="0"/>
+                                  </p:stCondLst>
+                                  <p:childTnLst>
+                                    <p:set>
+                                      <p:cBhvr>
+                                        <p:cTn id="42" dur="1" fill="hold">
+                                          <p:stCondLst>
+                                            <p:cond delay="0"/>
+                                          </p:stCondLst>
+                                        </p:cTn>
+                                        <p:tgtEl>
+                                          <p:spTgt spid="8"/>
+                                        </p:tgtEl>
+                                        <p:attrNameLst>
+                                          <p:attrName>style.visibility</p:attrName>
+                                        </p:attrNameLst>
+                                      </p:cBhvr>
+                                      <p:to>
+                                        <p:strVal val="visible"/>
+                                      </p:to>
+                                    </p:set>
+                                  </p:childTnLst>
+                                </p:cTn>
+                              </p:par>
+                            </p:childTnLst>
+                          </p:cTn>
+                        </p:par>
+                      </p:childTnLst>
+                    </p:cTn>
+                  </p:par>
                 </p:childTnLst>
               </p:cTn>
               <p:prevCondLst>
@@ -20465,6 +20249,7 @@
     </p:tnLst>
     <p:bldLst>
       <p:bldP spid="3" grpId="0" uiExpand="1" build="p"/>
+      <p:bldP spid="8" grpId="0"/>
     </p:bldLst>
   </p:timing>
 </p:sld>
@@ -21504,8 +21289,8 @@
         </p:nvSpPr>
         <p:spPr>
           <a:xfrm>
-            <a:off x="7027996" y="3412230"/>
-            <a:ext cx="5238427" cy="1176057"/>
+            <a:off x="7027996" y="3412231"/>
+            <a:ext cx="5238427" cy="992954"/>
           </a:xfrm>
           <a:prstGeom prst="rect">
             <a:avLst/>
